--- a/published/lectures/02-time_complexity-pt_I/slides-wang.pptx
+++ b/published/lectures/02-time_complexity-pt_I/slides-wang.pptx
@@ -7,7 +7,7 @@
     <p:sldMasterId id="2147483668" r:id="rId3"/>
   </p:sldMasterIdLst>
   <p:notesMasterIdLst>
-    <p:notesMasterId r:id="rId43"/>
+    <p:notesMasterId r:id="rId45"/>
   </p:notesMasterIdLst>
   <p:sldIdLst>
     <p:sldId id="256" r:id="rId4"/>
@@ -41,62 +41,64 @@
     <p:sldId id="839" r:id="rId32"/>
     <p:sldId id="840" r:id="rId33"/>
     <p:sldId id="841" r:id="rId34"/>
-    <p:sldId id="842" r:id="rId35"/>
-    <p:sldId id="843" r:id="rId36"/>
+    <p:sldId id="843" r:id="rId35"/>
+    <p:sldId id="842" r:id="rId36"/>
     <p:sldId id="844" r:id="rId37"/>
-    <p:sldId id="811" r:id="rId38"/>
-    <p:sldId id="846" r:id="rId39"/>
-    <p:sldId id="847" r:id="rId40"/>
-    <p:sldId id="848" r:id="rId41"/>
-    <p:sldId id="845" r:id="rId42"/>
+    <p:sldId id="779" r:id="rId38"/>
+    <p:sldId id="811" r:id="rId39"/>
+    <p:sldId id="846" r:id="rId40"/>
+    <p:sldId id="847" r:id="rId41"/>
+    <p:sldId id="848" r:id="rId42"/>
+    <p:sldId id="849" r:id="rId43"/>
+    <p:sldId id="845" r:id="rId44"/>
   </p:sldIdLst>
   <p:sldSz cx="9144000" cy="6858000" type="screen4x3"/>
   <p:notesSz cx="6858000" cy="9144000"/>
   <p:embeddedFontLst>
     <p:embeddedFont>
       <p:font typeface="Arial Narrow" panose="020B0606020202030204" pitchFamily="34" charset="0"/>
-      <p:regular r:id="rId44"/>
-      <p:bold r:id="rId45"/>
-      <p:italic r:id="rId46"/>
-      <p:boldItalic r:id="rId47"/>
+      <p:regular r:id="rId46"/>
+      <p:bold r:id="rId47"/>
+      <p:italic r:id="rId48"/>
+      <p:boldItalic r:id="rId49"/>
     </p:embeddedFont>
     <p:embeddedFont>
       <p:font typeface="Bookman Old Style" panose="02050604050505020204" pitchFamily="18" charset="0"/>
-      <p:regular r:id="rId48"/>
-      <p:bold r:id="rId49"/>
-      <p:italic r:id="rId50"/>
-      <p:boldItalic r:id="rId51"/>
+      <p:regular r:id="rId50"/>
+      <p:bold r:id="rId51"/>
+      <p:italic r:id="rId52"/>
+      <p:boldItalic r:id="rId53"/>
     </p:embeddedFont>
     <p:embeddedFont>
       <p:font typeface="Calibri" panose="020F0502020204030204" pitchFamily="34" charset="0"/>
-      <p:regular r:id="rId52"/>
-      <p:bold r:id="rId53"/>
-      <p:italic r:id="rId54"/>
-      <p:boldItalic r:id="rId55"/>
+      <p:regular r:id="rId54"/>
+      <p:bold r:id="rId55"/>
+      <p:italic r:id="rId56"/>
+      <p:boldItalic r:id="rId57"/>
     </p:embeddedFont>
     <p:embeddedFont>
       <p:font typeface="Calibri Light" panose="020F0302020204030204" pitchFamily="34" charset="0"/>
-      <p:regular r:id="rId56"/>
-      <p:italic r:id="rId57"/>
+      <p:regular r:id="rId58"/>
+      <p:italic r:id="rId59"/>
     </p:embeddedFont>
     <p:embeddedFont>
       <p:font typeface="Cambria Math" panose="02040503050406030204" pitchFamily="18" charset="0"/>
-      <p:regular r:id="rId58"/>
+      <p:regular r:id="rId60"/>
     </p:embeddedFont>
     <p:embeddedFont>
       <p:font typeface="Gill Sans MT" panose="020B0502020104020203" pitchFamily="34" charset="0"/>
-      <p:regular r:id="rId59"/>
-      <p:bold r:id="rId60"/>
-      <p:italic r:id="rId61"/>
-      <p:boldItalic r:id="rId62"/>
+      <p:regular r:id="rId61"/>
+      <p:bold r:id="rId62"/>
+      <p:italic r:id="rId63"/>
+      <p:boldItalic r:id="rId64"/>
     </p:embeddedFont>
     <p:embeddedFont>
       <p:font typeface="Wingdings 3" panose="05040102010807070707" pitchFamily="18" charset="2"/>
-      <p:regular r:id="rId63"/>
+      <p:regular r:id="rId65"/>
     </p:embeddedFont>
   </p:embeddedFontLst>
   <p:custDataLst>
-    <p:tags r:id="rId64"/>
+    <p:tags r:id="rId66"/>
   </p:custDataLst>
   <p:defaultTextStyle>
     <a:defPPr>
@@ -349,7 +351,7 @@
               <a:pPr>
                 <a:defRPr/>
               </a:pPr>
-              <a:t>1/4/2021</a:t>
+              <a:t>1/6/2021</a:t>
             </a:fld>
             <a:endParaRPr lang="en-US"/>
           </a:p>
@@ -1207,7 +1209,7 @@
               <a:pPr>
                 <a:defRPr/>
               </a:pPr>
-              <a:t>33</a:t>
+              <a:t>32</a:t>
             </a:fld>
             <a:endParaRPr lang="en-US"/>
           </a:p>
@@ -1589,7 +1591,7 @@
               <a:pPr>
                 <a:defRPr/>
               </a:pPr>
-              <a:t>1/4/2021</a:t>
+              <a:t>1/6/2021</a:t>
             </a:fld>
             <a:endParaRPr lang="en-US"/>
           </a:p>
@@ -1833,7 +1835,7 @@
           <a:p>
             <a:fld id="{344494C4-6097-4BA9-B81C-8FE8D10E85BA}" type="datetimeFigureOut">
               <a:rPr lang="en-US" smtClean="0"/>
-              <a:t>1/4/2021</a:t>
+              <a:t>1/6/2021</a:t>
             </a:fld>
             <a:endParaRPr lang="en-US"/>
           </a:p>
@@ -2078,7 +2080,7 @@
           <a:p>
             <a:fld id="{344494C4-6097-4BA9-B81C-8FE8D10E85BA}" type="datetimeFigureOut">
               <a:rPr lang="en-US" smtClean="0"/>
-              <a:t>1/4/2021</a:t>
+              <a:t>1/6/2021</a:t>
             </a:fld>
             <a:endParaRPr lang="en-US"/>
           </a:p>
@@ -2458,7 +2460,7 @@
           <a:p>
             <a:fld id="{344494C4-6097-4BA9-B81C-8FE8D10E85BA}" type="datetimeFigureOut">
               <a:rPr lang="en-US" smtClean="0"/>
-              <a:t>1/4/2021</a:t>
+              <a:t>1/6/2021</a:t>
             </a:fld>
             <a:endParaRPr lang="en-US"/>
           </a:p>
@@ -2591,7 +2593,7 @@
           <a:p>
             <a:fld id="{344494C4-6097-4BA9-B81C-8FE8D10E85BA}" type="datetimeFigureOut">
               <a:rPr lang="en-US" smtClean="0"/>
-              <a:t>1/4/2021</a:t>
+              <a:t>1/6/2021</a:t>
             </a:fld>
             <a:endParaRPr lang="en-US"/>
           </a:p>
@@ -2702,7 +2704,7 @@
           <a:p>
             <a:fld id="{344494C4-6097-4BA9-B81C-8FE8D10E85BA}" type="datetimeFigureOut">
               <a:rPr lang="en-US" smtClean="0"/>
-              <a:t>1/4/2021</a:t>
+              <a:t>1/6/2021</a:t>
             </a:fld>
             <a:endParaRPr lang="en-US"/>
           </a:p>
@@ -2993,7 +2995,7 @@
           <a:p>
             <a:fld id="{344494C4-6097-4BA9-B81C-8FE8D10E85BA}" type="datetimeFigureOut">
               <a:rPr lang="en-US" smtClean="0"/>
-              <a:t>1/4/2021</a:t>
+              <a:t>1/6/2021</a:t>
             </a:fld>
             <a:endParaRPr lang="en-US"/>
           </a:p>
@@ -3261,7 +3263,7 @@
           <a:p>
             <a:fld id="{344494C4-6097-4BA9-B81C-8FE8D10E85BA}" type="datetimeFigureOut">
               <a:rPr lang="en-US" smtClean="0"/>
-              <a:t>1/4/2021</a:t>
+              <a:t>1/6/2021</a:t>
             </a:fld>
             <a:endParaRPr lang="en-US"/>
           </a:p>
@@ -3445,7 +3447,7 @@
           <a:p>
             <a:fld id="{344494C4-6097-4BA9-B81C-8FE8D10E85BA}" type="datetimeFigureOut">
               <a:rPr lang="en-US" smtClean="0"/>
-              <a:t>1/4/2021</a:t>
+              <a:t>1/6/2021</a:t>
             </a:fld>
             <a:endParaRPr lang="en-US"/>
           </a:p>
@@ -3639,7 +3641,7 @@
           <a:p>
             <a:fld id="{344494C4-6097-4BA9-B81C-8FE8D10E85BA}" type="datetimeFigureOut">
               <a:rPr lang="en-US" smtClean="0"/>
-              <a:t>1/4/2021</a:t>
+              <a:t>1/6/2021</a:t>
             </a:fld>
             <a:endParaRPr lang="en-US"/>
           </a:p>
@@ -3837,7 +3839,7 @@
           <a:p>
             <a:fld id="{7BF7D500-1223-4445-9EB2-2C72C770F9EB}" type="datetimeFigureOut">
               <a:rPr lang="en-US" smtClean="0"/>
-              <a:t>1/4/2021</a:t>
+              <a:t>1/6/2021</a:t>
             </a:fld>
             <a:endParaRPr lang="en-US"/>
           </a:p>
@@ -4020,7 +4022,7 @@
               <a:pPr>
                 <a:defRPr/>
               </a:pPr>
-              <a:t>1/4/2021</a:t>
+              <a:t>1/6/2021</a:t>
             </a:fld>
             <a:endParaRPr lang="en-US"/>
           </a:p>
@@ -4174,7 +4176,7 @@
           <a:p>
             <a:fld id="{7BF7D500-1223-4445-9EB2-2C72C770F9EB}" type="datetimeFigureOut">
               <a:rPr lang="en-US" smtClean="0"/>
-              <a:t>1/4/2021</a:t>
+              <a:t>1/6/2021</a:t>
             </a:fld>
             <a:endParaRPr lang="en-US"/>
           </a:p>
@@ -4419,7 +4421,7 @@
           <a:p>
             <a:fld id="{7BF7D500-1223-4445-9EB2-2C72C770F9EB}" type="datetimeFigureOut">
               <a:rPr lang="en-US" smtClean="0"/>
-              <a:t>1/4/2021</a:t>
+              <a:t>1/6/2021</a:t>
             </a:fld>
             <a:endParaRPr lang="en-US"/>
           </a:p>
@@ -4648,7 +4650,7 @@
           <a:p>
             <a:fld id="{7BF7D500-1223-4445-9EB2-2C72C770F9EB}" type="datetimeFigureOut">
               <a:rPr lang="en-US" smtClean="0"/>
-              <a:t>1/4/2021</a:t>
+              <a:t>1/6/2021</a:t>
             </a:fld>
             <a:endParaRPr lang="en-US"/>
           </a:p>
@@ -5012,7 +5014,7 @@
           <a:p>
             <a:fld id="{7BF7D500-1223-4445-9EB2-2C72C770F9EB}" type="datetimeFigureOut">
               <a:rPr lang="en-US" smtClean="0"/>
-              <a:t>1/4/2021</a:t>
+              <a:t>1/6/2021</a:t>
             </a:fld>
             <a:endParaRPr lang="en-US"/>
           </a:p>
@@ -5129,7 +5131,7 @@
           <a:p>
             <a:fld id="{7BF7D500-1223-4445-9EB2-2C72C770F9EB}" type="datetimeFigureOut">
               <a:rPr lang="en-US" smtClean="0"/>
-              <a:t>1/4/2021</a:t>
+              <a:t>1/6/2021</a:t>
             </a:fld>
             <a:endParaRPr lang="en-US"/>
           </a:p>
@@ -5224,7 +5226,7 @@
           <a:p>
             <a:fld id="{7BF7D500-1223-4445-9EB2-2C72C770F9EB}" type="datetimeFigureOut">
               <a:rPr lang="en-US" smtClean="0"/>
-              <a:t>1/4/2021</a:t>
+              <a:t>1/6/2021</a:t>
             </a:fld>
             <a:endParaRPr lang="en-US"/>
           </a:p>
@@ -5499,7 +5501,7 @@
           <a:p>
             <a:fld id="{7BF7D500-1223-4445-9EB2-2C72C770F9EB}" type="datetimeFigureOut">
               <a:rPr lang="en-US" smtClean="0"/>
-              <a:t>1/4/2021</a:t>
+              <a:t>1/6/2021</a:t>
             </a:fld>
             <a:endParaRPr lang="en-US"/>
           </a:p>
@@ -5751,7 +5753,7 @@
           <a:p>
             <a:fld id="{7BF7D500-1223-4445-9EB2-2C72C770F9EB}" type="datetimeFigureOut">
               <a:rPr lang="en-US" smtClean="0"/>
-              <a:t>1/4/2021</a:t>
+              <a:t>1/6/2021</a:t>
             </a:fld>
             <a:endParaRPr lang="en-US"/>
           </a:p>
@@ -5919,7 +5921,7 @@
           <a:p>
             <a:fld id="{7BF7D500-1223-4445-9EB2-2C72C770F9EB}" type="datetimeFigureOut">
               <a:rPr lang="en-US" smtClean="0"/>
-              <a:t>1/4/2021</a:t>
+              <a:t>1/6/2021</a:t>
             </a:fld>
             <a:endParaRPr lang="en-US"/>
           </a:p>
@@ -6097,7 +6099,7 @@
           <a:p>
             <a:fld id="{7BF7D500-1223-4445-9EB2-2C72C770F9EB}" type="datetimeFigureOut">
               <a:rPr lang="en-US" smtClean="0"/>
-              <a:t>1/4/2021</a:t>
+              <a:t>1/6/2021</a:t>
             </a:fld>
             <a:endParaRPr lang="en-US"/>
           </a:p>
@@ -6341,7 +6343,7 @@
               <a:pPr>
                 <a:defRPr/>
               </a:pPr>
-              <a:t>1/4/2021</a:t>
+              <a:t>1/6/2021</a:t>
             </a:fld>
             <a:endParaRPr lang="en-US"/>
           </a:p>
@@ -6691,7 +6693,7 @@
               <a:pPr>
                 <a:defRPr/>
               </a:pPr>
-              <a:t>1/4/2021</a:t>
+              <a:t>1/6/2021</a:t>
             </a:fld>
             <a:endParaRPr lang="en-US"/>
           </a:p>
@@ -6855,7 +6857,7 @@
               <a:pPr>
                 <a:defRPr/>
               </a:pPr>
-              <a:t>1/4/2021</a:t>
+              <a:t>1/6/2021</a:t>
             </a:fld>
             <a:endParaRPr lang="en-US"/>
           </a:p>
@@ -6946,7 +6948,7 @@
               <a:pPr>
                 <a:defRPr/>
               </a:pPr>
-              <a:t>1/4/2021</a:t>
+              <a:t>1/6/2021</a:t>
             </a:fld>
             <a:endParaRPr lang="en-US"/>
           </a:p>
@@ -7055,7 +7057,7 @@
               <a:pPr>
                 <a:defRPr/>
               </a:pPr>
-              <a:t>1/4/2021</a:t>
+              <a:t>1/6/2021</a:t>
             </a:fld>
             <a:endParaRPr lang="en-US"/>
           </a:p>
@@ -7240,7 +7242,7 @@
           <a:p>
             <a:fld id="{344494C4-6097-4BA9-B81C-8FE8D10E85BA}" type="datetimeFigureOut">
               <a:rPr lang="en-US" smtClean="0"/>
-              <a:t>1/4/2021</a:t>
+              <a:t>1/6/2021</a:t>
             </a:fld>
             <a:endParaRPr lang="en-US"/>
           </a:p>
@@ -7424,7 +7426,7 @@
           <a:p>
             <a:fld id="{344494C4-6097-4BA9-B81C-8FE8D10E85BA}" type="datetimeFigureOut">
               <a:rPr lang="en-US" smtClean="0"/>
-              <a:t>1/4/2021</a:t>
+              <a:t>1/6/2021</a:t>
             </a:fld>
             <a:endParaRPr lang="en-US"/>
           </a:p>
@@ -7673,7 +7675,7 @@
               <a:pPr>
                 <a:defRPr/>
               </a:pPr>
-              <a:t>1/4/2021</a:t>
+              <a:t>1/6/2021</a:t>
             </a:fld>
             <a:endParaRPr lang="en-US"/>
           </a:p>
@@ -8927,7 +8929,7 @@
           <a:p>
             <a:fld id="{7BF7D500-1223-4445-9EB2-2C72C770F9EB}" type="datetimeFigureOut">
               <a:rPr lang="en-US" smtClean="0"/>
-              <a:t>1/4/2021</a:t>
+              <a:t>1/6/2021</a:t>
             </a:fld>
             <a:endParaRPr lang="en-US"/>
           </a:p>
@@ -10918,7 +10920,7 @@
         </p:nvSpPr>
         <p:spPr>
           <a:xfrm>
-            <a:off x="7239000" y="1371600"/>
+            <a:off x="7162800" y="1371600"/>
             <a:ext cx="76200" cy="3276600"/>
           </a:xfrm>
           <a:prstGeom prst="downArrow">
@@ -13735,8 +13737,8 @@
           </a:p>
         </p:txBody>
       </p:sp>
-      <mc:AlternateContent xmlns:mc="http://schemas.openxmlformats.org/markup-compatibility/2006" xmlns:a14="http://schemas.microsoft.com/office/drawing/2010/main">
-        <mc:Choice Requires="a14">
+      <mc:AlternateContent xmlns:mc="http://schemas.openxmlformats.org/markup-compatibility/2006">
+        <mc:Choice xmlns:a14="http://schemas.microsoft.com/office/drawing/2010/main" Requires="a14">
           <p:sp>
             <p:nvSpPr>
               <p:cNvPr id="3" name="Content Placeholder 2">
@@ -14357,12 +14359,143 @@
                 </a:r>
               </a:p>
               <a:p>
+                <a14:m>
+                  <m:oMath xmlns:m="http://schemas.openxmlformats.org/officeDocument/2006/math">
+                    <m:func>
+                      <m:funcPr>
+                        <m:ctrlPr>
+                          <a:rPr lang="en-US" b="0" i="1" smtClean="0">
+                            <a:latin typeface="Cambria Math" panose="02040503050406030204" pitchFamily="18" charset="0"/>
+                          </a:rPr>
+                        </m:ctrlPr>
+                      </m:funcPr>
+                      <m:fName>
+                        <m:sSub>
+                          <m:sSubPr>
+                            <m:ctrlPr>
+                              <a:rPr lang="en-US" b="0" i="1" smtClean="0">
+                                <a:latin typeface="Cambria Math" panose="02040503050406030204" pitchFamily="18" charset="0"/>
+                              </a:rPr>
+                            </m:ctrlPr>
+                          </m:sSubPr>
+                          <m:e>
+                            <m:r>
+                              <m:rPr>
+                                <m:sty m:val="p"/>
+                              </m:rPr>
+                              <a:rPr lang="en-US" b="0" i="0" smtClean="0">
+                                <a:latin typeface="Cambria Math" panose="02040503050406030204" pitchFamily="18" charset="0"/>
+                              </a:rPr>
+                              <m:t>log</m:t>
+                            </m:r>
+                          </m:e>
+                          <m:sub>
+                            <m:r>
+                              <a:rPr lang="en-US" b="0" i="1" smtClean="0">
+                                <a:latin typeface="Cambria Math" panose="02040503050406030204" pitchFamily="18" charset="0"/>
+                              </a:rPr>
+                              <m:t>2</m:t>
+                            </m:r>
+                          </m:sub>
+                        </m:sSub>
+                      </m:fName>
+                      <m:e>
+                        <m:r>
+                          <a:rPr lang="en-US" b="0" i="1" smtClean="0">
+                            <a:latin typeface="Cambria Math" panose="02040503050406030204" pitchFamily="18" charset="0"/>
+                          </a:rPr>
+                          <m:t>𝑛</m:t>
+                        </m:r>
+                      </m:e>
+                    </m:func>
+                    <m:r>
+                      <a:rPr lang="en-US" b="0" i="1" smtClean="0">
+                        <a:latin typeface="Cambria Math" panose="02040503050406030204" pitchFamily="18" charset="0"/>
+                      </a:rPr>
+                      <m:t>=</m:t>
+                    </m:r>
+                    <m:r>
+                      <a:rPr lang="en-US" b="0" i="1" smtClean="0">
+                        <a:latin typeface="Cambria Math" panose="02040503050406030204" pitchFamily="18" charset="0"/>
+                      </a:rPr>
+                      <m:t>𝑂</m:t>
+                    </m:r>
+                    <m:r>
+                      <a:rPr lang="en-US" b="0" i="1" smtClean="0">
+                        <a:latin typeface="Cambria Math" panose="02040503050406030204" pitchFamily="18" charset="0"/>
+                      </a:rPr>
+                      <m:t>(</m:t>
+                    </m:r>
+                    <m:func>
+                      <m:funcPr>
+                        <m:ctrlPr>
+                          <a:rPr lang="en-US" b="0" i="1" smtClean="0">
+                            <a:latin typeface="Cambria Math" panose="02040503050406030204" pitchFamily="18" charset="0"/>
+                          </a:rPr>
+                        </m:ctrlPr>
+                      </m:funcPr>
+                      <m:fName>
+                        <m:sSub>
+                          <m:sSubPr>
+                            <m:ctrlPr>
+                              <a:rPr lang="en-US" b="0" i="1" smtClean="0">
+                                <a:latin typeface="Cambria Math" panose="02040503050406030204" pitchFamily="18" charset="0"/>
+                              </a:rPr>
+                            </m:ctrlPr>
+                          </m:sSubPr>
+                          <m:e>
+                            <m:r>
+                              <m:rPr>
+                                <m:sty m:val="p"/>
+                              </m:rPr>
+                              <a:rPr lang="en-US" b="0" i="0" smtClean="0">
+                                <a:latin typeface="Cambria Math" panose="02040503050406030204" pitchFamily="18" charset="0"/>
+                              </a:rPr>
+                              <m:t>log</m:t>
+                            </m:r>
+                          </m:e>
+                          <m:sub>
+                            <m:r>
+                              <a:rPr lang="en-US" b="0" i="1" smtClean="0">
+                                <a:latin typeface="Cambria Math" panose="02040503050406030204" pitchFamily="18" charset="0"/>
+                              </a:rPr>
+                              <m:t>10</m:t>
+                            </m:r>
+                          </m:sub>
+                        </m:sSub>
+                      </m:fName>
+                      <m:e>
+                        <m:r>
+                          <a:rPr lang="en-US" b="0" i="1" smtClean="0">
+                            <a:latin typeface="Cambria Math" panose="02040503050406030204" pitchFamily="18" charset="0"/>
+                          </a:rPr>
+                          <m:t>𝑛</m:t>
+                        </m:r>
+                      </m:e>
+                    </m:func>
+                    <m:r>
+                      <a:rPr lang="en-US" b="0" i="1" smtClean="0">
+                        <a:latin typeface="Cambria Math" panose="02040503050406030204" pitchFamily="18" charset="0"/>
+                      </a:rPr>
+                      <m:t>)</m:t>
+                    </m:r>
+                  </m:oMath>
+                </a14:m>
+                <a:r>
+                  <a:rPr lang="en-US" dirty="0"/>
+                  <a:t> ?</a:t>
+                </a:r>
+              </a:p>
+              <a:p>
+                <a:endParaRPr lang="en-US" dirty="0"/>
+              </a:p>
+              <a:p>
                 <a:endParaRPr lang="en-US" dirty="0"/>
               </a:p>
             </p:txBody>
           </p:sp>
         </mc:Choice>
-        <mc:Fallback xmlns="">
+        <mc:Fallback>
           <p:sp>
             <p:nvSpPr>
               <p:cNvPr id="3" name="Content Placeholder 2">
@@ -15803,8 +15936,8 @@
           </a:p>
         </p:txBody>
       </p:sp>
-      <mc:AlternateContent xmlns:mc="http://schemas.openxmlformats.org/markup-compatibility/2006" xmlns:a14="http://schemas.microsoft.com/office/drawing/2010/main">
-        <mc:Choice Requires="a14">
+      <mc:AlternateContent xmlns:mc="http://schemas.openxmlformats.org/markup-compatibility/2006">
+        <mc:Choice xmlns:a14="http://schemas.microsoft.com/office/drawing/2010/main" Requires="a14">
           <p:sp>
             <p:nvSpPr>
               <p:cNvPr id="3" name="Content Placeholder 2">
@@ -15992,134 +16125,6 @@
               <a:p>
                 <a14:m>
                   <m:oMath xmlns:m="http://schemas.openxmlformats.org/officeDocument/2006/math">
-                    <m:func>
-                      <m:funcPr>
-                        <m:ctrlPr>
-                          <a:rPr lang="en-US" b="0" i="1" smtClean="0">
-                            <a:latin typeface="Cambria Math" panose="02040503050406030204" pitchFamily="18" charset="0"/>
-                          </a:rPr>
-                        </m:ctrlPr>
-                      </m:funcPr>
-                      <m:fName>
-                        <m:sSub>
-                          <m:sSubPr>
-                            <m:ctrlPr>
-                              <a:rPr lang="en-US" b="0" i="1" smtClean="0">
-                                <a:latin typeface="Cambria Math" panose="02040503050406030204" pitchFamily="18" charset="0"/>
-                              </a:rPr>
-                            </m:ctrlPr>
-                          </m:sSubPr>
-                          <m:e>
-                            <m:r>
-                              <m:rPr>
-                                <m:sty m:val="p"/>
-                              </m:rPr>
-                              <a:rPr lang="en-US" b="0" i="0" smtClean="0">
-                                <a:latin typeface="Cambria Math" panose="02040503050406030204" pitchFamily="18" charset="0"/>
-                              </a:rPr>
-                              <m:t>log</m:t>
-                            </m:r>
-                          </m:e>
-                          <m:sub>
-                            <m:r>
-                              <a:rPr lang="en-US" b="0" i="1" smtClean="0">
-                                <a:latin typeface="Cambria Math" panose="02040503050406030204" pitchFamily="18" charset="0"/>
-                              </a:rPr>
-                              <m:t>2</m:t>
-                            </m:r>
-                          </m:sub>
-                        </m:sSub>
-                      </m:fName>
-                      <m:e>
-                        <m:r>
-                          <a:rPr lang="en-US" b="0" i="1" smtClean="0">
-                            <a:latin typeface="Cambria Math" panose="02040503050406030204" pitchFamily="18" charset="0"/>
-                          </a:rPr>
-                          <m:t>𝑛</m:t>
-                        </m:r>
-                      </m:e>
-                    </m:func>
-                    <m:r>
-                      <a:rPr lang="en-US" b="0" i="1" smtClean="0">
-                        <a:latin typeface="Cambria Math" panose="02040503050406030204" pitchFamily="18" charset="0"/>
-                      </a:rPr>
-                      <m:t>=</m:t>
-                    </m:r>
-                    <m:r>
-                      <a:rPr lang="en-US" b="0" i="1" smtClean="0">
-                        <a:latin typeface="Cambria Math" panose="02040503050406030204" pitchFamily="18" charset="0"/>
-                      </a:rPr>
-                      <m:t>𝑂</m:t>
-                    </m:r>
-                    <m:r>
-                      <a:rPr lang="en-US" b="0" i="1" smtClean="0">
-                        <a:latin typeface="Cambria Math" panose="02040503050406030204" pitchFamily="18" charset="0"/>
-                      </a:rPr>
-                      <m:t>(</m:t>
-                    </m:r>
-                    <m:func>
-                      <m:funcPr>
-                        <m:ctrlPr>
-                          <a:rPr lang="en-US" b="0" i="1" smtClean="0">
-                            <a:latin typeface="Cambria Math" panose="02040503050406030204" pitchFamily="18" charset="0"/>
-                          </a:rPr>
-                        </m:ctrlPr>
-                      </m:funcPr>
-                      <m:fName>
-                        <m:sSub>
-                          <m:sSubPr>
-                            <m:ctrlPr>
-                              <a:rPr lang="en-US" b="0" i="1" smtClean="0">
-                                <a:latin typeface="Cambria Math" panose="02040503050406030204" pitchFamily="18" charset="0"/>
-                              </a:rPr>
-                            </m:ctrlPr>
-                          </m:sSubPr>
-                          <m:e>
-                            <m:r>
-                              <m:rPr>
-                                <m:sty m:val="p"/>
-                              </m:rPr>
-                              <a:rPr lang="en-US" b="0" i="0" smtClean="0">
-                                <a:latin typeface="Cambria Math" panose="02040503050406030204" pitchFamily="18" charset="0"/>
-                              </a:rPr>
-                              <m:t>log</m:t>
-                            </m:r>
-                          </m:e>
-                          <m:sub>
-                            <m:r>
-                              <a:rPr lang="en-US" b="0" i="1" smtClean="0">
-                                <a:latin typeface="Cambria Math" panose="02040503050406030204" pitchFamily="18" charset="0"/>
-                              </a:rPr>
-                              <m:t>10</m:t>
-                            </m:r>
-                          </m:sub>
-                        </m:sSub>
-                      </m:fName>
-                      <m:e>
-                        <m:r>
-                          <a:rPr lang="en-US" b="0" i="1" smtClean="0">
-                            <a:latin typeface="Cambria Math" panose="02040503050406030204" pitchFamily="18" charset="0"/>
-                          </a:rPr>
-                          <m:t>𝑛</m:t>
-                        </m:r>
-                      </m:e>
-                    </m:func>
-                    <m:r>
-                      <a:rPr lang="en-US" b="0" i="1" smtClean="0">
-                        <a:latin typeface="Cambria Math" panose="02040503050406030204" pitchFamily="18" charset="0"/>
-                      </a:rPr>
-                      <m:t>)</m:t>
-                    </m:r>
-                  </m:oMath>
-                </a14:m>
-                <a:r>
-                  <a:rPr lang="en-US" dirty="0"/>
-                  <a:t> ?</a:t>
-                </a:r>
-              </a:p>
-              <a:p>
-                <a14:m>
-                  <m:oMath xmlns:m="http://schemas.openxmlformats.org/officeDocument/2006/math">
                     <m:sSup>
                       <m:sSupPr>
                         <m:ctrlPr>
@@ -16297,7 +16302,7 @@
             </p:txBody>
           </p:sp>
         </mc:Choice>
-        <mc:Fallback xmlns="">
+        <mc:Fallback>
           <p:sp>
             <p:nvSpPr>
               <p:cNvPr id="3" name="Content Placeholder 2">
@@ -18442,8 +18447,8 @@
           </a:p>
         </p:txBody>
       </p:sp>
-      <mc:AlternateContent xmlns:mc="http://schemas.openxmlformats.org/markup-compatibility/2006" xmlns:a14="http://schemas.microsoft.com/office/drawing/2010/main">
-        <mc:Choice Requires="a14">
+      <mc:AlternateContent xmlns:mc="http://schemas.openxmlformats.org/markup-compatibility/2006">
+        <mc:Choice xmlns:a14="http://schemas.microsoft.com/office/drawing/2010/main" Requires="a14">
           <p:sp>
             <p:nvSpPr>
               <p:cNvPr id="3" name="Content Placeholder 2">
@@ -18614,104 +18619,6 @@
                 <a:endParaRPr lang="en-US" dirty="0"/>
               </a:p>
               <a:p>
-                <a14:m>
-                  <m:oMath xmlns:m="http://schemas.openxmlformats.org/officeDocument/2006/math">
-                    <m:sSup>
-                      <m:sSupPr>
-                        <m:ctrlPr>
-                          <a:rPr lang="en-US" b="0" i="1" smtClean="0">
-                            <a:latin typeface="Cambria Math" panose="02040503050406030204" pitchFamily="18" charset="0"/>
-                          </a:rPr>
-                        </m:ctrlPr>
-                      </m:sSupPr>
-                      <m:e>
-                        <m:r>
-                          <a:rPr lang="en-US" b="0" i="1" smtClean="0">
-                            <a:latin typeface="Cambria Math" panose="02040503050406030204" pitchFamily="18" charset="0"/>
-                          </a:rPr>
-                          <m:t>𝑛</m:t>
-                        </m:r>
-                      </m:e>
-                      <m:sup>
-                        <m:r>
-                          <a:rPr lang="en-US" b="0" i="1" smtClean="0">
-                            <a:latin typeface="Cambria Math" panose="02040503050406030204" pitchFamily="18" charset="0"/>
-                          </a:rPr>
-                          <m:t>2</m:t>
-                        </m:r>
-                      </m:sup>
-                    </m:sSup>
-                    <m:r>
-                      <a:rPr lang="en-US" b="0" i="1" smtClean="0">
-                        <a:latin typeface="Cambria Math" panose="02040503050406030204" pitchFamily="18" charset="0"/>
-                      </a:rPr>
-                      <m:t>=</m:t>
-                    </m:r>
-                    <m:r>
-                      <m:rPr>
-                        <m:sty m:val="p"/>
-                      </m:rPr>
-                      <a:rPr lang="en-US" b="0" i="0" smtClean="0">
-                        <a:latin typeface="Cambria Math" panose="02040503050406030204" pitchFamily="18" charset="0"/>
-                      </a:rPr>
-                      <m:t>Ω</m:t>
-                    </m:r>
-                    <m:d>
-                      <m:dPr>
-                        <m:ctrlPr>
-                          <a:rPr lang="en-US" b="0" i="1" smtClean="0">
-                            <a:latin typeface="Cambria Math" panose="02040503050406030204" pitchFamily="18" charset="0"/>
-                          </a:rPr>
-                        </m:ctrlPr>
-                      </m:dPr>
-                      <m:e>
-                        <m:sSup>
-                          <m:sSupPr>
-                            <m:ctrlPr>
-                              <a:rPr lang="en-US" b="0" i="1" smtClean="0">
-                                <a:latin typeface="Cambria Math" panose="02040503050406030204" pitchFamily="18" charset="0"/>
-                              </a:rPr>
-                            </m:ctrlPr>
-                          </m:sSupPr>
-                          <m:e>
-                            <m:r>
-                              <a:rPr lang="en-US" b="0" i="1" smtClean="0">
-                                <a:latin typeface="Cambria Math" panose="02040503050406030204" pitchFamily="18" charset="0"/>
-                              </a:rPr>
-                              <m:t>100 </m:t>
-                            </m:r>
-                            <m:r>
-                              <a:rPr lang="en-US" b="0" i="1" smtClean="0">
-                                <a:latin typeface="Cambria Math" panose="02040503050406030204" pitchFamily="18" charset="0"/>
-                              </a:rPr>
-                              <m:t>𝑛</m:t>
-                            </m:r>
-                          </m:e>
-                          <m:sup>
-                            <m:r>
-                              <a:rPr lang="en-US" b="0" i="1" smtClean="0">
-                                <a:latin typeface="Cambria Math" panose="02040503050406030204" pitchFamily="18" charset="0"/>
-                              </a:rPr>
-                              <m:t>2</m:t>
-                            </m:r>
-                          </m:sup>
-                        </m:sSup>
-                      </m:e>
-                    </m:d>
-                  </m:oMath>
-                </a14:m>
-                <a:r>
-                  <a:rPr lang="en-US" dirty="0"/>
-                  <a:t> ? </a:t>
-                </a:r>
-              </a:p>
-              <a:p>
-                <a:r>
-                  <a:rPr lang="en-US" dirty="0"/>
-                  <a:t>Proof: </a:t>
-                </a:r>
-              </a:p>
-              <a:p>
                 <a:endParaRPr lang="en-US" dirty="0"/>
               </a:p>
               <a:p>
@@ -18723,7 +18630,7 @@
             </p:txBody>
           </p:sp>
         </mc:Choice>
-        <mc:Fallback xmlns="">
+        <mc:Fallback>
           <p:sp>
             <p:nvSpPr>
               <p:cNvPr id="3" name="Content Placeholder 2">
@@ -20091,8 +19998,8 @@
           </a:p>
         </p:txBody>
       </p:sp>
-      <mc:AlternateContent xmlns:mc="http://schemas.openxmlformats.org/markup-compatibility/2006" xmlns:a14="http://schemas.microsoft.com/office/drawing/2010/main">
-        <mc:Choice Requires="a14">
+      <mc:AlternateContent xmlns:mc="http://schemas.openxmlformats.org/markup-compatibility/2006">
+        <mc:Choice xmlns:a14="http://schemas.microsoft.com/office/drawing/2010/main" Requires="a14">
           <p:sp>
             <p:nvSpPr>
               <p:cNvPr id="3" name="Content Placeholder 2">
@@ -20310,6 +20217,98 @@
                             <m:r>
                               <a:rPr lang="en-US" b="0" i="1" smtClean="0">
                                 <a:latin typeface="Cambria Math"/>
+                              </a:rPr>
+                              <m:t>2</m:t>
+                            </m:r>
+                          </m:sup>
+                        </m:sSup>
+                      </m:e>
+                    </m:d>
+                  </m:oMath>
+                </a14:m>
+                <a:r>
+                  <a:rPr lang="en-US" dirty="0"/>
+                  <a:t> ? </a:t>
+                </a:r>
+              </a:p>
+              <a:p>
+                <a14:m>
+                  <m:oMath xmlns:m="http://schemas.openxmlformats.org/officeDocument/2006/math">
+                    <m:sSup>
+                      <m:sSupPr>
+                        <m:ctrlPr>
+                          <a:rPr lang="en-US" b="0" i="1" smtClean="0">
+                            <a:latin typeface="Cambria Math" panose="02040503050406030204" pitchFamily="18" charset="0"/>
+                          </a:rPr>
+                        </m:ctrlPr>
+                      </m:sSupPr>
+                      <m:e>
+                        <m:r>
+                          <a:rPr lang="en-US" b="0" i="1" smtClean="0">
+                            <a:latin typeface="Cambria Math" panose="02040503050406030204" pitchFamily="18" charset="0"/>
+                          </a:rPr>
+                          <m:t>𝑛</m:t>
+                        </m:r>
+                      </m:e>
+                      <m:sup>
+                        <m:r>
+                          <a:rPr lang="en-US" b="0" i="1" smtClean="0">
+                            <a:latin typeface="Cambria Math" panose="02040503050406030204" pitchFamily="18" charset="0"/>
+                          </a:rPr>
+                          <m:t>2</m:t>
+                        </m:r>
+                      </m:sup>
+                    </m:sSup>
+                    <m:r>
+                      <a:rPr lang="en-US" b="0" i="1" smtClean="0">
+                        <a:latin typeface="Cambria Math" panose="02040503050406030204" pitchFamily="18" charset="0"/>
+                      </a:rPr>
+                      <m:t>=</m:t>
+                    </m:r>
+                    <m:r>
+                      <m:rPr>
+                        <m:sty m:val="p"/>
+                      </m:rPr>
+                      <a:rPr lang="en-US" b="0" i="0" smtClean="0">
+                        <a:latin typeface="Cambria Math" panose="02040503050406030204" pitchFamily="18" charset="0"/>
+                      </a:rPr>
+                      <m:t>Ω</m:t>
+                    </m:r>
+                    <m:d>
+                      <m:dPr>
+                        <m:ctrlPr>
+                          <a:rPr lang="en-US" b="0" i="1" smtClean="0">
+                            <a:latin typeface="Cambria Math" panose="02040503050406030204" pitchFamily="18" charset="0"/>
+                          </a:rPr>
+                        </m:ctrlPr>
+                      </m:dPr>
+                      <m:e>
+                        <m:sSup>
+                          <m:sSupPr>
+                            <m:ctrlPr>
+                              <a:rPr lang="en-US" b="0" i="1" smtClean="0">
+                                <a:latin typeface="Cambria Math" panose="02040503050406030204" pitchFamily="18" charset="0"/>
+                              </a:rPr>
+                            </m:ctrlPr>
+                          </m:sSupPr>
+                          <m:e>
+                            <m:r>
+                              <a:rPr lang="en-US" b="0" i="1" smtClean="0">
+                                <a:latin typeface="Cambria Math" panose="02040503050406030204" pitchFamily="18" charset="0"/>
+                              </a:rPr>
+                              <m:t>100 </m:t>
+                            </m:r>
+                            <m:r>
+                              <a:rPr lang="en-US" b="0" i="1" smtClean="0">
+                                <a:latin typeface="Cambria Math" panose="02040503050406030204" pitchFamily="18" charset="0"/>
+                              </a:rPr>
+                              <m:t>𝑛</m:t>
+                            </m:r>
+                          </m:e>
+                          <m:sup>
+                            <m:r>
+                              <a:rPr lang="en-US" b="0" i="1" smtClean="0">
+                                <a:latin typeface="Cambria Math" panose="02040503050406030204" pitchFamily="18" charset="0"/>
                               </a:rPr>
                               <m:t>2</m:t>
                             </m:r>
@@ -20738,6 +20737,92 @@
                 <a:r>
                   <a:rPr lang="en-US" dirty="0"/>
                   <a:t> ? </a:t>
+                </a:r>
+              </a:p>
+              <a:p>
+                <a14:m>
+                  <m:oMath xmlns:m="http://schemas.openxmlformats.org/officeDocument/2006/math">
+                    <m:sSup>
+                      <m:sSupPr>
+                        <m:ctrlPr>
+                          <a:rPr lang="en-US" b="0" i="1" smtClean="0">
+                            <a:latin typeface="Cambria Math" panose="02040503050406030204" pitchFamily="18" charset="0"/>
+                          </a:rPr>
+                        </m:ctrlPr>
+                      </m:sSupPr>
+                      <m:e>
+                        <m:r>
+                          <a:rPr lang="en-US" b="0" i="1" smtClean="0">
+                            <a:latin typeface="Cambria Math" panose="02040503050406030204" pitchFamily="18" charset="0"/>
+                          </a:rPr>
+                          <m:t>2</m:t>
+                        </m:r>
+                      </m:e>
+                      <m:sup>
+                        <m:r>
+                          <a:rPr lang="en-US" b="0" i="1" smtClean="0">
+                            <a:latin typeface="Cambria Math"/>
+                          </a:rPr>
+                          <m:t>𝑛</m:t>
+                        </m:r>
+                      </m:sup>
+                    </m:sSup>
+                    <m:r>
+                      <a:rPr lang="en-US" b="0" i="1" smtClean="0">
+                        <a:latin typeface="Cambria Math"/>
+                      </a:rPr>
+                      <m:t>=</m:t>
+                    </m:r>
+                    <m:r>
+                      <m:rPr>
+                        <m:sty m:val="p"/>
+                      </m:rPr>
+                      <a:rPr lang="en-US" b="0" i="0" smtClean="0">
+                        <a:latin typeface="Cambria Math"/>
+                      </a:rPr>
+                      <m:t>Ω</m:t>
+                    </m:r>
+                    <m:d>
+                      <m:dPr>
+                        <m:ctrlPr>
+                          <a:rPr lang="en-US" b="0" i="1" smtClean="0">
+                            <a:latin typeface="Cambria Math" panose="02040503050406030204" pitchFamily="18" charset="0"/>
+                          </a:rPr>
+                        </m:ctrlPr>
+                      </m:dPr>
+                      <m:e>
+                        <m:sSup>
+                          <m:sSupPr>
+                            <m:ctrlPr>
+                              <a:rPr lang="en-US" b="0" i="1" smtClean="0">
+                                <a:latin typeface="Cambria Math" panose="02040503050406030204" pitchFamily="18" charset="0"/>
+                              </a:rPr>
+                            </m:ctrlPr>
+                          </m:sSupPr>
+                          <m:e>
+                            <m:r>
+                              <a:rPr lang="en-US" b="0" i="1" smtClean="0">
+                                <a:latin typeface="Cambria Math" panose="02040503050406030204" pitchFamily="18" charset="0"/>
+                              </a:rPr>
+                              <m:t>3</m:t>
+                            </m:r>
+                          </m:e>
+                          <m:sup>
+                            <m:r>
+                              <a:rPr lang="en-US" b="0" i="1" smtClean="0">
+                                <a:latin typeface="Cambria Math"/>
+                              </a:rPr>
+                              <m:t>𝑛</m:t>
+                            </m:r>
+                          </m:sup>
+                        </m:sSup>
+                      </m:e>
+                    </m:d>
+                  </m:oMath>
+                </a14:m>
+                <a:r>
+                  <a:rPr lang="en-US" dirty="0"/>
+                  <a:t> ?</a:t>
                 </a:r>
               </a:p>
               <a:p>
@@ -20882,7 +20967,7 @@
             </p:txBody>
           </p:sp>
         </mc:Choice>
-        <mc:Fallback xmlns="">
+        <mc:Fallback>
           <p:sp>
             <p:nvSpPr>
               <p:cNvPr id="3" name="Content Placeholder 2">
@@ -24050,276 +24135,6 @@
           <p:cNvPr id="2" name="Title 1">
             <a:extLst>
               <a:ext uri="{FF2B5EF4-FFF2-40B4-BE49-F238E27FC236}">
-                <a16:creationId xmlns:a16="http://schemas.microsoft.com/office/drawing/2014/main" id="{B937AEE5-814E-428C-8833-61825420644E}"/>
-              </a:ext>
-            </a:extLst>
-          </p:cNvPr>
-          <p:cNvSpPr>
-            <a:spLocks noGrp="1"/>
-          </p:cNvSpPr>
-          <p:nvPr>
-            <p:ph type="title"/>
-          </p:nvPr>
-        </p:nvSpPr>
-        <p:spPr/>
-        <p:txBody>
-          <a:bodyPr/>
-          <a:lstStyle/>
-          <a:p>
-            <a:r>
-              <a:rPr lang="en-US" dirty="0"/>
-              <a:t>Examples</a:t>
-            </a:r>
-          </a:p>
-        </p:txBody>
-      </p:sp>
-      <mc:AlternateContent xmlns:mc="http://schemas.openxmlformats.org/markup-compatibility/2006" xmlns:a14="http://schemas.microsoft.com/office/drawing/2010/main">
-        <mc:Choice Requires="a14">
-          <p:sp>
-            <p:nvSpPr>
-              <p:cNvPr id="3" name="Content Placeholder 2">
-                <a:extLst>
-                  <a:ext uri="{FF2B5EF4-FFF2-40B4-BE49-F238E27FC236}">
-                    <a16:creationId xmlns:a16="http://schemas.microsoft.com/office/drawing/2014/main" id="{227EE6AB-1D01-4859-85F5-B487AC3F5DEE}"/>
-                  </a:ext>
-                </a:extLst>
-              </p:cNvPr>
-              <p:cNvSpPr>
-                <a:spLocks noGrp="1"/>
-              </p:cNvSpPr>
-              <p:nvPr>
-                <p:ph sz="quarter" idx="1"/>
-              </p:nvPr>
-            </p:nvSpPr>
-            <p:spPr/>
-            <p:txBody>
-              <a:bodyPr/>
-              <a:lstStyle/>
-              <a:p>
-                <a14:m>
-                  <m:oMath xmlns:m="http://schemas.openxmlformats.org/officeDocument/2006/math">
-                    <m:r>
-                      <a:rPr lang="en-US" b="0" i="1" smtClean="0">
-                        <a:latin typeface="Cambria Math" panose="02040503050406030204" pitchFamily="18" charset="0"/>
-                      </a:rPr>
-                      <m:t>2</m:t>
-                    </m:r>
-                    <m:sSup>
-                      <m:sSupPr>
-                        <m:ctrlPr>
-                          <a:rPr lang="en-US" b="0" i="1" smtClean="0">
-                            <a:latin typeface="Cambria Math" panose="02040503050406030204" pitchFamily="18" charset="0"/>
-                          </a:rPr>
-                        </m:ctrlPr>
-                      </m:sSupPr>
-                      <m:e>
-                        <m:r>
-                          <a:rPr lang="en-US" b="0" i="1" smtClean="0">
-                            <a:latin typeface="Cambria Math" panose="02040503050406030204" pitchFamily="18" charset="0"/>
-                          </a:rPr>
-                          <m:t>𝑛</m:t>
-                        </m:r>
-                      </m:e>
-                      <m:sup>
-                        <m:r>
-                          <a:rPr lang="en-US" b="0" i="1" smtClean="0">
-                            <a:latin typeface="Cambria Math" panose="02040503050406030204" pitchFamily="18" charset="0"/>
-                          </a:rPr>
-                          <m:t>3</m:t>
-                        </m:r>
-                      </m:sup>
-                    </m:sSup>
-                    <m:r>
-                      <a:rPr lang="en-US" b="0" i="1" smtClean="0">
-                        <a:latin typeface="Cambria Math" panose="02040503050406030204" pitchFamily="18" charset="0"/>
-                      </a:rPr>
-                      <m:t>−3</m:t>
-                    </m:r>
-                    <m:sSup>
-                      <m:sSupPr>
-                        <m:ctrlPr>
-                          <a:rPr lang="en-US" b="0" i="1" smtClean="0">
-                            <a:latin typeface="Cambria Math" panose="02040503050406030204" pitchFamily="18" charset="0"/>
-                          </a:rPr>
-                        </m:ctrlPr>
-                      </m:sSupPr>
-                      <m:e>
-                        <m:r>
-                          <a:rPr lang="en-US" b="0" i="1" smtClean="0">
-                            <a:latin typeface="Cambria Math" panose="02040503050406030204" pitchFamily="18" charset="0"/>
-                          </a:rPr>
-                          <m:t>𝑛</m:t>
-                        </m:r>
-                      </m:e>
-                      <m:sup>
-                        <m:r>
-                          <a:rPr lang="en-US" b="0" i="1" smtClean="0">
-                            <a:latin typeface="Cambria Math" panose="02040503050406030204" pitchFamily="18" charset="0"/>
-                          </a:rPr>
-                          <m:t>2</m:t>
-                        </m:r>
-                      </m:sup>
-                    </m:sSup>
-                    <m:r>
-                      <a:rPr lang="en-US" b="0" i="1" smtClean="0">
-                        <a:latin typeface="Cambria Math" panose="02040503050406030204" pitchFamily="18" charset="0"/>
-                      </a:rPr>
-                      <m:t>=</m:t>
-                    </m:r>
-                    <m:r>
-                      <m:rPr>
-                        <m:sty m:val="p"/>
-                      </m:rPr>
-                      <a:rPr lang="en-US" b="0" i="0" smtClean="0">
-                        <a:latin typeface="Cambria Math" panose="02040503050406030204" pitchFamily="18" charset="0"/>
-                      </a:rPr>
-                      <m:t>Θ</m:t>
-                    </m:r>
-                    <m:d>
-                      <m:dPr>
-                        <m:ctrlPr>
-                          <a:rPr lang="en-US" b="0" i="1" smtClean="0">
-                            <a:latin typeface="Cambria Math" panose="02040503050406030204" pitchFamily="18" charset="0"/>
-                          </a:rPr>
-                        </m:ctrlPr>
-                      </m:dPr>
-                      <m:e>
-                        <m:sSup>
-                          <m:sSupPr>
-                            <m:ctrlPr>
-                              <a:rPr lang="en-US" b="0" i="1" smtClean="0">
-                                <a:latin typeface="Cambria Math" panose="02040503050406030204" pitchFamily="18" charset="0"/>
-                              </a:rPr>
-                            </m:ctrlPr>
-                          </m:sSupPr>
-                          <m:e>
-                            <m:r>
-                              <a:rPr lang="en-US" b="0" i="1" smtClean="0">
-                                <a:latin typeface="Cambria Math" panose="02040503050406030204" pitchFamily="18" charset="0"/>
-                              </a:rPr>
-                              <m:t>𝑛</m:t>
-                            </m:r>
-                          </m:e>
-                          <m:sup>
-                            <m:r>
-                              <a:rPr lang="en-US" b="0" i="1" smtClean="0">
-                                <a:latin typeface="Cambria Math" panose="02040503050406030204" pitchFamily="18" charset="0"/>
-                              </a:rPr>
-                              <m:t>3</m:t>
-                            </m:r>
-                          </m:sup>
-                        </m:sSup>
-                      </m:e>
-                    </m:d>
-                  </m:oMath>
-                </a14:m>
-                <a:endParaRPr lang="en-US" dirty="0"/>
-              </a:p>
-              <a:p>
-                <a:r>
-                  <a:rPr lang="en-US" dirty="0"/>
-                  <a:t>Proof: </a:t>
-                </a:r>
-              </a:p>
-              <a:p>
-                <a:endParaRPr lang="en-US" dirty="0"/>
-              </a:p>
-              <a:p>
-                <a:endParaRPr lang="en-US" dirty="0"/>
-              </a:p>
-              <a:p>
-                <a:endParaRPr lang="en-US" dirty="0"/>
-              </a:p>
-              <a:p>
-                <a:pPr marL="0" indent="0">
-                  <a:buNone/>
-                </a:pPr>
-                <a:endParaRPr lang="en-US" dirty="0"/>
-              </a:p>
-              <a:p>
-                <a:endParaRPr lang="en-US" dirty="0"/>
-              </a:p>
-              <a:p>
-                <a:endParaRPr lang="en-US" dirty="0"/>
-              </a:p>
-            </p:txBody>
-          </p:sp>
-        </mc:Choice>
-        <mc:Fallback xmlns="">
-          <p:sp>
-            <p:nvSpPr>
-              <p:cNvPr id="3" name="Content Placeholder 2">
-                <a:extLst>
-                  <a:ext uri="{FF2B5EF4-FFF2-40B4-BE49-F238E27FC236}">
-                    <a16:creationId xmlns:a16="http://schemas.microsoft.com/office/drawing/2014/main" id="{227EE6AB-1D01-4859-85F5-B487AC3F5DEE}"/>
-                  </a:ext>
-                </a:extLst>
-              </p:cNvPr>
-              <p:cNvSpPr>
-                <a:spLocks noGrp="1" noRot="1" noChangeAspect="1" noMove="1" noResize="1" noEditPoints="1" noAdjustHandles="1" noChangeArrowheads="1" noChangeShapeType="1" noTextEdit="1"/>
-              </p:cNvSpPr>
-              <p:nvPr>
-                <p:ph sz="quarter" idx="1"/>
-              </p:nvPr>
-            </p:nvSpPr>
-            <p:spPr>
-              <a:blipFill>
-                <a:blip r:embed="rId2"/>
-                <a:stretch>
-                  <a:fillRect l="-667"/>
-                </a:stretch>
-              </a:blipFill>
-            </p:spPr>
-            <p:txBody>
-              <a:bodyPr/>
-              <a:lstStyle/>
-              <a:p>
-                <a:r>
-                  <a:rPr lang="en-US">
-                    <a:noFill/>
-                  </a:rPr>
-                  <a:t> </a:t>
-                </a:r>
-              </a:p>
-            </p:txBody>
-          </p:sp>
-        </mc:Fallback>
-      </mc:AlternateContent>
-    </p:spTree>
-    <p:extLst>
-      <p:ext uri="{BB962C8B-B14F-4D97-AF65-F5344CB8AC3E}">
-        <p14:creationId xmlns:p14="http://schemas.microsoft.com/office/powerpoint/2010/main" val="108779478"/>
-      </p:ext>
-    </p:extLst>
-  </p:cSld>
-  <p:clrMapOvr>
-    <a:masterClrMapping/>
-  </p:clrMapOvr>
-</p:sld>
-</file>
-
-<file path=ppt/slides/slide33.xml><?xml version="1.0" encoding="utf-8"?>
-<p:sld xmlns:a="http://schemas.openxmlformats.org/drawingml/2006/main" xmlns:r="http://schemas.openxmlformats.org/officeDocument/2006/relationships" xmlns:p="http://schemas.openxmlformats.org/presentationml/2006/main">
-  <p:cSld>
-    <p:spTree>
-      <p:nvGrpSpPr>
-        <p:cNvPr id="1" name=""/>
-        <p:cNvGrpSpPr/>
-        <p:nvPr/>
-      </p:nvGrpSpPr>
-      <p:grpSpPr>
-        <a:xfrm>
-          <a:off x="0" y="0"/>
-          <a:ext cx="0" cy="0"/>
-          <a:chOff x="0" y="0"/>
-          <a:chExt cx="0" cy="0"/>
-        </a:xfrm>
-      </p:grpSpPr>
-      <p:sp>
-        <p:nvSpPr>
-          <p:cNvPr id="2" name="Title 1">
-            <a:extLst>
-              <a:ext uri="{FF2B5EF4-FFF2-40B4-BE49-F238E27FC236}">
                 <a16:creationId xmlns:a16="http://schemas.microsoft.com/office/drawing/2014/main" id="{1BB774A0-8BC3-4501-85E0-39D3307CD249}"/>
               </a:ext>
             </a:extLst>
@@ -25476,6 +25291,276 @@
 </p:sld>
 </file>
 
+<file path=ppt/slides/slide33.xml><?xml version="1.0" encoding="utf-8"?>
+<p:sld xmlns:a="http://schemas.openxmlformats.org/drawingml/2006/main" xmlns:r="http://schemas.openxmlformats.org/officeDocument/2006/relationships" xmlns:p="http://schemas.openxmlformats.org/presentationml/2006/main">
+  <p:cSld>
+    <p:spTree>
+      <p:nvGrpSpPr>
+        <p:cNvPr id="1" name=""/>
+        <p:cNvGrpSpPr/>
+        <p:nvPr/>
+      </p:nvGrpSpPr>
+      <p:grpSpPr>
+        <a:xfrm>
+          <a:off x="0" y="0"/>
+          <a:ext cx="0" cy="0"/>
+          <a:chOff x="0" y="0"/>
+          <a:chExt cx="0" cy="0"/>
+        </a:xfrm>
+      </p:grpSpPr>
+      <p:sp>
+        <p:nvSpPr>
+          <p:cNvPr id="2" name="Title 1">
+            <a:extLst>
+              <a:ext uri="{FF2B5EF4-FFF2-40B4-BE49-F238E27FC236}">
+                <a16:creationId xmlns:a16="http://schemas.microsoft.com/office/drawing/2014/main" id="{B937AEE5-814E-428C-8833-61825420644E}"/>
+              </a:ext>
+            </a:extLst>
+          </p:cNvPr>
+          <p:cNvSpPr>
+            <a:spLocks noGrp="1"/>
+          </p:cNvSpPr>
+          <p:nvPr>
+            <p:ph type="title"/>
+          </p:nvPr>
+        </p:nvSpPr>
+        <p:spPr/>
+        <p:txBody>
+          <a:bodyPr/>
+          <a:lstStyle/>
+          <a:p>
+            <a:r>
+              <a:rPr lang="en-US" dirty="0"/>
+              <a:t>Examples</a:t>
+            </a:r>
+          </a:p>
+        </p:txBody>
+      </p:sp>
+      <mc:AlternateContent xmlns:mc="http://schemas.openxmlformats.org/markup-compatibility/2006" xmlns:a14="http://schemas.microsoft.com/office/drawing/2010/main">
+        <mc:Choice Requires="a14">
+          <p:sp>
+            <p:nvSpPr>
+              <p:cNvPr id="3" name="Content Placeholder 2">
+                <a:extLst>
+                  <a:ext uri="{FF2B5EF4-FFF2-40B4-BE49-F238E27FC236}">
+                    <a16:creationId xmlns:a16="http://schemas.microsoft.com/office/drawing/2014/main" id="{227EE6AB-1D01-4859-85F5-B487AC3F5DEE}"/>
+                  </a:ext>
+                </a:extLst>
+              </p:cNvPr>
+              <p:cNvSpPr>
+                <a:spLocks noGrp="1"/>
+              </p:cNvSpPr>
+              <p:nvPr>
+                <p:ph sz="quarter" idx="1"/>
+              </p:nvPr>
+            </p:nvSpPr>
+            <p:spPr/>
+            <p:txBody>
+              <a:bodyPr/>
+              <a:lstStyle/>
+              <a:p>
+                <a14:m>
+                  <m:oMath xmlns:m="http://schemas.openxmlformats.org/officeDocument/2006/math">
+                    <m:r>
+                      <a:rPr lang="en-US" b="0" i="1" smtClean="0">
+                        <a:latin typeface="Cambria Math" panose="02040503050406030204" pitchFamily="18" charset="0"/>
+                      </a:rPr>
+                      <m:t>2</m:t>
+                    </m:r>
+                    <m:sSup>
+                      <m:sSupPr>
+                        <m:ctrlPr>
+                          <a:rPr lang="en-US" b="0" i="1" smtClean="0">
+                            <a:latin typeface="Cambria Math" panose="02040503050406030204" pitchFamily="18" charset="0"/>
+                          </a:rPr>
+                        </m:ctrlPr>
+                      </m:sSupPr>
+                      <m:e>
+                        <m:r>
+                          <a:rPr lang="en-US" b="0" i="1" smtClean="0">
+                            <a:latin typeface="Cambria Math" panose="02040503050406030204" pitchFamily="18" charset="0"/>
+                          </a:rPr>
+                          <m:t>𝑛</m:t>
+                        </m:r>
+                      </m:e>
+                      <m:sup>
+                        <m:r>
+                          <a:rPr lang="en-US" b="0" i="1" smtClean="0">
+                            <a:latin typeface="Cambria Math" panose="02040503050406030204" pitchFamily="18" charset="0"/>
+                          </a:rPr>
+                          <m:t>3</m:t>
+                        </m:r>
+                      </m:sup>
+                    </m:sSup>
+                    <m:r>
+                      <a:rPr lang="en-US" b="0" i="1" smtClean="0">
+                        <a:latin typeface="Cambria Math" panose="02040503050406030204" pitchFamily="18" charset="0"/>
+                      </a:rPr>
+                      <m:t>−3</m:t>
+                    </m:r>
+                    <m:sSup>
+                      <m:sSupPr>
+                        <m:ctrlPr>
+                          <a:rPr lang="en-US" b="0" i="1" smtClean="0">
+                            <a:latin typeface="Cambria Math" panose="02040503050406030204" pitchFamily="18" charset="0"/>
+                          </a:rPr>
+                        </m:ctrlPr>
+                      </m:sSupPr>
+                      <m:e>
+                        <m:r>
+                          <a:rPr lang="en-US" b="0" i="1" smtClean="0">
+                            <a:latin typeface="Cambria Math" panose="02040503050406030204" pitchFamily="18" charset="0"/>
+                          </a:rPr>
+                          <m:t>𝑛</m:t>
+                        </m:r>
+                      </m:e>
+                      <m:sup>
+                        <m:r>
+                          <a:rPr lang="en-US" b="0" i="1" smtClean="0">
+                            <a:latin typeface="Cambria Math" panose="02040503050406030204" pitchFamily="18" charset="0"/>
+                          </a:rPr>
+                          <m:t>2</m:t>
+                        </m:r>
+                      </m:sup>
+                    </m:sSup>
+                    <m:r>
+                      <a:rPr lang="en-US" b="0" i="1" smtClean="0">
+                        <a:latin typeface="Cambria Math" panose="02040503050406030204" pitchFamily="18" charset="0"/>
+                      </a:rPr>
+                      <m:t>=</m:t>
+                    </m:r>
+                    <m:r>
+                      <m:rPr>
+                        <m:sty m:val="p"/>
+                      </m:rPr>
+                      <a:rPr lang="en-US" b="0" i="0" smtClean="0">
+                        <a:latin typeface="Cambria Math" panose="02040503050406030204" pitchFamily="18" charset="0"/>
+                      </a:rPr>
+                      <m:t>Θ</m:t>
+                    </m:r>
+                    <m:d>
+                      <m:dPr>
+                        <m:ctrlPr>
+                          <a:rPr lang="en-US" b="0" i="1" smtClean="0">
+                            <a:latin typeface="Cambria Math" panose="02040503050406030204" pitchFamily="18" charset="0"/>
+                          </a:rPr>
+                        </m:ctrlPr>
+                      </m:dPr>
+                      <m:e>
+                        <m:sSup>
+                          <m:sSupPr>
+                            <m:ctrlPr>
+                              <a:rPr lang="en-US" b="0" i="1" smtClean="0">
+                                <a:latin typeface="Cambria Math" panose="02040503050406030204" pitchFamily="18" charset="0"/>
+                              </a:rPr>
+                            </m:ctrlPr>
+                          </m:sSupPr>
+                          <m:e>
+                            <m:r>
+                              <a:rPr lang="en-US" b="0" i="1" smtClean="0">
+                                <a:latin typeface="Cambria Math" panose="02040503050406030204" pitchFamily="18" charset="0"/>
+                              </a:rPr>
+                              <m:t>𝑛</m:t>
+                            </m:r>
+                          </m:e>
+                          <m:sup>
+                            <m:r>
+                              <a:rPr lang="en-US" b="0" i="1" smtClean="0">
+                                <a:latin typeface="Cambria Math" panose="02040503050406030204" pitchFamily="18" charset="0"/>
+                              </a:rPr>
+                              <m:t>3</m:t>
+                            </m:r>
+                          </m:sup>
+                        </m:sSup>
+                      </m:e>
+                    </m:d>
+                  </m:oMath>
+                </a14:m>
+                <a:endParaRPr lang="en-US" dirty="0"/>
+              </a:p>
+              <a:p>
+                <a:r>
+                  <a:rPr lang="en-US" dirty="0"/>
+                  <a:t>Proof: </a:t>
+                </a:r>
+              </a:p>
+              <a:p>
+                <a:endParaRPr lang="en-US" dirty="0"/>
+              </a:p>
+              <a:p>
+                <a:endParaRPr lang="en-US" dirty="0"/>
+              </a:p>
+              <a:p>
+                <a:endParaRPr lang="en-US" dirty="0"/>
+              </a:p>
+              <a:p>
+                <a:pPr marL="0" indent="0">
+                  <a:buNone/>
+                </a:pPr>
+                <a:endParaRPr lang="en-US" dirty="0"/>
+              </a:p>
+              <a:p>
+                <a:endParaRPr lang="en-US" dirty="0"/>
+              </a:p>
+              <a:p>
+                <a:endParaRPr lang="en-US" dirty="0"/>
+              </a:p>
+            </p:txBody>
+          </p:sp>
+        </mc:Choice>
+        <mc:Fallback xmlns="">
+          <p:sp>
+            <p:nvSpPr>
+              <p:cNvPr id="3" name="Content Placeholder 2">
+                <a:extLst>
+                  <a:ext uri="{FF2B5EF4-FFF2-40B4-BE49-F238E27FC236}">
+                    <a16:creationId xmlns:a16="http://schemas.microsoft.com/office/drawing/2014/main" id="{227EE6AB-1D01-4859-85F5-B487AC3F5DEE}"/>
+                  </a:ext>
+                </a:extLst>
+              </p:cNvPr>
+              <p:cNvSpPr>
+                <a:spLocks noGrp="1" noRot="1" noChangeAspect="1" noMove="1" noResize="1" noEditPoints="1" noAdjustHandles="1" noChangeArrowheads="1" noChangeShapeType="1" noTextEdit="1"/>
+              </p:cNvSpPr>
+              <p:nvPr>
+                <p:ph sz="quarter" idx="1"/>
+              </p:nvPr>
+            </p:nvSpPr>
+            <p:spPr>
+              <a:blipFill>
+                <a:blip r:embed="rId2"/>
+                <a:stretch>
+                  <a:fillRect l="-667"/>
+                </a:stretch>
+              </a:blipFill>
+            </p:spPr>
+            <p:txBody>
+              <a:bodyPr/>
+              <a:lstStyle/>
+              <a:p>
+                <a:r>
+                  <a:rPr lang="en-US">
+                    <a:noFill/>
+                  </a:rPr>
+                  <a:t> </a:t>
+                </a:r>
+              </a:p>
+            </p:txBody>
+          </p:sp>
+        </mc:Fallback>
+      </mc:AlternateContent>
+    </p:spTree>
+    <p:extLst>
+      <p:ext uri="{BB962C8B-B14F-4D97-AF65-F5344CB8AC3E}">
+        <p14:creationId xmlns:p14="http://schemas.microsoft.com/office/powerpoint/2010/main" val="108779478"/>
+      </p:ext>
+    </p:extLst>
+  </p:cSld>
+  <p:clrMapOvr>
+    <a:masterClrMapping/>
+  </p:clrMapOvr>
+</p:sld>
+</file>
+
 <file path=ppt/slides/slide34.xml><?xml version="1.0" encoding="utf-8"?>
 <p:sld xmlns:a="http://schemas.openxmlformats.org/drawingml/2006/main" xmlns:r="http://schemas.openxmlformats.org/officeDocument/2006/relationships" xmlns:p="http://schemas.openxmlformats.org/presentationml/2006/main">
   <p:cSld>
@@ -26243,6 +26328,2319 @@
           <p:cNvPr id="2" name="Title 1">
             <a:extLst>
               <a:ext uri="{FF2B5EF4-FFF2-40B4-BE49-F238E27FC236}">
+                <a16:creationId xmlns:a16="http://schemas.microsoft.com/office/drawing/2014/main" id="{603F6649-5A64-45D6-A6CA-8E8A3A6B0CDE}"/>
+              </a:ext>
+            </a:extLst>
+          </p:cNvPr>
+          <p:cNvSpPr>
+            <a:spLocks noGrp="1"/>
+          </p:cNvSpPr>
+          <p:nvPr>
+            <p:ph type="title"/>
+          </p:nvPr>
+        </p:nvSpPr>
+        <p:spPr/>
+        <p:txBody>
+          <a:bodyPr/>
+          <a:lstStyle/>
+          <a:p>
+            <a:r>
+              <a:rPr lang="en-US"/>
+              <a:t>In summary</a:t>
+            </a:r>
+            <a:endParaRPr lang="en-US" dirty="0"/>
+          </a:p>
+        </p:txBody>
+      </p:sp>
+      <mc:AlternateContent xmlns:mc="http://schemas.openxmlformats.org/markup-compatibility/2006" xmlns:a14="http://schemas.microsoft.com/office/drawing/2010/main">
+        <mc:Choice Requires="a14">
+          <p:sp>
+            <p:nvSpPr>
+              <p:cNvPr id="4" name="Content Placeholder 2">
+                <a:extLst>
+                  <a:ext uri="{FF2B5EF4-FFF2-40B4-BE49-F238E27FC236}">
+                    <a16:creationId xmlns:a16="http://schemas.microsoft.com/office/drawing/2014/main" id="{CCB83DCB-26B5-4A84-83A4-925BA9971CF1}"/>
+                  </a:ext>
+                </a:extLst>
+              </p:cNvPr>
+              <p:cNvSpPr txBox="1">
+                <a:spLocks/>
+              </p:cNvSpPr>
+              <p:nvPr/>
+            </p:nvSpPr>
+            <p:spPr bwMode="auto">
+              <a:xfrm>
+                <a:off x="441434" y="1271752"/>
+                <a:ext cx="6111766" cy="1547648"/>
+              </a:xfrm>
+              <a:prstGeom prst="rect">
+                <a:avLst/>
+              </a:prstGeom>
+              <a:noFill/>
+              <a:ln w="28575">
+                <a:solidFill>
+                  <a:schemeClr val="accent1">
+                    <a:shade val="50000"/>
+                  </a:schemeClr>
+                </a:solidFill>
+                <a:miter lim="800000"/>
+                <a:headEnd/>
+                <a:tailEnd/>
+              </a:ln>
+            </p:spPr>
+            <p:txBody>
+              <a:bodyPr vert="horz" wrap="square" lIns="91440" tIns="45720" rIns="91440" bIns="45720" numCol="1" anchor="t" anchorCtr="0" compatLnSpc="1">
+                <a:prstTxWarp prst="textNoShape">
+                  <a:avLst/>
+                </a:prstTxWarp>
+              </a:bodyPr>
+              <a:lstStyle>
+                <a:lvl1pPr marL="273050" indent="-273050" algn="l" rtl="0" eaLnBrk="0" fontAlgn="base" hangingPunct="0">
+                  <a:spcBef>
+                    <a:spcPts val="600"/>
+                  </a:spcBef>
+                  <a:spcAft>
+                    <a:spcPct val="0"/>
+                  </a:spcAft>
+                  <a:buClr>
+                    <a:schemeClr val="accent1"/>
+                  </a:buClr>
+                  <a:buSzPct val="76000"/>
+                  <a:buFont typeface="Wingdings 3" pitchFamily="18" charset="2"/>
+                  <a:buChar char=""/>
+                  <a:defRPr sz="2600" kern="1200">
+                    <a:solidFill>
+                      <a:schemeClr val="tx1"/>
+                    </a:solidFill>
+                    <a:latin typeface="+mn-lt"/>
+                    <a:ea typeface="+mn-ea"/>
+                    <a:cs typeface="+mn-cs"/>
+                  </a:defRPr>
+                </a:lvl1pPr>
+                <a:lvl2pPr marL="547688" indent="-273050" algn="l" rtl="0" eaLnBrk="0" fontAlgn="base" hangingPunct="0">
+                  <a:spcBef>
+                    <a:spcPts val="500"/>
+                  </a:spcBef>
+                  <a:spcAft>
+                    <a:spcPct val="0"/>
+                  </a:spcAft>
+                  <a:buClr>
+                    <a:schemeClr val="accent2"/>
+                  </a:buClr>
+                  <a:buSzPct val="76000"/>
+                  <a:buFont typeface="Wingdings 3" pitchFamily="18" charset="2"/>
+                  <a:buChar char=""/>
+                  <a:defRPr sz="2300" kern="1200">
+                    <a:solidFill>
+                      <a:schemeClr val="tx2"/>
+                    </a:solidFill>
+                    <a:latin typeface="+mn-lt"/>
+                    <a:ea typeface="+mn-ea"/>
+                    <a:cs typeface="+mn-cs"/>
+                  </a:defRPr>
+                </a:lvl2pPr>
+                <a:lvl3pPr marL="822325" indent="-228600" algn="l" rtl="0" eaLnBrk="0" fontAlgn="base" hangingPunct="0">
+                  <a:spcBef>
+                    <a:spcPts val="500"/>
+                  </a:spcBef>
+                  <a:spcAft>
+                    <a:spcPct val="0"/>
+                  </a:spcAft>
+                  <a:buClr>
+                    <a:srgbClr val="BCBCBC"/>
+                  </a:buClr>
+                  <a:buSzPct val="76000"/>
+                  <a:buFont typeface="Wingdings 3" pitchFamily="18" charset="2"/>
+                  <a:buChar char=""/>
+                  <a:defRPr sz="2000" kern="1200">
+                    <a:solidFill>
+                      <a:schemeClr val="tx1"/>
+                    </a:solidFill>
+                    <a:latin typeface="+mn-lt"/>
+                    <a:ea typeface="+mn-ea"/>
+                    <a:cs typeface="+mn-cs"/>
+                  </a:defRPr>
+                </a:lvl3pPr>
+                <a:lvl4pPr marL="1096963" indent="-228600" algn="l" rtl="0" eaLnBrk="0" fontAlgn="base" hangingPunct="0">
+                  <a:spcBef>
+                    <a:spcPts val="400"/>
+                  </a:spcBef>
+                  <a:spcAft>
+                    <a:spcPct val="0"/>
+                  </a:spcAft>
+                  <a:buClr>
+                    <a:srgbClr val="8BA2B4"/>
+                  </a:buClr>
+                  <a:buSzPct val="70000"/>
+                  <a:buFont typeface="Wingdings" pitchFamily="2" charset="2"/>
+                  <a:buChar char=""/>
+                  <a:defRPr sz="2000" kern="1200">
+                    <a:solidFill>
+                      <a:schemeClr val="tx1"/>
+                    </a:solidFill>
+                    <a:latin typeface="+mn-lt"/>
+                    <a:ea typeface="+mn-ea"/>
+                    <a:cs typeface="+mn-cs"/>
+                  </a:defRPr>
+                </a:lvl4pPr>
+                <a:lvl5pPr marL="1371600" indent="-228600" algn="l" rtl="0" eaLnBrk="0" fontAlgn="base" hangingPunct="0">
+                  <a:spcBef>
+                    <a:spcPts val="300"/>
+                  </a:spcBef>
+                  <a:spcAft>
+                    <a:spcPct val="0"/>
+                  </a:spcAft>
+                  <a:buClr>
+                    <a:schemeClr val="accent2"/>
+                  </a:buClr>
+                  <a:buSzPct val="70000"/>
+                  <a:buFont typeface="Wingdings" pitchFamily="2" charset="2"/>
+                  <a:buChar char=""/>
+                  <a:defRPr sz="1600" kern="1200">
+                    <a:solidFill>
+                      <a:schemeClr val="tx1"/>
+                    </a:solidFill>
+                    <a:latin typeface="+mn-lt"/>
+                    <a:ea typeface="+mn-ea"/>
+                    <a:cs typeface="+mn-cs"/>
+                  </a:defRPr>
+                </a:lvl5pPr>
+                <a:lvl6pPr marL="1645920" indent="-182880" algn="l" rtl="0" eaLnBrk="1" latinLnBrk="0" hangingPunct="1">
+                  <a:spcBef>
+                    <a:spcPts val="300"/>
+                  </a:spcBef>
+                  <a:buClr>
+                    <a:srgbClr val="9FB8CD">
+                      <a:shade val="75000"/>
+                    </a:srgbClr>
+                  </a:buClr>
+                  <a:buSzPct val="75000"/>
+                  <a:buFont typeface="Wingdings 3"/>
+                  <a:buChar char=""/>
+                  <a:defRPr kumimoji="0" lang="en-US" sz="1600" kern="1200" smtClean="0">
+                    <a:solidFill>
+                      <a:schemeClr val="tx1"/>
+                    </a:solidFill>
+                    <a:latin typeface="+mn-lt"/>
+                    <a:ea typeface="+mn-ea"/>
+                    <a:cs typeface="+mn-cs"/>
+                  </a:defRPr>
+                </a:lvl6pPr>
+                <a:lvl7pPr marL="1828800" indent="-182880" algn="l" rtl="0" eaLnBrk="1" latinLnBrk="0" hangingPunct="1">
+                  <a:spcBef>
+                    <a:spcPts val="300"/>
+                  </a:spcBef>
+                  <a:buClr>
+                    <a:srgbClr val="727CA3">
+                      <a:shade val="75000"/>
+                    </a:srgbClr>
+                  </a:buClr>
+                  <a:buSzPct val="75000"/>
+                  <a:buFont typeface="Wingdings 3"/>
+                  <a:buChar char=""/>
+                  <a:defRPr kumimoji="0" lang="en-US" sz="1400" kern="1200" smtClean="0">
+                    <a:solidFill>
+                      <a:schemeClr val="tx1"/>
+                    </a:solidFill>
+                    <a:latin typeface="+mn-lt"/>
+                    <a:ea typeface="+mn-ea"/>
+                    <a:cs typeface="+mn-cs"/>
+                  </a:defRPr>
+                </a:lvl7pPr>
+                <a:lvl8pPr marL="2011680" indent="-182880" algn="l" rtl="0" eaLnBrk="1" latinLnBrk="0" hangingPunct="1">
+                  <a:spcBef>
+                    <a:spcPts val="300"/>
+                  </a:spcBef>
+                  <a:buClr>
+                    <a:prstClr val="white">
+                      <a:shade val="50000"/>
+                    </a:prstClr>
+                  </a:buClr>
+                  <a:buSzPct val="75000"/>
+                  <a:buFont typeface="Wingdings 3"/>
+                  <a:buChar char=""/>
+                  <a:defRPr kumimoji="0" lang="en-US" sz="1400" kern="1200" smtClean="0">
+                    <a:solidFill>
+                      <a:schemeClr val="tx1"/>
+                    </a:solidFill>
+                    <a:latin typeface="+mn-lt"/>
+                    <a:ea typeface="+mn-ea"/>
+                    <a:cs typeface="+mn-cs"/>
+                  </a:defRPr>
+                </a:lvl8pPr>
+                <a:lvl9pPr marL="2194560" indent="-182880" algn="l" rtl="0" eaLnBrk="1" latinLnBrk="0" hangingPunct="1">
+                  <a:spcBef>
+                    <a:spcPts val="300"/>
+                  </a:spcBef>
+                  <a:buClr>
+                    <a:srgbClr val="9FB8CD"/>
+                  </a:buClr>
+                  <a:buSzPct val="75000"/>
+                  <a:buFont typeface="Wingdings 3"/>
+                  <a:buChar char=""/>
+                  <a:defRPr kumimoji="0" lang="en-US" sz="1200" kern="1200" smtClean="0">
+                    <a:solidFill>
+                      <a:schemeClr val="tx1"/>
+                    </a:solidFill>
+                    <a:latin typeface="+mn-lt"/>
+                    <a:ea typeface="+mn-ea"/>
+                    <a:cs typeface="+mn-cs"/>
+                  </a:defRPr>
+                </a:lvl9pPr>
+              </a:lstStyle>
+              <a:p>
+                <a:pPr marL="0" indent="0" algn="ctr">
+                  <a:buFont typeface="Wingdings 3" pitchFamily="18" charset="2"/>
+                  <a:buNone/>
+                </a:pPr>
+                <a:r>
+                  <a:rPr lang="en-US" sz="2400" dirty="0">
+                    <a:solidFill>
+                      <a:srgbClr val="0B0E8F"/>
+                    </a:solidFill>
+                  </a:rPr>
+                  <a:t>Big-O (upper bounded)</a:t>
+                </a:r>
+              </a:p>
+              <a:p>
+                <a:pPr marL="0" indent="0">
+                  <a:buFont typeface="Wingdings 3" pitchFamily="18" charset="2"/>
+                  <a:buNone/>
+                </a:pPr>
+                <a:r>
+                  <a:rPr lang="en-US" sz="2000" dirty="0"/>
+                  <a:t>We write </a:t>
+                </a:r>
+                <a14:m>
+                  <m:oMath xmlns:m="http://schemas.openxmlformats.org/officeDocument/2006/math">
+                    <m:r>
+                      <a:rPr lang="en-US" sz="2000" i="1" smtClean="0">
+                        <a:latin typeface="Cambria Math" panose="02040503050406030204" pitchFamily="18" charset="0"/>
+                      </a:rPr>
+                      <m:t>𝑓</m:t>
+                    </m:r>
+                    <m:d>
+                      <m:dPr>
+                        <m:ctrlPr>
+                          <a:rPr lang="en-US" sz="2000" i="1" smtClean="0">
+                            <a:latin typeface="Cambria Math" panose="02040503050406030204" pitchFamily="18" charset="0"/>
+                          </a:rPr>
+                        </m:ctrlPr>
+                      </m:dPr>
+                      <m:e>
+                        <m:r>
+                          <a:rPr lang="en-US" sz="2000" i="1" smtClean="0">
+                            <a:latin typeface="Cambria Math" panose="02040503050406030204" pitchFamily="18" charset="0"/>
+                          </a:rPr>
+                          <m:t>𝑛</m:t>
+                        </m:r>
+                      </m:e>
+                    </m:d>
+                    <m:r>
+                      <a:rPr lang="en-US" sz="2000" i="1" smtClean="0">
+                        <a:latin typeface="Cambria Math" panose="02040503050406030204" pitchFamily="18" charset="0"/>
+                      </a:rPr>
+                      <m:t>=</m:t>
+                    </m:r>
+                    <m:r>
+                      <a:rPr lang="en-US" sz="2000" i="1" smtClean="0">
+                        <a:latin typeface="Cambria Math" panose="02040503050406030204" pitchFamily="18" charset="0"/>
+                      </a:rPr>
+                      <m:t>𝑂</m:t>
+                    </m:r>
+                    <m:d>
+                      <m:dPr>
+                        <m:ctrlPr>
+                          <a:rPr lang="en-US" sz="2000" i="1" smtClean="0">
+                            <a:latin typeface="Cambria Math" panose="02040503050406030204" pitchFamily="18" charset="0"/>
+                          </a:rPr>
+                        </m:ctrlPr>
+                      </m:dPr>
+                      <m:e>
+                        <m:r>
+                          <a:rPr lang="en-US" sz="2000" i="1" smtClean="0">
+                            <a:latin typeface="Cambria Math" panose="02040503050406030204" pitchFamily="18" charset="0"/>
+                          </a:rPr>
+                          <m:t>𝑔</m:t>
+                        </m:r>
+                        <m:d>
+                          <m:dPr>
+                            <m:ctrlPr>
+                              <a:rPr lang="en-US" sz="2000" i="1" smtClean="0">
+                                <a:latin typeface="Cambria Math" panose="02040503050406030204" pitchFamily="18" charset="0"/>
+                              </a:rPr>
+                            </m:ctrlPr>
+                          </m:dPr>
+                          <m:e>
+                            <m:r>
+                              <a:rPr lang="en-US" sz="2000" i="1" smtClean="0">
+                                <a:latin typeface="Cambria Math" panose="02040503050406030204" pitchFamily="18" charset="0"/>
+                              </a:rPr>
+                              <m:t>𝑛</m:t>
+                            </m:r>
+                          </m:e>
+                        </m:d>
+                      </m:e>
+                    </m:d>
+                    <m:r>
+                      <a:rPr lang="en-US" sz="2000" i="1" smtClean="0">
+                        <a:latin typeface="Cambria Math" panose="02040503050406030204" pitchFamily="18" charset="0"/>
+                      </a:rPr>
+                      <m:t> </m:t>
+                    </m:r>
+                  </m:oMath>
+                </a14:m>
+                <a:r>
+                  <a:rPr lang="en-US" sz="2000" dirty="0"/>
+                  <a:t>if there are positive constants </a:t>
+                </a:r>
+                <a14:m>
+                  <m:oMath xmlns:m="http://schemas.openxmlformats.org/officeDocument/2006/math">
+                    <m:sSub>
+                      <m:sSubPr>
+                        <m:ctrlPr>
+                          <a:rPr lang="en-US" sz="2000" i="1" smtClean="0">
+                            <a:latin typeface="Cambria Math" panose="02040503050406030204" pitchFamily="18" charset="0"/>
+                          </a:rPr>
+                        </m:ctrlPr>
+                      </m:sSubPr>
+                      <m:e>
+                        <m:r>
+                          <a:rPr lang="en-US" sz="2000" i="1" smtClean="0">
+                            <a:latin typeface="Cambria Math" panose="02040503050406030204" pitchFamily="18" charset="0"/>
+                          </a:rPr>
+                          <m:t>𝑛</m:t>
+                        </m:r>
+                      </m:e>
+                      <m:sub>
+                        <m:r>
+                          <a:rPr lang="en-US" sz="2000" i="1" smtClean="0">
+                            <a:latin typeface="Cambria Math" panose="02040503050406030204" pitchFamily="18" charset="0"/>
+                          </a:rPr>
+                          <m:t>0</m:t>
+                        </m:r>
+                      </m:sub>
+                    </m:sSub>
+                  </m:oMath>
+                </a14:m>
+                <a:r>
+                  <a:rPr lang="en-US" sz="2000" dirty="0"/>
+                  <a:t> and </a:t>
+                </a:r>
+                <a14:m>
+                  <m:oMath xmlns:m="http://schemas.openxmlformats.org/officeDocument/2006/math">
+                    <m:r>
+                      <a:rPr lang="en-US" sz="2000" i="1" smtClean="0">
+                        <a:latin typeface="Cambria Math" panose="02040503050406030204" pitchFamily="18" charset="0"/>
+                      </a:rPr>
+                      <m:t>𝑐</m:t>
+                    </m:r>
+                  </m:oMath>
+                </a14:m>
+                <a:r>
+                  <a:rPr lang="en-US" sz="2000" dirty="0"/>
+                  <a:t> such that for all </a:t>
+                </a:r>
+                <a14:m>
+                  <m:oMath xmlns:m="http://schemas.openxmlformats.org/officeDocument/2006/math">
+                    <m:r>
+                      <a:rPr lang="en-US" sz="2000" i="1" smtClean="0">
+                        <a:latin typeface="Cambria Math" panose="02040503050406030204" pitchFamily="18" charset="0"/>
+                      </a:rPr>
+                      <m:t>𝑛</m:t>
+                    </m:r>
+                    <m:r>
+                      <a:rPr lang="en-US" sz="2000" i="1" smtClean="0">
+                        <a:latin typeface="Cambria Math" panose="02040503050406030204" pitchFamily="18" charset="0"/>
+                      </a:rPr>
+                      <m:t>≥</m:t>
+                    </m:r>
+                    <m:sSub>
+                      <m:sSubPr>
+                        <m:ctrlPr>
+                          <a:rPr lang="en-US" sz="2000" i="1" smtClean="0">
+                            <a:latin typeface="Cambria Math" panose="02040503050406030204" pitchFamily="18" charset="0"/>
+                          </a:rPr>
+                        </m:ctrlPr>
+                      </m:sSubPr>
+                      <m:e>
+                        <m:r>
+                          <a:rPr lang="en-US" sz="2000" i="1" smtClean="0">
+                            <a:latin typeface="Cambria Math" panose="02040503050406030204" pitchFamily="18" charset="0"/>
+                          </a:rPr>
+                          <m:t>𝑛</m:t>
+                        </m:r>
+                      </m:e>
+                      <m:sub>
+                        <m:r>
+                          <a:rPr lang="en-US" sz="2000" i="1" smtClean="0">
+                            <a:latin typeface="Cambria Math" panose="02040503050406030204" pitchFamily="18" charset="0"/>
+                          </a:rPr>
+                          <m:t>0</m:t>
+                        </m:r>
+                      </m:sub>
+                    </m:sSub>
+                    <m:r>
+                      <a:rPr lang="en-US" sz="2000" i="1" smtClean="0">
+                        <a:latin typeface="Cambria Math" panose="02040503050406030204" pitchFamily="18" charset="0"/>
+                      </a:rPr>
+                      <m:t>: </m:t>
+                    </m:r>
+                  </m:oMath>
+                </a14:m>
+                <a:endParaRPr lang="en-US" sz="2000" dirty="0"/>
+              </a:p>
+              <a:p>
+                <a:pPr marL="0" indent="0">
+                  <a:buFont typeface="Wingdings 3" pitchFamily="18" charset="2"/>
+                  <a:buNone/>
+                </a:pPr>
+                <a14:m>
+                  <m:oMathPara xmlns:m="http://schemas.openxmlformats.org/officeDocument/2006/math">
+                    <m:oMathParaPr>
+                      <m:jc m:val="centerGroup"/>
+                    </m:oMathParaPr>
+                    <m:oMath xmlns:m="http://schemas.openxmlformats.org/officeDocument/2006/math">
+                      <m:r>
+                        <a:rPr lang="en-US" sz="2000" i="1" smtClean="0">
+                          <a:solidFill>
+                            <a:srgbClr val="700000"/>
+                          </a:solidFill>
+                          <a:latin typeface="Cambria Math" panose="02040503050406030204" pitchFamily="18" charset="0"/>
+                        </a:rPr>
+                        <m:t>𝑓</m:t>
+                      </m:r>
+                      <m:d>
+                        <m:dPr>
+                          <m:ctrlPr>
+                            <a:rPr lang="en-US" sz="2000" i="1" smtClean="0">
+                              <a:solidFill>
+                                <a:srgbClr val="700000"/>
+                              </a:solidFill>
+                              <a:latin typeface="Cambria Math" panose="02040503050406030204" pitchFamily="18" charset="0"/>
+                            </a:rPr>
+                          </m:ctrlPr>
+                        </m:dPr>
+                        <m:e>
+                          <m:r>
+                            <a:rPr lang="en-US" sz="2000" i="1" smtClean="0">
+                              <a:solidFill>
+                                <a:srgbClr val="700000"/>
+                              </a:solidFill>
+                              <a:latin typeface="Cambria Math" panose="02040503050406030204" pitchFamily="18" charset="0"/>
+                            </a:rPr>
+                            <m:t>h</m:t>
+                          </m:r>
+                        </m:e>
+                      </m:d>
+                      <m:r>
+                        <a:rPr lang="en-US" sz="2000" i="1" smtClean="0">
+                          <a:solidFill>
+                            <a:srgbClr val="700000"/>
+                          </a:solidFill>
+                          <a:latin typeface="Cambria Math" panose="02040503050406030204" pitchFamily="18" charset="0"/>
+                        </a:rPr>
+                        <m:t>≤</m:t>
+                      </m:r>
+                      <m:r>
+                        <a:rPr lang="en-US" sz="2000" i="1" smtClean="0">
+                          <a:solidFill>
+                            <a:srgbClr val="700000"/>
+                          </a:solidFill>
+                          <a:latin typeface="Cambria Math" panose="02040503050406030204" pitchFamily="18" charset="0"/>
+                        </a:rPr>
+                        <m:t>𝑐</m:t>
+                      </m:r>
+                      <m:r>
+                        <a:rPr lang="en-US" sz="2000" i="1" smtClean="0">
+                          <a:solidFill>
+                            <a:srgbClr val="700000"/>
+                          </a:solidFill>
+                          <a:latin typeface="Cambria Math" panose="02040503050406030204" pitchFamily="18" charset="0"/>
+                        </a:rPr>
+                        <m:t>⋅</m:t>
+                      </m:r>
+                      <m:r>
+                        <a:rPr lang="en-US" sz="2000" i="1" smtClean="0">
+                          <a:solidFill>
+                            <a:srgbClr val="700000"/>
+                          </a:solidFill>
+                          <a:latin typeface="Cambria Math" panose="02040503050406030204" pitchFamily="18" charset="0"/>
+                        </a:rPr>
+                        <m:t>𝑔</m:t>
+                      </m:r>
+                      <m:d>
+                        <m:dPr>
+                          <m:ctrlPr>
+                            <a:rPr lang="en-US" sz="2000" i="1" smtClean="0">
+                              <a:solidFill>
+                                <a:srgbClr val="700000"/>
+                              </a:solidFill>
+                              <a:latin typeface="Cambria Math" panose="02040503050406030204" pitchFamily="18" charset="0"/>
+                            </a:rPr>
+                          </m:ctrlPr>
+                        </m:dPr>
+                        <m:e>
+                          <m:r>
+                            <a:rPr lang="en-US" sz="2000" i="1" smtClean="0">
+                              <a:solidFill>
+                                <a:srgbClr val="700000"/>
+                              </a:solidFill>
+                              <a:latin typeface="Cambria Math" panose="02040503050406030204" pitchFamily="18" charset="0"/>
+                            </a:rPr>
+                            <m:t>𝑛</m:t>
+                          </m:r>
+                        </m:e>
+                      </m:d>
+                    </m:oMath>
+                  </m:oMathPara>
+                </a14:m>
+                <a:endParaRPr lang="en-US" sz="2000" dirty="0">
+                  <a:solidFill>
+                    <a:srgbClr val="700000"/>
+                  </a:solidFill>
+                </a:endParaRPr>
+              </a:p>
+            </p:txBody>
+          </p:sp>
+        </mc:Choice>
+        <mc:Fallback xmlns="">
+          <p:sp>
+            <p:nvSpPr>
+              <p:cNvPr id="4" name="Content Placeholder 2">
+                <a:extLst>
+                  <a:ext uri="{FF2B5EF4-FFF2-40B4-BE49-F238E27FC236}">
+                    <a16:creationId xmlns:a16="http://schemas.microsoft.com/office/drawing/2014/main" id="{CCB83DCB-26B5-4A84-83A4-925BA9971CF1}"/>
+                  </a:ext>
+                </a:extLst>
+              </p:cNvPr>
+              <p:cNvSpPr txBox="1">
+                <a:spLocks noRot="1" noChangeAspect="1" noMove="1" noResize="1" noEditPoints="1" noAdjustHandles="1" noChangeArrowheads="1" noChangeShapeType="1" noTextEdit="1"/>
+              </p:cNvSpPr>
+              <p:nvPr/>
+            </p:nvSpPr>
+            <p:spPr bwMode="auto">
+              <a:xfrm>
+                <a:off x="441434" y="1271752"/>
+                <a:ext cx="6111766" cy="1547648"/>
+              </a:xfrm>
+              <a:prstGeom prst="rect">
+                <a:avLst/>
+              </a:prstGeom>
+              <a:blipFill>
+                <a:blip r:embed="rId2"/>
+                <a:stretch>
+                  <a:fillRect l="-794" t="-2317" r="-1587"/>
+                </a:stretch>
+              </a:blipFill>
+              <a:ln w="28575">
+                <a:solidFill>
+                  <a:schemeClr val="accent1">
+                    <a:shade val="50000"/>
+                  </a:schemeClr>
+                </a:solidFill>
+                <a:miter lim="800000"/>
+                <a:headEnd/>
+                <a:tailEnd/>
+              </a:ln>
+            </p:spPr>
+            <p:txBody>
+              <a:bodyPr/>
+              <a:lstStyle/>
+              <a:p>
+                <a:r>
+                  <a:rPr lang="en-US">
+                    <a:noFill/>
+                  </a:rPr>
+                  <a:t> </a:t>
+                </a:r>
+              </a:p>
+            </p:txBody>
+          </p:sp>
+        </mc:Fallback>
+      </mc:AlternateContent>
+      <mc:AlternateContent xmlns:mc="http://schemas.openxmlformats.org/markup-compatibility/2006" xmlns:a14="http://schemas.microsoft.com/office/drawing/2010/main">
+        <mc:Choice Requires="a14">
+          <p:sp>
+            <p:nvSpPr>
+              <p:cNvPr id="5" name="Content Placeholder 2">
+                <a:extLst>
+                  <a:ext uri="{FF2B5EF4-FFF2-40B4-BE49-F238E27FC236}">
+                    <a16:creationId xmlns:a16="http://schemas.microsoft.com/office/drawing/2014/main" id="{C2DB9B88-3046-46DE-B0CA-3B1C7EE06567}"/>
+                  </a:ext>
+                </a:extLst>
+              </p:cNvPr>
+              <p:cNvSpPr txBox="1">
+                <a:spLocks/>
+              </p:cNvSpPr>
+              <p:nvPr/>
+            </p:nvSpPr>
+            <p:spPr bwMode="auto">
+              <a:xfrm>
+                <a:off x="436179" y="3012528"/>
+                <a:ext cx="6111766" cy="1547648"/>
+              </a:xfrm>
+              <a:prstGeom prst="rect">
+                <a:avLst/>
+              </a:prstGeom>
+              <a:noFill/>
+              <a:ln w="28575">
+                <a:solidFill>
+                  <a:schemeClr val="accent1">
+                    <a:shade val="50000"/>
+                  </a:schemeClr>
+                </a:solidFill>
+                <a:miter lim="800000"/>
+                <a:headEnd/>
+                <a:tailEnd/>
+              </a:ln>
+            </p:spPr>
+            <p:txBody>
+              <a:bodyPr vert="horz" wrap="square" lIns="91440" tIns="45720" rIns="91440" bIns="45720" numCol="1" anchor="t" anchorCtr="0" compatLnSpc="1">
+                <a:prstTxWarp prst="textNoShape">
+                  <a:avLst/>
+                </a:prstTxWarp>
+              </a:bodyPr>
+              <a:lstStyle>
+                <a:lvl1pPr marL="273050" indent="-273050" algn="l" rtl="0" eaLnBrk="0" fontAlgn="base" hangingPunct="0">
+                  <a:spcBef>
+                    <a:spcPts val="600"/>
+                  </a:spcBef>
+                  <a:spcAft>
+                    <a:spcPct val="0"/>
+                  </a:spcAft>
+                  <a:buClr>
+                    <a:schemeClr val="accent1"/>
+                  </a:buClr>
+                  <a:buSzPct val="76000"/>
+                  <a:buFont typeface="Wingdings 3" pitchFamily="18" charset="2"/>
+                  <a:buChar char=""/>
+                  <a:defRPr sz="2600" kern="1200">
+                    <a:solidFill>
+                      <a:schemeClr val="tx1"/>
+                    </a:solidFill>
+                    <a:latin typeface="+mn-lt"/>
+                    <a:ea typeface="+mn-ea"/>
+                    <a:cs typeface="+mn-cs"/>
+                  </a:defRPr>
+                </a:lvl1pPr>
+                <a:lvl2pPr marL="547688" indent="-273050" algn="l" rtl="0" eaLnBrk="0" fontAlgn="base" hangingPunct="0">
+                  <a:spcBef>
+                    <a:spcPts val="500"/>
+                  </a:spcBef>
+                  <a:spcAft>
+                    <a:spcPct val="0"/>
+                  </a:spcAft>
+                  <a:buClr>
+                    <a:schemeClr val="accent2"/>
+                  </a:buClr>
+                  <a:buSzPct val="76000"/>
+                  <a:buFont typeface="Wingdings 3" pitchFamily="18" charset="2"/>
+                  <a:buChar char=""/>
+                  <a:defRPr sz="2300" kern="1200">
+                    <a:solidFill>
+                      <a:schemeClr val="tx2"/>
+                    </a:solidFill>
+                    <a:latin typeface="+mn-lt"/>
+                    <a:ea typeface="+mn-ea"/>
+                    <a:cs typeface="+mn-cs"/>
+                  </a:defRPr>
+                </a:lvl2pPr>
+                <a:lvl3pPr marL="822325" indent="-228600" algn="l" rtl="0" eaLnBrk="0" fontAlgn="base" hangingPunct="0">
+                  <a:spcBef>
+                    <a:spcPts val="500"/>
+                  </a:spcBef>
+                  <a:spcAft>
+                    <a:spcPct val="0"/>
+                  </a:spcAft>
+                  <a:buClr>
+                    <a:srgbClr val="BCBCBC"/>
+                  </a:buClr>
+                  <a:buSzPct val="76000"/>
+                  <a:buFont typeface="Wingdings 3" pitchFamily="18" charset="2"/>
+                  <a:buChar char=""/>
+                  <a:defRPr sz="2000" kern="1200">
+                    <a:solidFill>
+                      <a:schemeClr val="tx1"/>
+                    </a:solidFill>
+                    <a:latin typeface="+mn-lt"/>
+                    <a:ea typeface="+mn-ea"/>
+                    <a:cs typeface="+mn-cs"/>
+                  </a:defRPr>
+                </a:lvl3pPr>
+                <a:lvl4pPr marL="1096963" indent="-228600" algn="l" rtl="0" eaLnBrk="0" fontAlgn="base" hangingPunct="0">
+                  <a:spcBef>
+                    <a:spcPts val="400"/>
+                  </a:spcBef>
+                  <a:spcAft>
+                    <a:spcPct val="0"/>
+                  </a:spcAft>
+                  <a:buClr>
+                    <a:srgbClr val="8BA2B4"/>
+                  </a:buClr>
+                  <a:buSzPct val="70000"/>
+                  <a:buFont typeface="Wingdings" pitchFamily="2" charset="2"/>
+                  <a:buChar char=""/>
+                  <a:defRPr sz="2000" kern="1200">
+                    <a:solidFill>
+                      <a:schemeClr val="tx1"/>
+                    </a:solidFill>
+                    <a:latin typeface="+mn-lt"/>
+                    <a:ea typeface="+mn-ea"/>
+                    <a:cs typeface="+mn-cs"/>
+                  </a:defRPr>
+                </a:lvl4pPr>
+                <a:lvl5pPr marL="1371600" indent="-228600" algn="l" rtl="0" eaLnBrk="0" fontAlgn="base" hangingPunct="0">
+                  <a:spcBef>
+                    <a:spcPts val="300"/>
+                  </a:spcBef>
+                  <a:spcAft>
+                    <a:spcPct val="0"/>
+                  </a:spcAft>
+                  <a:buClr>
+                    <a:schemeClr val="accent2"/>
+                  </a:buClr>
+                  <a:buSzPct val="70000"/>
+                  <a:buFont typeface="Wingdings" pitchFamily="2" charset="2"/>
+                  <a:buChar char=""/>
+                  <a:defRPr sz="1600" kern="1200">
+                    <a:solidFill>
+                      <a:schemeClr val="tx1"/>
+                    </a:solidFill>
+                    <a:latin typeface="+mn-lt"/>
+                    <a:ea typeface="+mn-ea"/>
+                    <a:cs typeface="+mn-cs"/>
+                  </a:defRPr>
+                </a:lvl5pPr>
+                <a:lvl6pPr marL="1645920" indent="-182880" algn="l" rtl="0" eaLnBrk="1" latinLnBrk="0" hangingPunct="1">
+                  <a:spcBef>
+                    <a:spcPts val="300"/>
+                  </a:spcBef>
+                  <a:buClr>
+                    <a:srgbClr val="9FB8CD">
+                      <a:shade val="75000"/>
+                    </a:srgbClr>
+                  </a:buClr>
+                  <a:buSzPct val="75000"/>
+                  <a:buFont typeface="Wingdings 3"/>
+                  <a:buChar char=""/>
+                  <a:defRPr kumimoji="0" lang="en-US" sz="1600" kern="1200" smtClean="0">
+                    <a:solidFill>
+                      <a:schemeClr val="tx1"/>
+                    </a:solidFill>
+                    <a:latin typeface="+mn-lt"/>
+                    <a:ea typeface="+mn-ea"/>
+                    <a:cs typeface="+mn-cs"/>
+                  </a:defRPr>
+                </a:lvl6pPr>
+                <a:lvl7pPr marL="1828800" indent="-182880" algn="l" rtl="0" eaLnBrk="1" latinLnBrk="0" hangingPunct="1">
+                  <a:spcBef>
+                    <a:spcPts val="300"/>
+                  </a:spcBef>
+                  <a:buClr>
+                    <a:srgbClr val="727CA3">
+                      <a:shade val="75000"/>
+                    </a:srgbClr>
+                  </a:buClr>
+                  <a:buSzPct val="75000"/>
+                  <a:buFont typeface="Wingdings 3"/>
+                  <a:buChar char=""/>
+                  <a:defRPr kumimoji="0" lang="en-US" sz="1400" kern="1200" smtClean="0">
+                    <a:solidFill>
+                      <a:schemeClr val="tx1"/>
+                    </a:solidFill>
+                    <a:latin typeface="+mn-lt"/>
+                    <a:ea typeface="+mn-ea"/>
+                    <a:cs typeface="+mn-cs"/>
+                  </a:defRPr>
+                </a:lvl7pPr>
+                <a:lvl8pPr marL="2011680" indent="-182880" algn="l" rtl="0" eaLnBrk="1" latinLnBrk="0" hangingPunct="1">
+                  <a:spcBef>
+                    <a:spcPts val="300"/>
+                  </a:spcBef>
+                  <a:buClr>
+                    <a:prstClr val="white">
+                      <a:shade val="50000"/>
+                    </a:prstClr>
+                  </a:buClr>
+                  <a:buSzPct val="75000"/>
+                  <a:buFont typeface="Wingdings 3"/>
+                  <a:buChar char=""/>
+                  <a:defRPr kumimoji="0" lang="en-US" sz="1400" kern="1200" smtClean="0">
+                    <a:solidFill>
+                      <a:schemeClr val="tx1"/>
+                    </a:solidFill>
+                    <a:latin typeface="+mn-lt"/>
+                    <a:ea typeface="+mn-ea"/>
+                    <a:cs typeface="+mn-cs"/>
+                  </a:defRPr>
+                </a:lvl8pPr>
+                <a:lvl9pPr marL="2194560" indent="-182880" algn="l" rtl="0" eaLnBrk="1" latinLnBrk="0" hangingPunct="1">
+                  <a:spcBef>
+                    <a:spcPts val="300"/>
+                  </a:spcBef>
+                  <a:buClr>
+                    <a:srgbClr val="9FB8CD"/>
+                  </a:buClr>
+                  <a:buSzPct val="75000"/>
+                  <a:buFont typeface="Wingdings 3"/>
+                  <a:buChar char=""/>
+                  <a:defRPr kumimoji="0" lang="en-US" sz="1200" kern="1200" smtClean="0">
+                    <a:solidFill>
+                      <a:schemeClr val="tx1"/>
+                    </a:solidFill>
+                    <a:latin typeface="+mn-lt"/>
+                    <a:ea typeface="+mn-ea"/>
+                    <a:cs typeface="+mn-cs"/>
+                  </a:defRPr>
+                </a:lvl9pPr>
+              </a:lstStyle>
+              <a:p>
+                <a:pPr marL="0" indent="0" algn="ctr">
+                  <a:buFont typeface="Wingdings 3" pitchFamily="18" charset="2"/>
+                  <a:buNone/>
+                </a:pPr>
+                <a:r>
+                  <a:rPr lang="en-US" sz="2400" dirty="0">
+                    <a:solidFill>
+                      <a:srgbClr val="0B0E8F"/>
+                    </a:solidFill>
+                  </a:rPr>
+                  <a:t>Big-</a:t>
+                </a:r>
+                <a14:m>
+                  <m:oMath xmlns:m="http://schemas.openxmlformats.org/officeDocument/2006/math">
+                    <m:r>
+                      <m:rPr>
+                        <m:sty m:val="p"/>
+                      </m:rPr>
+                      <a:rPr lang="en-US" sz="2400" b="0" i="0" smtClean="0">
+                        <a:solidFill>
+                          <a:srgbClr val="0B0E8F"/>
+                        </a:solidFill>
+                        <a:latin typeface="Cambria Math" panose="02040503050406030204" pitchFamily="18" charset="0"/>
+                      </a:rPr>
+                      <m:t>Ω</m:t>
+                    </m:r>
+                  </m:oMath>
+                </a14:m>
+                <a:r>
+                  <a:rPr lang="en-US" sz="2400" dirty="0">
+                    <a:solidFill>
+                      <a:srgbClr val="0B0E8F"/>
+                    </a:solidFill>
+                  </a:rPr>
+                  <a:t> (lower bounded)</a:t>
+                </a:r>
+              </a:p>
+              <a:p>
+                <a:pPr marL="0" indent="0">
+                  <a:buFont typeface="Wingdings 3" pitchFamily="18" charset="2"/>
+                  <a:buNone/>
+                </a:pPr>
+                <a:r>
+                  <a:rPr lang="en-US" sz="2000" dirty="0"/>
+                  <a:t>We write </a:t>
+                </a:r>
+                <a14:m>
+                  <m:oMath xmlns:m="http://schemas.openxmlformats.org/officeDocument/2006/math">
+                    <m:r>
+                      <a:rPr lang="en-US" sz="2000" i="1" smtClean="0">
+                        <a:latin typeface="Cambria Math" panose="02040503050406030204" pitchFamily="18" charset="0"/>
+                      </a:rPr>
+                      <m:t>𝑓</m:t>
+                    </m:r>
+                    <m:d>
+                      <m:dPr>
+                        <m:ctrlPr>
+                          <a:rPr lang="en-US" sz="2000" i="1" smtClean="0">
+                            <a:latin typeface="Cambria Math" panose="02040503050406030204" pitchFamily="18" charset="0"/>
+                          </a:rPr>
+                        </m:ctrlPr>
+                      </m:dPr>
+                      <m:e>
+                        <m:r>
+                          <a:rPr lang="en-US" sz="2000" i="1" smtClean="0">
+                            <a:latin typeface="Cambria Math" panose="02040503050406030204" pitchFamily="18" charset="0"/>
+                          </a:rPr>
+                          <m:t>𝑛</m:t>
+                        </m:r>
+                      </m:e>
+                    </m:d>
+                    <m:r>
+                      <a:rPr lang="en-US" sz="2000" i="1" smtClean="0">
+                        <a:latin typeface="Cambria Math" panose="02040503050406030204" pitchFamily="18" charset="0"/>
+                      </a:rPr>
+                      <m:t>=</m:t>
+                    </m:r>
+                    <m:r>
+                      <m:rPr>
+                        <m:sty m:val="p"/>
+                      </m:rPr>
+                      <a:rPr lang="en-US" sz="2000" smtClean="0">
+                        <a:latin typeface="Cambria Math" panose="02040503050406030204" pitchFamily="18" charset="0"/>
+                      </a:rPr>
+                      <m:t>Ω</m:t>
+                    </m:r>
+                    <m:d>
+                      <m:dPr>
+                        <m:ctrlPr>
+                          <a:rPr lang="en-US" sz="2000" i="1" smtClean="0">
+                            <a:latin typeface="Cambria Math" panose="02040503050406030204" pitchFamily="18" charset="0"/>
+                          </a:rPr>
+                        </m:ctrlPr>
+                      </m:dPr>
+                      <m:e>
+                        <m:r>
+                          <a:rPr lang="en-US" sz="2000" i="1" smtClean="0">
+                            <a:latin typeface="Cambria Math" panose="02040503050406030204" pitchFamily="18" charset="0"/>
+                          </a:rPr>
+                          <m:t>𝑔</m:t>
+                        </m:r>
+                        <m:d>
+                          <m:dPr>
+                            <m:ctrlPr>
+                              <a:rPr lang="en-US" sz="2000" i="1" smtClean="0">
+                                <a:latin typeface="Cambria Math" panose="02040503050406030204" pitchFamily="18" charset="0"/>
+                              </a:rPr>
+                            </m:ctrlPr>
+                          </m:dPr>
+                          <m:e>
+                            <m:r>
+                              <a:rPr lang="en-US" sz="2000" i="1" smtClean="0">
+                                <a:latin typeface="Cambria Math" panose="02040503050406030204" pitchFamily="18" charset="0"/>
+                              </a:rPr>
+                              <m:t>𝑛</m:t>
+                            </m:r>
+                          </m:e>
+                        </m:d>
+                      </m:e>
+                    </m:d>
+                    <m:r>
+                      <a:rPr lang="en-US" sz="2000" i="1" smtClean="0">
+                        <a:latin typeface="Cambria Math" panose="02040503050406030204" pitchFamily="18" charset="0"/>
+                      </a:rPr>
+                      <m:t> </m:t>
+                    </m:r>
+                  </m:oMath>
+                </a14:m>
+                <a:r>
+                  <a:rPr lang="en-US" sz="2000" dirty="0"/>
+                  <a:t>if there are </a:t>
+                </a:r>
+                <a:r>
+                  <a:rPr lang="en-US" sz="2000" dirty="0">
+                    <a:solidFill>
+                      <a:srgbClr val="700000"/>
+                    </a:solidFill>
+                  </a:rPr>
+                  <a:t>positive</a:t>
+                </a:r>
+                <a:r>
+                  <a:rPr lang="en-US" sz="2000" dirty="0"/>
+                  <a:t> constants </a:t>
+                </a:r>
+                <a14:m>
+                  <m:oMath xmlns:m="http://schemas.openxmlformats.org/officeDocument/2006/math">
+                    <m:sSub>
+                      <m:sSubPr>
+                        <m:ctrlPr>
+                          <a:rPr lang="en-US" sz="2000" i="1" smtClean="0">
+                            <a:latin typeface="Cambria Math" panose="02040503050406030204" pitchFamily="18" charset="0"/>
+                          </a:rPr>
+                        </m:ctrlPr>
+                      </m:sSubPr>
+                      <m:e>
+                        <m:r>
+                          <a:rPr lang="en-US" sz="2000" i="1" smtClean="0">
+                            <a:latin typeface="Cambria Math" panose="02040503050406030204" pitchFamily="18" charset="0"/>
+                          </a:rPr>
+                          <m:t>𝑛</m:t>
+                        </m:r>
+                      </m:e>
+                      <m:sub>
+                        <m:r>
+                          <a:rPr lang="en-US" sz="2000" i="1" smtClean="0">
+                            <a:latin typeface="Cambria Math" panose="02040503050406030204" pitchFamily="18" charset="0"/>
+                          </a:rPr>
+                          <m:t>0</m:t>
+                        </m:r>
+                      </m:sub>
+                    </m:sSub>
+                  </m:oMath>
+                </a14:m>
+                <a:r>
+                  <a:rPr lang="en-US" sz="2000" dirty="0"/>
+                  <a:t> and </a:t>
+                </a:r>
+                <a14:m>
+                  <m:oMath xmlns:m="http://schemas.openxmlformats.org/officeDocument/2006/math">
+                    <m:r>
+                      <a:rPr lang="en-US" sz="2000" i="1" smtClean="0">
+                        <a:latin typeface="Cambria Math" panose="02040503050406030204" pitchFamily="18" charset="0"/>
+                      </a:rPr>
+                      <m:t>𝑐</m:t>
+                    </m:r>
+                  </m:oMath>
+                </a14:m>
+                <a:r>
+                  <a:rPr lang="en-US" sz="2000" dirty="0"/>
+                  <a:t> such that for all </a:t>
+                </a:r>
+                <a14:m>
+                  <m:oMath xmlns:m="http://schemas.openxmlformats.org/officeDocument/2006/math">
+                    <m:r>
+                      <a:rPr lang="en-US" sz="2000" i="1" smtClean="0">
+                        <a:latin typeface="Cambria Math" panose="02040503050406030204" pitchFamily="18" charset="0"/>
+                      </a:rPr>
+                      <m:t>𝑛</m:t>
+                    </m:r>
+                    <m:r>
+                      <a:rPr lang="en-US" sz="2000" i="1" smtClean="0">
+                        <a:latin typeface="Cambria Math" panose="02040503050406030204" pitchFamily="18" charset="0"/>
+                      </a:rPr>
+                      <m:t>≥</m:t>
+                    </m:r>
+                    <m:sSub>
+                      <m:sSubPr>
+                        <m:ctrlPr>
+                          <a:rPr lang="en-US" sz="2000" i="1" smtClean="0">
+                            <a:latin typeface="Cambria Math" panose="02040503050406030204" pitchFamily="18" charset="0"/>
+                          </a:rPr>
+                        </m:ctrlPr>
+                      </m:sSubPr>
+                      <m:e>
+                        <m:r>
+                          <a:rPr lang="en-US" sz="2000" i="1" smtClean="0">
+                            <a:latin typeface="Cambria Math" panose="02040503050406030204" pitchFamily="18" charset="0"/>
+                          </a:rPr>
+                          <m:t>𝑛</m:t>
+                        </m:r>
+                      </m:e>
+                      <m:sub>
+                        <m:r>
+                          <a:rPr lang="en-US" sz="2000" i="1" smtClean="0">
+                            <a:latin typeface="Cambria Math" panose="02040503050406030204" pitchFamily="18" charset="0"/>
+                          </a:rPr>
+                          <m:t>0</m:t>
+                        </m:r>
+                      </m:sub>
+                    </m:sSub>
+                    <m:r>
+                      <a:rPr lang="en-US" sz="2000" i="1" smtClean="0">
+                        <a:latin typeface="Cambria Math" panose="02040503050406030204" pitchFamily="18" charset="0"/>
+                      </a:rPr>
+                      <m:t>: </m:t>
+                    </m:r>
+                  </m:oMath>
+                </a14:m>
+                <a:endParaRPr lang="en-US" sz="2000" dirty="0"/>
+              </a:p>
+              <a:p>
+                <a:pPr marL="0" indent="0">
+                  <a:buFont typeface="Wingdings 3" pitchFamily="18" charset="2"/>
+                  <a:buNone/>
+                </a:pPr>
+                <a14:m>
+                  <m:oMathPara xmlns:m="http://schemas.openxmlformats.org/officeDocument/2006/math">
+                    <m:oMathParaPr>
+                      <m:jc m:val="centerGroup"/>
+                    </m:oMathParaPr>
+                    <m:oMath xmlns:m="http://schemas.openxmlformats.org/officeDocument/2006/math">
+                      <m:r>
+                        <a:rPr lang="en-US" sz="2000" i="1" smtClean="0">
+                          <a:solidFill>
+                            <a:srgbClr val="700000"/>
+                          </a:solidFill>
+                          <a:latin typeface="Cambria Math" panose="02040503050406030204" pitchFamily="18" charset="0"/>
+                        </a:rPr>
+                        <m:t>𝑓</m:t>
+                      </m:r>
+                      <m:d>
+                        <m:dPr>
+                          <m:ctrlPr>
+                            <a:rPr lang="en-US" sz="2000" i="1" smtClean="0">
+                              <a:solidFill>
+                                <a:srgbClr val="700000"/>
+                              </a:solidFill>
+                              <a:latin typeface="Cambria Math" panose="02040503050406030204" pitchFamily="18" charset="0"/>
+                            </a:rPr>
+                          </m:ctrlPr>
+                        </m:dPr>
+                        <m:e>
+                          <m:r>
+                            <a:rPr lang="en-US" sz="2000" i="1" smtClean="0">
+                              <a:solidFill>
+                                <a:srgbClr val="700000"/>
+                              </a:solidFill>
+                              <a:latin typeface="Cambria Math" panose="02040503050406030204" pitchFamily="18" charset="0"/>
+                            </a:rPr>
+                            <m:t>h</m:t>
+                          </m:r>
+                        </m:e>
+                      </m:d>
+                      <m:r>
+                        <a:rPr lang="en-US" sz="2000" i="1" smtClean="0">
+                          <a:solidFill>
+                            <a:srgbClr val="700000"/>
+                          </a:solidFill>
+                          <a:latin typeface="Cambria Math" panose="02040503050406030204" pitchFamily="18" charset="0"/>
+                        </a:rPr>
+                        <m:t>≥</m:t>
+                      </m:r>
+                      <m:r>
+                        <a:rPr lang="en-US" sz="2000" i="1" smtClean="0">
+                          <a:solidFill>
+                            <a:srgbClr val="700000"/>
+                          </a:solidFill>
+                          <a:latin typeface="Cambria Math" panose="02040503050406030204" pitchFamily="18" charset="0"/>
+                        </a:rPr>
+                        <m:t>𝑐</m:t>
+                      </m:r>
+                      <m:r>
+                        <a:rPr lang="en-US" sz="2000" i="1" smtClean="0">
+                          <a:solidFill>
+                            <a:srgbClr val="700000"/>
+                          </a:solidFill>
+                          <a:latin typeface="Cambria Math" panose="02040503050406030204" pitchFamily="18" charset="0"/>
+                        </a:rPr>
+                        <m:t>⋅</m:t>
+                      </m:r>
+                      <m:r>
+                        <a:rPr lang="en-US" sz="2000" i="1" smtClean="0">
+                          <a:solidFill>
+                            <a:srgbClr val="700000"/>
+                          </a:solidFill>
+                          <a:latin typeface="Cambria Math" panose="02040503050406030204" pitchFamily="18" charset="0"/>
+                        </a:rPr>
+                        <m:t>𝑔</m:t>
+                      </m:r>
+                      <m:d>
+                        <m:dPr>
+                          <m:ctrlPr>
+                            <a:rPr lang="en-US" sz="2000" i="1" smtClean="0">
+                              <a:solidFill>
+                                <a:srgbClr val="700000"/>
+                              </a:solidFill>
+                              <a:latin typeface="Cambria Math" panose="02040503050406030204" pitchFamily="18" charset="0"/>
+                            </a:rPr>
+                          </m:ctrlPr>
+                        </m:dPr>
+                        <m:e>
+                          <m:r>
+                            <a:rPr lang="en-US" sz="2000" i="1" smtClean="0">
+                              <a:solidFill>
+                                <a:srgbClr val="700000"/>
+                              </a:solidFill>
+                              <a:latin typeface="Cambria Math" panose="02040503050406030204" pitchFamily="18" charset="0"/>
+                            </a:rPr>
+                            <m:t>𝑛</m:t>
+                          </m:r>
+                        </m:e>
+                      </m:d>
+                    </m:oMath>
+                  </m:oMathPara>
+                </a14:m>
+                <a:endParaRPr lang="en-US" sz="2000" dirty="0">
+                  <a:solidFill>
+                    <a:srgbClr val="700000"/>
+                  </a:solidFill>
+                </a:endParaRPr>
+              </a:p>
+            </p:txBody>
+          </p:sp>
+        </mc:Choice>
+        <mc:Fallback xmlns="">
+          <p:sp>
+            <p:nvSpPr>
+              <p:cNvPr id="5" name="Content Placeholder 2">
+                <a:extLst>
+                  <a:ext uri="{FF2B5EF4-FFF2-40B4-BE49-F238E27FC236}">
+                    <a16:creationId xmlns:a16="http://schemas.microsoft.com/office/drawing/2014/main" id="{C2DB9B88-3046-46DE-B0CA-3B1C7EE06567}"/>
+                  </a:ext>
+                </a:extLst>
+              </p:cNvPr>
+              <p:cNvSpPr txBox="1">
+                <a:spLocks noRot="1" noChangeAspect="1" noMove="1" noResize="1" noEditPoints="1" noAdjustHandles="1" noChangeArrowheads="1" noChangeShapeType="1" noTextEdit="1"/>
+              </p:cNvSpPr>
+              <p:nvPr/>
+            </p:nvSpPr>
+            <p:spPr bwMode="auto">
+              <a:xfrm>
+                <a:off x="436179" y="3012528"/>
+                <a:ext cx="6111766" cy="1547648"/>
+              </a:xfrm>
+              <a:prstGeom prst="rect">
+                <a:avLst/>
+              </a:prstGeom>
+              <a:blipFill>
+                <a:blip r:embed="rId3"/>
+                <a:stretch>
+                  <a:fillRect l="-894" t="-2317" r="-1490"/>
+                </a:stretch>
+              </a:blipFill>
+              <a:ln w="28575">
+                <a:solidFill>
+                  <a:schemeClr val="accent1">
+                    <a:shade val="50000"/>
+                  </a:schemeClr>
+                </a:solidFill>
+                <a:miter lim="800000"/>
+                <a:headEnd/>
+                <a:tailEnd/>
+              </a:ln>
+            </p:spPr>
+            <p:txBody>
+              <a:bodyPr/>
+              <a:lstStyle/>
+              <a:p>
+                <a:r>
+                  <a:rPr lang="en-US">
+                    <a:noFill/>
+                  </a:rPr>
+                  <a:t> </a:t>
+                </a:r>
+              </a:p>
+            </p:txBody>
+          </p:sp>
+        </mc:Fallback>
+      </mc:AlternateContent>
+      <mc:AlternateContent xmlns:mc="http://schemas.openxmlformats.org/markup-compatibility/2006" xmlns:a14="http://schemas.microsoft.com/office/drawing/2010/main">
+        <mc:Choice Requires="a14">
+          <p:sp>
+            <p:nvSpPr>
+              <p:cNvPr id="6" name="Content Placeholder 2">
+                <a:extLst>
+                  <a:ext uri="{FF2B5EF4-FFF2-40B4-BE49-F238E27FC236}">
+                    <a16:creationId xmlns:a16="http://schemas.microsoft.com/office/drawing/2014/main" id="{1E6B983C-871E-4083-8963-2DD681AB4D2D}"/>
+                  </a:ext>
+                </a:extLst>
+              </p:cNvPr>
+              <p:cNvSpPr txBox="1">
+                <a:spLocks/>
+              </p:cNvSpPr>
+              <p:nvPr/>
+            </p:nvSpPr>
+            <p:spPr bwMode="auto">
+              <a:xfrm>
+                <a:off x="436179" y="4753304"/>
+                <a:ext cx="6111766" cy="1547648"/>
+              </a:xfrm>
+              <a:prstGeom prst="rect">
+                <a:avLst/>
+              </a:prstGeom>
+              <a:noFill/>
+              <a:ln w="28575">
+                <a:solidFill>
+                  <a:schemeClr val="accent1">
+                    <a:shade val="50000"/>
+                  </a:schemeClr>
+                </a:solidFill>
+                <a:miter lim="800000"/>
+                <a:headEnd/>
+                <a:tailEnd/>
+              </a:ln>
+            </p:spPr>
+            <p:txBody>
+              <a:bodyPr vert="horz" wrap="square" lIns="91440" tIns="45720" rIns="91440" bIns="45720" numCol="1" anchor="t" anchorCtr="0" compatLnSpc="1">
+                <a:prstTxWarp prst="textNoShape">
+                  <a:avLst/>
+                </a:prstTxWarp>
+              </a:bodyPr>
+              <a:lstStyle>
+                <a:lvl1pPr marL="273050" indent="-273050" algn="l" rtl="0" eaLnBrk="0" fontAlgn="base" hangingPunct="0">
+                  <a:spcBef>
+                    <a:spcPts val="600"/>
+                  </a:spcBef>
+                  <a:spcAft>
+                    <a:spcPct val="0"/>
+                  </a:spcAft>
+                  <a:buClr>
+                    <a:schemeClr val="accent1"/>
+                  </a:buClr>
+                  <a:buSzPct val="76000"/>
+                  <a:buFont typeface="Wingdings 3" pitchFamily="18" charset="2"/>
+                  <a:buChar char=""/>
+                  <a:defRPr sz="2600" kern="1200">
+                    <a:solidFill>
+                      <a:schemeClr val="tx1"/>
+                    </a:solidFill>
+                    <a:latin typeface="+mn-lt"/>
+                    <a:ea typeface="+mn-ea"/>
+                    <a:cs typeface="+mn-cs"/>
+                  </a:defRPr>
+                </a:lvl1pPr>
+                <a:lvl2pPr marL="547688" indent="-273050" algn="l" rtl="0" eaLnBrk="0" fontAlgn="base" hangingPunct="0">
+                  <a:spcBef>
+                    <a:spcPts val="500"/>
+                  </a:spcBef>
+                  <a:spcAft>
+                    <a:spcPct val="0"/>
+                  </a:spcAft>
+                  <a:buClr>
+                    <a:schemeClr val="accent2"/>
+                  </a:buClr>
+                  <a:buSzPct val="76000"/>
+                  <a:buFont typeface="Wingdings 3" pitchFamily="18" charset="2"/>
+                  <a:buChar char=""/>
+                  <a:defRPr sz="2300" kern="1200">
+                    <a:solidFill>
+                      <a:schemeClr val="tx2"/>
+                    </a:solidFill>
+                    <a:latin typeface="+mn-lt"/>
+                    <a:ea typeface="+mn-ea"/>
+                    <a:cs typeface="+mn-cs"/>
+                  </a:defRPr>
+                </a:lvl2pPr>
+                <a:lvl3pPr marL="822325" indent="-228600" algn="l" rtl="0" eaLnBrk="0" fontAlgn="base" hangingPunct="0">
+                  <a:spcBef>
+                    <a:spcPts val="500"/>
+                  </a:spcBef>
+                  <a:spcAft>
+                    <a:spcPct val="0"/>
+                  </a:spcAft>
+                  <a:buClr>
+                    <a:srgbClr val="BCBCBC"/>
+                  </a:buClr>
+                  <a:buSzPct val="76000"/>
+                  <a:buFont typeface="Wingdings 3" pitchFamily="18" charset="2"/>
+                  <a:buChar char=""/>
+                  <a:defRPr sz="2000" kern="1200">
+                    <a:solidFill>
+                      <a:schemeClr val="tx1"/>
+                    </a:solidFill>
+                    <a:latin typeface="+mn-lt"/>
+                    <a:ea typeface="+mn-ea"/>
+                    <a:cs typeface="+mn-cs"/>
+                  </a:defRPr>
+                </a:lvl3pPr>
+                <a:lvl4pPr marL="1096963" indent="-228600" algn="l" rtl="0" eaLnBrk="0" fontAlgn="base" hangingPunct="0">
+                  <a:spcBef>
+                    <a:spcPts val="400"/>
+                  </a:spcBef>
+                  <a:spcAft>
+                    <a:spcPct val="0"/>
+                  </a:spcAft>
+                  <a:buClr>
+                    <a:srgbClr val="8BA2B4"/>
+                  </a:buClr>
+                  <a:buSzPct val="70000"/>
+                  <a:buFont typeface="Wingdings" pitchFamily="2" charset="2"/>
+                  <a:buChar char=""/>
+                  <a:defRPr sz="2000" kern="1200">
+                    <a:solidFill>
+                      <a:schemeClr val="tx1"/>
+                    </a:solidFill>
+                    <a:latin typeface="+mn-lt"/>
+                    <a:ea typeface="+mn-ea"/>
+                    <a:cs typeface="+mn-cs"/>
+                  </a:defRPr>
+                </a:lvl4pPr>
+                <a:lvl5pPr marL="1371600" indent="-228600" algn="l" rtl="0" eaLnBrk="0" fontAlgn="base" hangingPunct="0">
+                  <a:spcBef>
+                    <a:spcPts val="300"/>
+                  </a:spcBef>
+                  <a:spcAft>
+                    <a:spcPct val="0"/>
+                  </a:spcAft>
+                  <a:buClr>
+                    <a:schemeClr val="accent2"/>
+                  </a:buClr>
+                  <a:buSzPct val="70000"/>
+                  <a:buFont typeface="Wingdings" pitchFamily="2" charset="2"/>
+                  <a:buChar char=""/>
+                  <a:defRPr sz="1600" kern="1200">
+                    <a:solidFill>
+                      <a:schemeClr val="tx1"/>
+                    </a:solidFill>
+                    <a:latin typeface="+mn-lt"/>
+                    <a:ea typeface="+mn-ea"/>
+                    <a:cs typeface="+mn-cs"/>
+                  </a:defRPr>
+                </a:lvl5pPr>
+                <a:lvl6pPr marL="1645920" indent="-182880" algn="l" rtl="0" eaLnBrk="1" latinLnBrk="0" hangingPunct="1">
+                  <a:spcBef>
+                    <a:spcPts val="300"/>
+                  </a:spcBef>
+                  <a:buClr>
+                    <a:srgbClr val="9FB8CD">
+                      <a:shade val="75000"/>
+                    </a:srgbClr>
+                  </a:buClr>
+                  <a:buSzPct val="75000"/>
+                  <a:buFont typeface="Wingdings 3"/>
+                  <a:buChar char=""/>
+                  <a:defRPr kumimoji="0" lang="en-US" sz="1600" kern="1200" smtClean="0">
+                    <a:solidFill>
+                      <a:schemeClr val="tx1"/>
+                    </a:solidFill>
+                    <a:latin typeface="+mn-lt"/>
+                    <a:ea typeface="+mn-ea"/>
+                    <a:cs typeface="+mn-cs"/>
+                  </a:defRPr>
+                </a:lvl6pPr>
+                <a:lvl7pPr marL="1828800" indent="-182880" algn="l" rtl="0" eaLnBrk="1" latinLnBrk="0" hangingPunct="1">
+                  <a:spcBef>
+                    <a:spcPts val="300"/>
+                  </a:spcBef>
+                  <a:buClr>
+                    <a:srgbClr val="727CA3">
+                      <a:shade val="75000"/>
+                    </a:srgbClr>
+                  </a:buClr>
+                  <a:buSzPct val="75000"/>
+                  <a:buFont typeface="Wingdings 3"/>
+                  <a:buChar char=""/>
+                  <a:defRPr kumimoji="0" lang="en-US" sz="1400" kern="1200" smtClean="0">
+                    <a:solidFill>
+                      <a:schemeClr val="tx1"/>
+                    </a:solidFill>
+                    <a:latin typeface="+mn-lt"/>
+                    <a:ea typeface="+mn-ea"/>
+                    <a:cs typeface="+mn-cs"/>
+                  </a:defRPr>
+                </a:lvl7pPr>
+                <a:lvl8pPr marL="2011680" indent="-182880" algn="l" rtl="0" eaLnBrk="1" latinLnBrk="0" hangingPunct="1">
+                  <a:spcBef>
+                    <a:spcPts val="300"/>
+                  </a:spcBef>
+                  <a:buClr>
+                    <a:prstClr val="white">
+                      <a:shade val="50000"/>
+                    </a:prstClr>
+                  </a:buClr>
+                  <a:buSzPct val="75000"/>
+                  <a:buFont typeface="Wingdings 3"/>
+                  <a:buChar char=""/>
+                  <a:defRPr kumimoji="0" lang="en-US" sz="1400" kern="1200" smtClean="0">
+                    <a:solidFill>
+                      <a:schemeClr val="tx1"/>
+                    </a:solidFill>
+                    <a:latin typeface="+mn-lt"/>
+                    <a:ea typeface="+mn-ea"/>
+                    <a:cs typeface="+mn-cs"/>
+                  </a:defRPr>
+                </a:lvl8pPr>
+                <a:lvl9pPr marL="2194560" indent="-182880" algn="l" rtl="0" eaLnBrk="1" latinLnBrk="0" hangingPunct="1">
+                  <a:spcBef>
+                    <a:spcPts val="300"/>
+                  </a:spcBef>
+                  <a:buClr>
+                    <a:srgbClr val="9FB8CD"/>
+                  </a:buClr>
+                  <a:buSzPct val="75000"/>
+                  <a:buFont typeface="Wingdings 3"/>
+                  <a:buChar char=""/>
+                  <a:defRPr kumimoji="0" lang="en-US" sz="1200" kern="1200" smtClean="0">
+                    <a:solidFill>
+                      <a:schemeClr val="tx1"/>
+                    </a:solidFill>
+                    <a:latin typeface="+mn-lt"/>
+                    <a:ea typeface="+mn-ea"/>
+                    <a:cs typeface="+mn-cs"/>
+                  </a:defRPr>
+                </a:lvl9pPr>
+              </a:lstStyle>
+              <a:p>
+                <a:pPr marL="0" indent="0" algn="ctr">
+                  <a:buFont typeface="Wingdings 3" pitchFamily="18" charset="2"/>
+                  <a:buNone/>
+                </a:pPr>
+                <a:r>
+                  <a:rPr lang="en-US" sz="2400" dirty="0">
+                    <a:solidFill>
+                      <a:srgbClr val="0B0E8F"/>
+                    </a:solidFill>
+                  </a:rPr>
+                  <a:t>Big-</a:t>
+                </a:r>
+                <a14:m>
+                  <m:oMath xmlns:m="http://schemas.openxmlformats.org/officeDocument/2006/math">
+                    <m:r>
+                      <m:rPr>
+                        <m:sty m:val="p"/>
+                      </m:rPr>
+                      <a:rPr lang="en-US" sz="2400" b="0" i="0" smtClean="0">
+                        <a:solidFill>
+                          <a:srgbClr val="0B0E8F"/>
+                        </a:solidFill>
+                        <a:latin typeface="Cambria Math" panose="02040503050406030204" pitchFamily="18" charset="0"/>
+                      </a:rPr>
+                      <m:t>Θ</m:t>
+                    </m:r>
+                  </m:oMath>
+                </a14:m>
+                <a:r>
+                  <a:rPr lang="en-US" sz="2400" dirty="0">
+                    <a:solidFill>
+                      <a:srgbClr val="0B0E8F"/>
+                    </a:solidFill>
+                  </a:rPr>
+                  <a:t> (asymptoticly the same)</a:t>
+                </a:r>
+              </a:p>
+              <a:p>
+                <a:pPr marL="0" indent="0">
+                  <a:buFont typeface="Wingdings 3" pitchFamily="18" charset="2"/>
+                  <a:buNone/>
+                </a:pPr>
+                <a:r>
+                  <a:rPr lang="en-US" sz="2000" dirty="0"/>
+                  <a:t>We write </a:t>
+                </a:r>
+                <a14:m>
+                  <m:oMath xmlns:m="http://schemas.openxmlformats.org/officeDocument/2006/math">
+                    <m:r>
+                      <a:rPr lang="en-US" sz="2000" i="1" smtClean="0">
+                        <a:latin typeface="Cambria Math" panose="02040503050406030204" pitchFamily="18" charset="0"/>
+                      </a:rPr>
+                      <m:t>𝑓</m:t>
+                    </m:r>
+                    <m:d>
+                      <m:dPr>
+                        <m:ctrlPr>
+                          <a:rPr lang="en-US" sz="2000" i="1" smtClean="0">
+                            <a:latin typeface="Cambria Math" panose="02040503050406030204" pitchFamily="18" charset="0"/>
+                          </a:rPr>
+                        </m:ctrlPr>
+                      </m:dPr>
+                      <m:e>
+                        <m:r>
+                          <a:rPr lang="en-US" sz="2000" i="1" smtClean="0">
+                            <a:latin typeface="Cambria Math" panose="02040503050406030204" pitchFamily="18" charset="0"/>
+                          </a:rPr>
+                          <m:t>𝑛</m:t>
+                        </m:r>
+                      </m:e>
+                    </m:d>
+                    <m:r>
+                      <a:rPr lang="en-US" sz="2000" i="1" smtClean="0">
+                        <a:latin typeface="Cambria Math" panose="02040503050406030204" pitchFamily="18" charset="0"/>
+                      </a:rPr>
+                      <m:t>=</m:t>
+                    </m:r>
+                    <m:r>
+                      <m:rPr>
+                        <m:sty m:val="p"/>
+                      </m:rPr>
+                      <a:rPr lang="en-US" sz="2000" smtClean="0">
+                        <a:latin typeface="Cambria Math" panose="02040503050406030204" pitchFamily="18" charset="0"/>
+                      </a:rPr>
+                      <m:t>Θ</m:t>
+                    </m:r>
+                    <m:d>
+                      <m:dPr>
+                        <m:ctrlPr>
+                          <a:rPr lang="en-US" sz="2000" i="1" smtClean="0">
+                            <a:latin typeface="Cambria Math" panose="02040503050406030204" pitchFamily="18" charset="0"/>
+                          </a:rPr>
+                        </m:ctrlPr>
+                      </m:dPr>
+                      <m:e>
+                        <m:r>
+                          <a:rPr lang="en-US" sz="2000" i="1" smtClean="0">
+                            <a:latin typeface="Cambria Math" panose="02040503050406030204" pitchFamily="18" charset="0"/>
+                          </a:rPr>
+                          <m:t>𝑔</m:t>
+                        </m:r>
+                        <m:d>
+                          <m:dPr>
+                            <m:ctrlPr>
+                              <a:rPr lang="en-US" sz="2000" i="1" smtClean="0">
+                                <a:latin typeface="Cambria Math" panose="02040503050406030204" pitchFamily="18" charset="0"/>
+                              </a:rPr>
+                            </m:ctrlPr>
+                          </m:dPr>
+                          <m:e>
+                            <m:r>
+                              <a:rPr lang="en-US" sz="2000" i="1" smtClean="0">
+                                <a:latin typeface="Cambria Math" panose="02040503050406030204" pitchFamily="18" charset="0"/>
+                              </a:rPr>
+                              <m:t>𝑛</m:t>
+                            </m:r>
+                          </m:e>
+                        </m:d>
+                      </m:e>
+                    </m:d>
+                    <m:r>
+                      <a:rPr lang="en-US" sz="2000" i="1" smtClean="0">
+                        <a:latin typeface="Cambria Math" panose="02040503050406030204" pitchFamily="18" charset="0"/>
+                      </a:rPr>
+                      <m:t> </m:t>
+                    </m:r>
+                  </m:oMath>
+                </a14:m>
+                <a:r>
+                  <a:rPr lang="en-US" sz="2000" dirty="0"/>
+                  <a:t>if there are </a:t>
+                </a:r>
+                <a:r>
+                  <a:rPr lang="en-US" sz="2000" dirty="0">
+                    <a:solidFill>
+                      <a:srgbClr val="700000"/>
+                    </a:solidFill>
+                  </a:rPr>
+                  <a:t>positive</a:t>
+                </a:r>
+                <a:r>
+                  <a:rPr lang="en-US" sz="2000" dirty="0"/>
+                  <a:t> constants </a:t>
+                </a:r>
+                <a14:m>
+                  <m:oMath xmlns:m="http://schemas.openxmlformats.org/officeDocument/2006/math">
+                    <m:sSub>
+                      <m:sSubPr>
+                        <m:ctrlPr>
+                          <a:rPr lang="en-US" sz="2000" i="1" smtClean="0">
+                            <a:latin typeface="Cambria Math" panose="02040503050406030204" pitchFamily="18" charset="0"/>
+                          </a:rPr>
+                        </m:ctrlPr>
+                      </m:sSubPr>
+                      <m:e>
+                        <m:r>
+                          <a:rPr lang="en-US" sz="2000" i="1" smtClean="0">
+                            <a:latin typeface="Cambria Math" panose="02040503050406030204" pitchFamily="18" charset="0"/>
+                          </a:rPr>
+                          <m:t>𝑛</m:t>
+                        </m:r>
+                      </m:e>
+                      <m:sub>
+                        <m:r>
+                          <a:rPr lang="en-US" sz="2000" i="1" smtClean="0">
+                            <a:latin typeface="Cambria Math" panose="02040503050406030204" pitchFamily="18" charset="0"/>
+                          </a:rPr>
+                          <m:t>0</m:t>
+                        </m:r>
+                      </m:sub>
+                    </m:sSub>
+                    <m:r>
+                      <a:rPr lang="en-US" sz="2000" smtClean="0">
+                        <a:latin typeface="Cambria Math" panose="02040503050406030204" pitchFamily="18" charset="0"/>
+                      </a:rPr>
+                      <m:t>,</m:t>
+                    </m:r>
+                  </m:oMath>
+                </a14:m>
+                <a:r>
+                  <a:rPr lang="en-US" sz="2000" dirty="0"/>
+                  <a:t> </a:t>
+                </a:r>
+                <a14:m>
+                  <m:oMath xmlns:m="http://schemas.openxmlformats.org/officeDocument/2006/math">
+                    <m:sSub>
+                      <m:sSubPr>
+                        <m:ctrlPr>
+                          <a:rPr lang="en-US" sz="2000" i="1" smtClean="0">
+                            <a:latin typeface="Cambria Math" panose="02040503050406030204" pitchFamily="18" charset="0"/>
+                          </a:rPr>
+                        </m:ctrlPr>
+                      </m:sSubPr>
+                      <m:e>
+                        <m:r>
+                          <a:rPr lang="en-US" sz="2000" i="1" smtClean="0">
+                            <a:latin typeface="Cambria Math" panose="02040503050406030204" pitchFamily="18" charset="0"/>
+                          </a:rPr>
+                          <m:t>𝑐</m:t>
+                        </m:r>
+                      </m:e>
+                      <m:sub>
+                        <m:r>
+                          <a:rPr lang="en-US" sz="2000" i="1" smtClean="0">
+                            <a:latin typeface="Cambria Math" panose="02040503050406030204" pitchFamily="18" charset="0"/>
+                          </a:rPr>
+                          <m:t>1</m:t>
+                        </m:r>
+                      </m:sub>
+                    </m:sSub>
+                    <m:r>
+                      <a:rPr lang="en-US" sz="2000" i="1" smtClean="0">
+                        <a:latin typeface="Cambria Math" panose="02040503050406030204" pitchFamily="18" charset="0"/>
+                      </a:rPr>
+                      <m:t>,</m:t>
+                    </m:r>
+                  </m:oMath>
+                </a14:m>
+                <a:r>
+                  <a:rPr lang="en-US" sz="2000" dirty="0"/>
+                  <a:t> and </a:t>
+                </a:r>
+                <a14:m>
+                  <m:oMath xmlns:m="http://schemas.openxmlformats.org/officeDocument/2006/math">
+                    <m:sSub>
+                      <m:sSubPr>
+                        <m:ctrlPr>
+                          <a:rPr lang="en-US" sz="2000" i="1">
+                            <a:latin typeface="Cambria Math" panose="02040503050406030204" pitchFamily="18" charset="0"/>
+                          </a:rPr>
+                        </m:ctrlPr>
+                      </m:sSubPr>
+                      <m:e>
+                        <m:r>
+                          <a:rPr lang="en-US" sz="2000" i="1">
+                            <a:latin typeface="Cambria Math" panose="02040503050406030204" pitchFamily="18" charset="0"/>
+                          </a:rPr>
+                          <m:t>𝑐</m:t>
+                        </m:r>
+                      </m:e>
+                      <m:sub>
+                        <m:r>
+                          <a:rPr lang="en-US" sz="2000" i="1" smtClean="0">
+                            <a:latin typeface="Cambria Math" panose="02040503050406030204" pitchFamily="18" charset="0"/>
+                          </a:rPr>
+                          <m:t>2</m:t>
+                        </m:r>
+                      </m:sub>
+                    </m:sSub>
+                    <m:r>
+                      <a:rPr lang="en-US" sz="2000" i="1">
+                        <a:latin typeface="Cambria Math" panose="02040503050406030204" pitchFamily="18" charset="0"/>
+                      </a:rPr>
+                      <m:t> </m:t>
+                    </m:r>
+                  </m:oMath>
+                </a14:m>
+                <a:r>
+                  <a:rPr lang="en-US" sz="2000" dirty="0"/>
+                  <a:t>such that for all </a:t>
+                </a:r>
+                <a14:m>
+                  <m:oMath xmlns:m="http://schemas.openxmlformats.org/officeDocument/2006/math">
+                    <m:r>
+                      <a:rPr lang="en-US" sz="2000" i="1" smtClean="0">
+                        <a:latin typeface="Cambria Math" panose="02040503050406030204" pitchFamily="18" charset="0"/>
+                      </a:rPr>
+                      <m:t>𝑛</m:t>
+                    </m:r>
+                    <m:r>
+                      <a:rPr lang="en-US" sz="2000" i="1" smtClean="0">
+                        <a:latin typeface="Cambria Math" panose="02040503050406030204" pitchFamily="18" charset="0"/>
+                      </a:rPr>
+                      <m:t>≥</m:t>
+                    </m:r>
+                    <m:sSub>
+                      <m:sSubPr>
+                        <m:ctrlPr>
+                          <a:rPr lang="en-US" sz="2000" i="1" smtClean="0">
+                            <a:latin typeface="Cambria Math" panose="02040503050406030204" pitchFamily="18" charset="0"/>
+                          </a:rPr>
+                        </m:ctrlPr>
+                      </m:sSubPr>
+                      <m:e>
+                        <m:r>
+                          <a:rPr lang="en-US" sz="2000" i="1" smtClean="0">
+                            <a:latin typeface="Cambria Math" panose="02040503050406030204" pitchFamily="18" charset="0"/>
+                          </a:rPr>
+                          <m:t>𝑛</m:t>
+                        </m:r>
+                      </m:e>
+                      <m:sub>
+                        <m:r>
+                          <a:rPr lang="en-US" sz="2000" i="1" smtClean="0">
+                            <a:latin typeface="Cambria Math" panose="02040503050406030204" pitchFamily="18" charset="0"/>
+                          </a:rPr>
+                          <m:t>0</m:t>
+                        </m:r>
+                      </m:sub>
+                    </m:sSub>
+                    <m:r>
+                      <a:rPr lang="en-US" sz="2000" i="1" smtClean="0">
+                        <a:latin typeface="Cambria Math" panose="02040503050406030204" pitchFamily="18" charset="0"/>
+                      </a:rPr>
+                      <m:t>: </m:t>
+                    </m:r>
+                  </m:oMath>
+                </a14:m>
+                <a:endParaRPr lang="en-US" sz="2000" dirty="0"/>
+              </a:p>
+              <a:p>
+                <a:pPr marL="0" indent="0">
+                  <a:buFont typeface="Wingdings 3" pitchFamily="18" charset="2"/>
+                  <a:buNone/>
+                </a:pPr>
+                <a14:m>
+                  <m:oMathPara xmlns:m="http://schemas.openxmlformats.org/officeDocument/2006/math">
+                    <m:oMathParaPr>
+                      <m:jc m:val="centerGroup"/>
+                    </m:oMathParaPr>
+                    <m:oMath xmlns:m="http://schemas.openxmlformats.org/officeDocument/2006/math">
+                      <m:sSub>
+                        <m:sSubPr>
+                          <m:ctrlPr>
+                            <a:rPr lang="en-US" sz="2000" i="1" smtClean="0">
+                              <a:solidFill>
+                                <a:srgbClr val="700000"/>
+                              </a:solidFill>
+                              <a:latin typeface="Cambria Math" panose="02040503050406030204" pitchFamily="18" charset="0"/>
+                            </a:rPr>
+                          </m:ctrlPr>
+                        </m:sSubPr>
+                        <m:e>
+                          <m:r>
+                            <a:rPr lang="en-US" sz="2000" i="1" smtClean="0">
+                              <a:solidFill>
+                                <a:srgbClr val="700000"/>
+                              </a:solidFill>
+                              <a:latin typeface="Cambria Math" panose="02040503050406030204" pitchFamily="18" charset="0"/>
+                            </a:rPr>
+                            <m:t>𝑐</m:t>
+                          </m:r>
+                        </m:e>
+                        <m:sub>
+                          <m:r>
+                            <a:rPr lang="en-US" sz="2000" i="1" smtClean="0">
+                              <a:solidFill>
+                                <a:srgbClr val="700000"/>
+                              </a:solidFill>
+                              <a:latin typeface="Cambria Math" panose="02040503050406030204" pitchFamily="18" charset="0"/>
+                            </a:rPr>
+                            <m:t>1</m:t>
+                          </m:r>
+                        </m:sub>
+                      </m:sSub>
+                      <m:r>
+                        <a:rPr lang="en-US" sz="2000" i="1" smtClean="0">
+                          <a:solidFill>
+                            <a:srgbClr val="700000"/>
+                          </a:solidFill>
+                          <a:latin typeface="Cambria Math" panose="02040503050406030204" pitchFamily="18" charset="0"/>
+                        </a:rPr>
+                        <m:t>⋅</m:t>
+                      </m:r>
+                      <m:r>
+                        <a:rPr lang="en-US" sz="2000" i="1" smtClean="0">
+                          <a:solidFill>
+                            <a:srgbClr val="700000"/>
+                          </a:solidFill>
+                          <a:latin typeface="Cambria Math" panose="02040503050406030204" pitchFamily="18" charset="0"/>
+                        </a:rPr>
+                        <m:t>𝑔</m:t>
+                      </m:r>
+                      <m:d>
+                        <m:dPr>
+                          <m:ctrlPr>
+                            <a:rPr lang="en-US" sz="2000" i="1" smtClean="0">
+                              <a:solidFill>
+                                <a:srgbClr val="700000"/>
+                              </a:solidFill>
+                              <a:latin typeface="Cambria Math" panose="02040503050406030204" pitchFamily="18" charset="0"/>
+                            </a:rPr>
+                          </m:ctrlPr>
+                        </m:dPr>
+                        <m:e>
+                          <m:r>
+                            <a:rPr lang="en-US" sz="2000" i="1" smtClean="0">
+                              <a:solidFill>
+                                <a:srgbClr val="700000"/>
+                              </a:solidFill>
+                              <a:latin typeface="Cambria Math" panose="02040503050406030204" pitchFamily="18" charset="0"/>
+                            </a:rPr>
+                            <m:t>𝑛</m:t>
+                          </m:r>
+                        </m:e>
+                      </m:d>
+                      <m:r>
+                        <a:rPr lang="en-US" sz="2000" i="1" smtClean="0">
+                          <a:solidFill>
+                            <a:srgbClr val="700000"/>
+                          </a:solidFill>
+                          <a:latin typeface="Cambria Math" panose="02040503050406030204" pitchFamily="18" charset="0"/>
+                        </a:rPr>
+                        <m:t>≤</m:t>
+                      </m:r>
+                      <m:r>
+                        <a:rPr lang="en-US" sz="2000" i="1" smtClean="0">
+                          <a:solidFill>
+                            <a:srgbClr val="700000"/>
+                          </a:solidFill>
+                          <a:latin typeface="Cambria Math" panose="02040503050406030204" pitchFamily="18" charset="0"/>
+                        </a:rPr>
+                        <m:t>𝑓</m:t>
+                      </m:r>
+                      <m:d>
+                        <m:dPr>
+                          <m:ctrlPr>
+                            <a:rPr lang="en-US" sz="2000" i="1" smtClean="0">
+                              <a:solidFill>
+                                <a:srgbClr val="700000"/>
+                              </a:solidFill>
+                              <a:latin typeface="Cambria Math" panose="02040503050406030204" pitchFamily="18" charset="0"/>
+                            </a:rPr>
+                          </m:ctrlPr>
+                        </m:dPr>
+                        <m:e>
+                          <m:r>
+                            <a:rPr lang="en-US" sz="2000" i="1" smtClean="0">
+                              <a:solidFill>
+                                <a:srgbClr val="700000"/>
+                              </a:solidFill>
+                              <a:latin typeface="Cambria Math" panose="02040503050406030204" pitchFamily="18" charset="0"/>
+                            </a:rPr>
+                            <m:t>h</m:t>
+                          </m:r>
+                        </m:e>
+                      </m:d>
+                      <m:r>
+                        <a:rPr lang="en-US" sz="2000" i="1" smtClean="0">
+                          <a:solidFill>
+                            <a:srgbClr val="700000"/>
+                          </a:solidFill>
+                          <a:latin typeface="Cambria Math" panose="02040503050406030204" pitchFamily="18" charset="0"/>
+                        </a:rPr>
+                        <m:t>≤</m:t>
+                      </m:r>
+                      <m:sSub>
+                        <m:sSubPr>
+                          <m:ctrlPr>
+                            <a:rPr lang="en-US" sz="2000" i="1" smtClean="0">
+                              <a:solidFill>
+                                <a:srgbClr val="700000"/>
+                              </a:solidFill>
+                              <a:latin typeface="Cambria Math" panose="02040503050406030204" pitchFamily="18" charset="0"/>
+                            </a:rPr>
+                          </m:ctrlPr>
+                        </m:sSubPr>
+                        <m:e>
+                          <m:r>
+                            <a:rPr lang="en-US" sz="2000" i="1" smtClean="0">
+                              <a:solidFill>
+                                <a:srgbClr val="700000"/>
+                              </a:solidFill>
+                              <a:latin typeface="Cambria Math" panose="02040503050406030204" pitchFamily="18" charset="0"/>
+                            </a:rPr>
+                            <m:t>𝑐</m:t>
+                          </m:r>
+                        </m:e>
+                        <m:sub>
+                          <m:r>
+                            <a:rPr lang="en-US" sz="2000" i="1" smtClean="0">
+                              <a:solidFill>
+                                <a:srgbClr val="700000"/>
+                              </a:solidFill>
+                              <a:latin typeface="Cambria Math" panose="02040503050406030204" pitchFamily="18" charset="0"/>
+                            </a:rPr>
+                            <m:t>2</m:t>
+                          </m:r>
+                        </m:sub>
+                      </m:sSub>
+                      <m:r>
+                        <a:rPr lang="en-US" sz="2000" i="1" smtClean="0">
+                          <a:solidFill>
+                            <a:srgbClr val="700000"/>
+                          </a:solidFill>
+                          <a:latin typeface="Cambria Math" panose="02040503050406030204" pitchFamily="18" charset="0"/>
+                        </a:rPr>
+                        <m:t>⋅</m:t>
+                      </m:r>
+                      <m:r>
+                        <a:rPr lang="en-US" sz="2000" i="1" smtClean="0">
+                          <a:solidFill>
+                            <a:srgbClr val="700000"/>
+                          </a:solidFill>
+                          <a:latin typeface="Cambria Math" panose="02040503050406030204" pitchFamily="18" charset="0"/>
+                        </a:rPr>
+                        <m:t>𝑔</m:t>
+                      </m:r>
+                      <m:d>
+                        <m:dPr>
+                          <m:ctrlPr>
+                            <a:rPr lang="en-US" sz="2000" i="1" smtClean="0">
+                              <a:solidFill>
+                                <a:srgbClr val="700000"/>
+                              </a:solidFill>
+                              <a:latin typeface="Cambria Math" panose="02040503050406030204" pitchFamily="18" charset="0"/>
+                            </a:rPr>
+                          </m:ctrlPr>
+                        </m:dPr>
+                        <m:e>
+                          <m:r>
+                            <a:rPr lang="en-US" sz="2000" i="1" smtClean="0">
+                              <a:solidFill>
+                                <a:srgbClr val="700000"/>
+                              </a:solidFill>
+                              <a:latin typeface="Cambria Math" panose="02040503050406030204" pitchFamily="18" charset="0"/>
+                            </a:rPr>
+                            <m:t>𝑛</m:t>
+                          </m:r>
+                        </m:e>
+                      </m:d>
+                    </m:oMath>
+                  </m:oMathPara>
+                </a14:m>
+                <a:endParaRPr lang="en-US" sz="2000" dirty="0"/>
+              </a:p>
+            </p:txBody>
+          </p:sp>
+        </mc:Choice>
+        <mc:Fallback xmlns="">
+          <p:sp>
+            <p:nvSpPr>
+              <p:cNvPr id="6" name="Content Placeholder 2">
+                <a:extLst>
+                  <a:ext uri="{FF2B5EF4-FFF2-40B4-BE49-F238E27FC236}">
+                    <a16:creationId xmlns:a16="http://schemas.microsoft.com/office/drawing/2014/main" id="{1E6B983C-871E-4083-8963-2DD681AB4D2D}"/>
+                  </a:ext>
+                </a:extLst>
+              </p:cNvPr>
+              <p:cNvSpPr txBox="1">
+                <a:spLocks noRot="1" noChangeAspect="1" noMove="1" noResize="1" noEditPoints="1" noAdjustHandles="1" noChangeArrowheads="1" noChangeShapeType="1" noTextEdit="1"/>
+              </p:cNvSpPr>
+              <p:nvPr/>
+            </p:nvSpPr>
+            <p:spPr bwMode="auto">
+              <a:xfrm>
+                <a:off x="436179" y="4753304"/>
+                <a:ext cx="6111766" cy="1547648"/>
+              </a:xfrm>
+              <a:prstGeom prst="rect">
+                <a:avLst/>
+              </a:prstGeom>
+              <a:blipFill>
+                <a:blip r:embed="rId4"/>
+                <a:stretch>
+                  <a:fillRect l="-894" t="-2317" r="-1390"/>
+                </a:stretch>
+              </a:blipFill>
+              <a:ln w="28575">
+                <a:solidFill>
+                  <a:schemeClr val="accent1">
+                    <a:shade val="50000"/>
+                  </a:schemeClr>
+                </a:solidFill>
+                <a:miter lim="800000"/>
+                <a:headEnd/>
+                <a:tailEnd/>
+              </a:ln>
+            </p:spPr>
+            <p:txBody>
+              <a:bodyPr/>
+              <a:lstStyle/>
+              <a:p>
+                <a:r>
+                  <a:rPr lang="en-US">
+                    <a:noFill/>
+                  </a:rPr>
+                  <a:t> </a:t>
+                </a:r>
+              </a:p>
+            </p:txBody>
+          </p:sp>
+        </mc:Fallback>
+      </mc:AlternateContent>
+      <p:pic>
+        <p:nvPicPr>
+          <p:cNvPr id="7" name="Picture 2">
+            <a:extLst>
+              <a:ext uri="{FF2B5EF4-FFF2-40B4-BE49-F238E27FC236}">
+                <a16:creationId xmlns:a16="http://schemas.microsoft.com/office/drawing/2014/main" id="{F9178D25-85CE-42C8-9320-5BA551844289}"/>
+              </a:ext>
+            </a:extLst>
+          </p:cNvPr>
+          <p:cNvPicPr>
+            <a:picLocks noChangeAspect="1" noChangeArrowheads="1"/>
+          </p:cNvPicPr>
+          <p:nvPr/>
+        </p:nvPicPr>
+        <p:blipFill>
+          <a:blip r:embed="rId5">
+            <a:extLst>
+              <a:ext uri="{28A0092B-C50C-407E-A947-70E740481C1C}">
+                <a14:useLocalDpi xmlns:a14="http://schemas.microsoft.com/office/drawing/2010/main" val="0"/>
+              </a:ext>
+            </a:extLst>
+          </a:blip>
+          <a:srcRect/>
+          <a:stretch>
+            <a:fillRect/>
+          </a:stretch>
+        </p:blipFill>
+        <p:spPr bwMode="auto">
+          <a:xfrm>
+            <a:off x="6885615" y="4697062"/>
+            <a:ext cx="1984870" cy="1902432"/>
+          </a:xfrm>
+          <a:prstGeom prst="rect">
+            <a:avLst/>
+          </a:prstGeom>
+          <a:noFill/>
+          <a:ln>
+            <a:noFill/>
+          </a:ln>
+          <a:extLst>
+            <a:ext uri="{909E8E84-426E-40DD-AFC4-6F175D3DCCD1}">
+              <a14:hiddenFill xmlns:a14="http://schemas.microsoft.com/office/drawing/2010/main">
+                <a:solidFill>
+                  <a:schemeClr val="accent1"/>
+                </a:solidFill>
+              </a14:hiddenFill>
+            </a:ext>
+            <a:ext uri="{91240B29-F687-4F45-9708-019B960494DF}">
+              <a14:hiddenLine xmlns:a14="http://schemas.microsoft.com/office/drawing/2010/main" w="9525">
+                <a:solidFill>
+                  <a:schemeClr val="tx1"/>
+                </a:solidFill>
+                <a:miter lim="800000"/>
+                <a:headEnd/>
+                <a:tailEnd/>
+              </a14:hiddenLine>
+            </a:ext>
+          </a:extLst>
+        </p:spPr>
+      </p:pic>
+      <p:pic>
+        <p:nvPicPr>
+          <p:cNvPr id="8" name="Picture 2">
+            <a:extLst>
+              <a:ext uri="{FF2B5EF4-FFF2-40B4-BE49-F238E27FC236}">
+                <a16:creationId xmlns:a16="http://schemas.microsoft.com/office/drawing/2014/main" id="{AA2F8D35-E3A3-401A-9A51-20DC82B25ED7}"/>
+              </a:ext>
+            </a:extLst>
+          </p:cNvPr>
+          <p:cNvPicPr>
+            <a:picLocks noChangeAspect="1" noChangeArrowheads="1"/>
+          </p:cNvPicPr>
+          <p:nvPr/>
+        </p:nvPicPr>
+        <p:blipFill>
+          <a:blip r:embed="rId6">
+            <a:extLst>
+              <a:ext uri="{28A0092B-C50C-407E-A947-70E740481C1C}">
+                <a14:useLocalDpi xmlns:a14="http://schemas.microsoft.com/office/drawing/2010/main" val="0"/>
+              </a:ext>
+            </a:extLst>
+          </a:blip>
+          <a:srcRect/>
+          <a:stretch>
+            <a:fillRect/>
+          </a:stretch>
+        </p:blipFill>
+        <p:spPr bwMode="auto">
+          <a:xfrm>
+            <a:off x="6837030" y="2902465"/>
+            <a:ext cx="2082040" cy="1895588"/>
+          </a:xfrm>
+          <a:prstGeom prst="rect">
+            <a:avLst/>
+          </a:prstGeom>
+          <a:noFill/>
+          <a:ln>
+            <a:noFill/>
+          </a:ln>
+          <a:extLst>
+            <a:ext uri="{909E8E84-426E-40DD-AFC4-6F175D3DCCD1}">
+              <a14:hiddenFill xmlns:a14="http://schemas.microsoft.com/office/drawing/2010/main">
+                <a:solidFill>
+                  <a:schemeClr val="accent1"/>
+                </a:solidFill>
+              </a14:hiddenFill>
+            </a:ext>
+            <a:ext uri="{91240B29-F687-4F45-9708-019B960494DF}">
+              <a14:hiddenLine xmlns:a14="http://schemas.microsoft.com/office/drawing/2010/main" w="9525">
+                <a:solidFill>
+                  <a:schemeClr val="tx1"/>
+                </a:solidFill>
+                <a:miter lim="800000"/>
+                <a:headEnd/>
+                <a:tailEnd/>
+              </a14:hiddenLine>
+            </a:ext>
+          </a:extLst>
+        </p:spPr>
+      </p:pic>
+      <p:pic>
+        <p:nvPicPr>
+          <p:cNvPr id="9" name="Picture 2">
+            <a:extLst>
+              <a:ext uri="{FF2B5EF4-FFF2-40B4-BE49-F238E27FC236}">
+                <a16:creationId xmlns:a16="http://schemas.microsoft.com/office/drawing/2014/main" id="{B279F9A5-E01E-461A-A9EE-F059A439005E}"/>
+              </a:ext>
+            </a:extLst>
+          </p:cNvPr>
+          <p:cNvPicPr>
+            <a:picLocks noChangeAspect="1" noChangeArrowheads="1"/>
+          </p:cNvPicPr>
+          <p:nvPr/>
+        </p:nvPicPr>
+        <p:blipFill>
+          <a:blip r:embed="rId7">
+            <a:extLst>
+              <a:ext uri="{28A0092B-C50C-407E-A947-70E740481C1C}">
+                <a14:useLocalDpi xmlns:a14="http://schemas.microsoft.com/office/drawing/2010/main" val="0"/>
+              </a:ext>
+            </a:extLst>
+          </a:blip>
+          <a:srcRect/>
+          <a:stretch>
+            <a:fillRect/>
+          </a:stretch>
+        </p:blipFill>
+        <p:spPr bwMode="auto">
+          <a:xfrm>
+            <a:off x="6842285" y="1101024"/>
+            <a:ext cx="2082041" cy="1903325"/>
+          </a:xfrm>
+          <a:prstGeom prst="rect">
+            <a:avLst/>
+          </a:prstGeom>
+          <a:noFill/>
+          <a:ln>
+            <a:noFill/>
+          </a:ln>
+          <a:extLst>
+            <a:ext uri="{909E8E84-426E-40DD-AFC4-6F175D3DCCD1}">
+              <a14:hiddenFill xmlns:a14="http://schemas.microsoft.com/office/drawing/2010/main">
+                <a:solidFill>
+                  <a:schemeClr val="accent1"/>
+                </a:solidFill>
+              </a14:hiddenFill>
+            </a:ext>
+            <a:ext uri="{91240B29-F687-4F45-9708-019B960494DF}">
+              <a14:hiddenLine xmlns:a14="http://schemas.microsoft.com/office/drawing/2010/main" w="9525">
+                <a:solidFill>
+                  <a:schemeClr val="tx1"/>
+                </a:solidFill>
+                <a:miter lim="800000"/>
+                <a:headEnd/>
+                <a:tailEnd/>
+              </a14:hiddenLine>
+            </a:ext>
+          </a:extLst>
+        </p:spPr>
+      </p:pic>
+    </p:spTree>
+    <p:extLst>
+      <p:ext uri="{BB962C8B-B14F-4D97-AF65-F5344CB8AC3E}">
+        <p14:creationId xmlns:p14="http://schemas.microsoft.com/office/powerpoint/2010/main" val="2750505869"/>
+      </p:ext>
+    </p:extLst>
+  </p:cSld>
+  <p:clrMapOvr>
+    <a:masterClrMapping/>
+  </p:clrMapOvr>
+</p:sld>
+</file>
+
+<file path=ppt/slides/slide36.xml><?xml version="1.0" encoding="utf-8"?>
+<p:sld xmlns:a="http://schemas.openxmlformats.org/drawingml/2006/main" xmlns:r="http://schemas.openxmlformats.org/officeDocument/2006/relationships" xmlns:p="http://schemas.openxmlformats.org/presentationml/2006/main">
+  <p:cSld>
+    <p:spTree>
+      <p:nvGrpSpPr>
+        <p:cNvPr id="1" name=""/>
+        <p:cNvGrpSpPr/>
+        <p:nvPr/>
+      </p:nvGrpSpPr>
+      <p:grpSpPr>
+        <a:xfrm>
+          <a:off x="0" y="0"/>
+          <a:ext cx="0" cy="0"/>
+          <a:chOff x="0" y="0"/>
+          <a:chExt cx="0" cy="0"/>
+        </a:xfrm>
+      </p:grpSpPr>
+      <p:sp>
+        <p:nvSpPr>
+          <p:cNvPr id="2" name="Title 1">
+            <a:extLst>
+              <a:ext uri="{FF2B5EF4-FFF2-40B4-BE49-F238E27FC236}">
                 <a16:creationId xmlns:a16="http://schemas.microsoft.com/office/drawing/2014/main" id="{764AD14C-6D94-4048-8030-AF3B00C6ADBA}"/>
               </a:ext>
             </a:extLst>
@@ -26285,7 +28683,7 @@
 </p:sld>
 </file>
 
-<file path=ppt/slides/slide36.xml><?xml version="1.0" encoding="utf-8"?>
+<file path=ppt/slides/slide37.xml><?xml version="1.0" encoding="utf-8"?>
 <p:sld xmlns:a="http://schemas.openxmlformats.org/drawingml/2006/main" xmlns:r="http://schemas.openxmlformats.org/officeDocument/2006/relationships" xmlns:p="http://schemas.openxmlformats.org/presentationml/2006/main">
   <p:cSld>
     <p:spTree>
@@ -26623,7 +29021,7 @@
 </p:sld>
 </file>
 
-<file path=ppt/slides/slide37.xml><?xml version="1.0" encoding="utf-8"?>
+<file path=ppt/slides/slide38.xml><?xml version="1.0" encoding="utf-8"?>
 <p:sld xmlns:a="http://schemas.openxmlformats.org/drawingml/2006/main" xmlns:r="http://schemas.openxmlformats.org/officeDocument/2006/relationships" xmlns:p="http://schemas.openxmlformats.org/presentationml/2006/main">
   <p:cSld>
     <p:spTree>
@@ -26948,65 +29346,131 @@
           </a:p>
         </p:txBody>
       </p:sp>
-      <p:sp>
-        <p:nvSpPr>
-          <p:cNvPr id="3" name="Rectangle 2">
-            <a:extLst>
-              <a:ext uri="{FF2B5EF4-FFF2-40B4-BE49-F238E27FC236}">
-                <a16:creationId xmlns:a16="http://schemas.microsoft.com/office/drawing/2014/main" id="{E9E7B8BB-B0CC-4179-88DC-086F5C18E5CD}"/>
-              </a:ext>
-            </a:extLst>
-          </p:cNvPr>
-          <p:cNvSpPr/>
-          <p:nvPr/>
-        </p:nvSpPr>
-        <p:spPr>
-          <a:xfrm>
-            <a:off x="1981200" y="4206240"/>
-            <a:ext cx="228591" cy="289560"/>
-          </a:xfrm>
-          <a:prstGeom prst="rect">
-            <a:avLst/>
-          </a:prstGeom>
-          <a:solidFill>
-            <a:schemeClr val="bg1"/>
-          </a:solidFill>
-          <a:ln>
-            <a:noFill/>
-          </a:ln>
-        </p:spPr>
-        <p:style>
-          <a:lnRef idx="2">
-            <a:schemeClr val="accent1">
-              <a:shade val="50000"/>
-            </a:schemeClr>
-          </a:lnRef>
-          <a:fillRef idx="1">
-            <a:schemeClr val="accent1"/>
-          </a:fillRef>
-          <a:effectRef idx="0">
-            <a:schemeClr val="accent1"/>
-          </a:effectRef>
-          <a:fontRef idx="minor">
-            <a:schemeClr val="lt1"/>
-          </a:fontRef>
-        </p:style>
-        <p:txBody>
-          <a:bodyPr rtlCol="0" anchor="ctr"/>
-          <a:lstStyle/>
-          <a:p>
-            <a:pPr algn="ctr"/>
-            <a:r>
-              <a:rPr lang="en-US" dirty="0">
-                <a:solidFill>
-                  <a:schemeClr val="tx1"/>
-                </a:solidFill>
-              </a:rPr>
-              <a:t>X</a:t>
-            </a:r>
-          </a:p>
-        </p:txBody>
-      </p:sp>
+      <mc:AlternateContent xmlns:mc="http://schemas.openxmlformats.org/markup-compatibility/2006">
+        <mc:Choice xmlns:a14="http://schemas.microsoft.com/office/drawing/2010/main" Requires="a14">
+          <p:sp>
+            <p:nvSpPr>
+              <p:cNvPr id="3" name="Rectangle 2">
+                <a:extLst>
+                  <a:ext uri="{FF2B5EF4-FFF2-40B4-BE49-F238E27FC236}">
+                    <a16:creationId xmlns:a16="http://schemas.microsoft.com/office/drawing/2014/main" id="{E9E7B8BB-B0CC-4179-88DC-086F5C18E5CD}"/>
+                  </a:ext>
+                </a:extLst>
+              </p:cNvPr>
+              <p:cNvSpPr/>
+              <p:nvPr/>
+            </p:nvSpPr>
+            <p:spPr>
+              <a:xfrm>
+                <a:off x="1981200" y="4191000"/>
+                <a:ext cx="283464" cy="304800"/>
+              </a:xfrm>
+              <a:prstGeom prst="rect">
+                <a:avLst/>
+              </a:prstGeom>
+              <a:solidFill>
+                <a:schemeClr val="bg1"/>
+              </a:solidFill>
+              <a:ln>
+                <a:noFill/>
+              </a:ln>
+            </p:spPr>
+            <p:style>
+              <a:lnRef idx="2">
+                <a:schemeClr val="accent1">
+                  <a:shade val="50000"/>
+                </a:schemeClr>
+              </a:lnRef>
+              <a:fillRef idx="1">
+                <a:schemeClr val="accent1"/>
+              </a:fillRef>
+              <a:effectRef idx="0">
+                <a:schemeClr val="accent1"/>
+              </a:effectRef>
+              <a:fontRef idx="minor">
+                <a:schemeClr val="lt1"/>
+              </a:fontRef>
+            </p:style>
+            <p:txBody>
+              <a:bodyPr rtlCol="0" anchor="ctr"/>
+              <a:lstStyle/>
+              <a:p>
+                <a:pPr algn="ctr"/>
+                <a14:m>
+                  <m:oMathPara xmlns:m="http://schemas.openxmlformats.org/officeDocument/2006/math">
+                    <m:oMathParaPr>
+                      <m:jc m:val="centerGroup"/>
+                    </m:oMathParaPr>
+                    <m:oMath xmlns:m="http://schemas.openxmlformats.org/officeDocument/2006/math">
+                      <m:r>
+                        <a:rPr lang="en-US" sz="2400" b="0" i="1" smtClean="0">
+                          <a:solidFill>
+                            <a:srgbClr val="C00000"/>
+                          </a:solidFill>
+                          <a:latin typeface="Cambria Math" panose="02040503050406030204" pitchFamily="18" charset="0"/>
+                        </a:rPr>
+                        <m:t>∗</m:t>
+                      </m:r>
+                    </m:oMath>
+                  </m:oMathPara>
+                </a14:m>
+                <a:endParaRPr lang="en-US" dirty="0">
+                  <a:solidFill>
+                    <a:srgbClr val="C00000"/>
+                  </a:solidFill>
+                </a:endParaRPr>
+              </a:p>
+            </p:txBody>
+          </p:sp>
+        </mc:Choice>
+        <mc:Fallback>
+          <p:sp>
+            <p:nvSpPr>
+              <p:cNvPr id="3" name="Rectangle 2">
+                <a:extLst>
+                  <a:ext uri="{FF2B5EF4-FFF2-40B4-BE49-F238E27FC236}">
+                    <a16:creationId xmlns:a16="http://schemas.microsoft.com/office/drawing/2014/main" id="{E9E7B8BB-B0CC-4179-88DC-086F5C18E5CD}"/>
+                  </a:ext>
+                </a:extLst>
+              </p:cNvPr>
+              <p:cNvSpPr>
+                <a:spLocks noRot="1" noChangeAspect="1" noMove="1" noResize="1" noEditPoints="1" noAdjustHandles="1" noChangeArrowheads="1" noChangeShapeType="1" noTextEdit="1"/>
+              </p:cNvSpPr>
+              <p:nvPr/>
+            </p:nvSpPr>
+            <p:spPr>
+              <a:xfrm>
+                <a:off x="1981200" y="4191000"/>
+                <a:ext cx="283464" cy="304800"/>
+              </a:xfrm>
+              <a:prstGeom prst="rect">
+                <a:avLst/>
+              </a:prstGeom>
+              <a:blipFill>
+                <a:blip r:embed="rId3"/>
+                <a:stretch>
+                  <a:fillRect l="-17021" b="-8000"/>
+                </a:stretch>
+              </a:blipFill>
+              <a:ln>
+                <a:noFill/>
+              </a:ln>
+            </p:spPr>
+            <p:txBody>
+              <a:bodyPr/>
+              <a:lstStyle/>
+              <a:p>
+                <a:r>
+                  <a:rPr lang="en-US">
+                    <a:noFill/>
+                  </a:rPr>
+                  <a:t> </a:t>
+                </a:r>
+              </a:p>
+            </p:txBody>
+          </p:sp>
+        </mc:Fallback>
+      </mc:AlternateContent>
     </p:spTree>
     <p:extLst>
       <p:ext uri="{BB962C8B-B14F-4D97-AF65-F5344CB8AC3E}">
@@ -27020,7 +29484,7 @@
 </p:sld>
 </file>
 
-<file path=ppt/slides/slide38.xml><?xml version="1.0" encoding="utf-8"?>
+<file path=ppt/slides/slide39.xml><?xml version="1.0" encoding="utf-8"?>
 <p:sld xmlns:a="http://schemas.openxmlformats.org/drawingml/2006/main" xmlns:r="http://schemas.openxmlformats.org/officeDocument/2006/relationships" xmlns:p="http://schemas.openxmlformats.org/presentationml/2006/main">
   <p:cSld>
     <p:spTree>
@@ -27140,70 +29604,6 @@
 </p:sld>
 </file>
 
-<file path=ppt/slides/slide39.xml><?xml version="1.0" encoding="utf-8"?>
-<p:sld xmlns:a="http://schemas.openxmlformats.org/drawingml/2006/main" xmlns:r="http://schemas.openxmlformats.org/officeDocument/2006/relationships" xmlns:p="http://schemas.openxmlformats.org/presentationml/2006/main">
-  <p:cSld>
-    <p:spTree>
-      <p:nvGrpSpPr>
-        <p:cNvPr id="1" name=""/>
-        <p:cNvGrpSpPr/>
-        <p:nvPr/>
-      </p:nvGrpSpPr>
-      <p:grpSpPr>
-        <a:xfrm>
-          <a:off x="0" y="0"/>
-          <a:ext cx="0" cy="0"/>
-          <a:chOff x="0" y="0"/>
-          <a:chExt cx="0" cy="0"/>
-        </a:xfrm>
-      </p:grpSpPr>
-      <p:sp>
-        <p:nvSpPr>
-          <p:cNvPr id="2" name="Title 1">
-            <a:extLst>
-              <a:ext uri="{FF2B5EF4-FFF2-40B4-BE49-F238E27FC236}">
-                <a16:creationId xmlns:a16="http://schemas.microsoft.com/office/drawing/2014/main" id="{764AD14C-6D94-4048-8030-AF3B00C6ADBA}"/>
-              </a:ext>
-            </a:extLst>
-          </p:cNvPr>
-          <p:cNvSpPr>
-            <a:spLocks noGrp="1"/>
-          </p:cNvSpPr>
-          <p:nvPr>
-            <p:ph type="title"/>
-          </p:nvPr>
-        </p:nvSpPr>
-        <p:spPr>
-          <a:xfrm>
-            <a:off x="457200" y="1676400"/>
-            <a:ext cx="8229600" cy="990600"/>
-          </a:xfrm>
-        </p:spPr>
-        <p:txBody>
-          <a:bodyPr/>
-          <a:lstStyle/>
-          <a:p>
-            <a:pPr algn="ctr"/>
-            <a:r>
-              <a:rPr lang="en-US" sz="3600" dirty="0"/>
-              <a:t>FIN</a:t>
-            </a:r>
-          </a:p>
-        </p:txBody>
-      </p:sp>
-    </p:spTree>
-    <p:extLst>
-      <p:ext uri="{BB962C8B-B14F-4D97-AF65-F5344CB8AC3E}">
-        <p14:creationId xmlns:p14="http://schemas.microsoft.com/office/powerpoint/2010/main" val="841819663"/>
-      </p:ext>
-    </p:extLst>
-  </p:cSld>
-  <p:clrMapOvr>
-    <a:masterClrMapping/>
-  </p:clrMapOvr>
-</p:sld>
-</file>
-
 <file path=ppt/slides/slide4.xml><?xml version="1.0" encoding="utf-8"?>
 <p:sld xmlns:a="http://schemas.openxmlformats.org/drawingml/2006/main" xmlns:r="http://schemas.openxmlformats.org/officeDocument/2006/relationships" xmlns:p="http://schemas.openxmlformats.org/presentationml/2006/main">
   <p:cSld>
@@ -27616,6 +30016,315 @@
     <p:extLst>
       <p:ext uri="{BB962C8B-B14F-4D97-AF65-F5344CB8AC3E}">
         <p14:creationId xmlns:p14="http://schemas.microsoft.com/office/powerpoint/2010/main" val="3324482407"/>
+      </p:ext>
+    </p:extLst>
+  </p:cSld>
+  <p:clrMapOvr>
+    <a:masterClrMapping/>
+  </p:clrMapOvr>
+</p:sld>
+</file>
+
+<file path=ppt/slides/slide40.xml><?xml version="1.0" encoding="utf-8"?>
+<p:sld xmlns:a="http://schemas.openxmlformats.org/drawingml/2006/main" xmlns:r="http://schemas.openxmlformats.org/officeDocument/2006/relationships" xmlns:p="http://schemas.openxmlformats.org/presentationml/2006/main">
+  <p:cSld>
+    <p:spTree>
+      <p:nvGrpSpPr>
+        <p:cNvPr id="1" name=""/>
+        <p:cNvGrpSpPr/>
+        <p:nvPr/>
+      </p:nvGrpSpPr>
+      <p:grpSpPr>
+        <a:xfrm>
+          <a:off x="0" y="0"/>
+          <a:ext cx="0" cy="0"/>
+          <a:chOff x="0" y="0"/>
+          <a:chExt cx="0" cy="0"/>
+        </a:xfrm>
+      </p:grpSpPr>
+      <p:sp>
+        <p:nvSpPr>
+          <p:cNvPr id="2" name="Title 1">
+            <a:extLst>
+              <a:ext uri="{FF2B5EF4-FFF2-40B4-BE49-F238E27FC236}">
+                <a16:creationId xmlns:a16="http://schemas.microsoft.com/office/drawing/2014/main" id="{69D6A138-29B3-438E-A762-83F482F4B6D9}"/>
+              </a:ext>
+            </a:extLst>
+          </p:cNvPr>
+          <p:cNvSpPr>
+            <a:spLocks noGrp="1"/>
+          </p:cNvSpPr>
+          <p:nvPr>
+            <p:ph type="title"/>
+          </p:nvPr>
+        </p:nvSpPr>
+        <p:spPr/>
+        <p:txBody>
+          <a:bodyPr/>
+          <a:lstStyle/>
+          <a:p>
+            <a:r>
+              <a:rPr lang="en-US" dirty="0"/>
+              <a:t>A third example</a:t>
+            </a:r>
+          </a:p>
+        </p:txBody>
+      </p:sp>
+      <p:pic>
+        <p:nvPicPr>
+          <p:cNvPr id="14" name="Picture 2">
+            <a:extLst>
+              <a:ext uri="{FF2B5EF4-FFF2-40B4-BE49-F238E27FC236}">
+                <a16:creationId xmlns:a16="http://schemas.microsoft.com/office/drawing/2014/main" id="{41B97E90-0034-41D8-BE95-B2B5AF2224B8}"/>
+              </a:ext>
+            </a:extLst>
+          </p:cNvPr>
+          <p:cNvPicPr>
+            <a:picLocks noGrp="1" noChangeAspect="1" noChangeArrowheads="1"/>
+          </p:cNvPicPr>
+          <p:nvPr>
+            <p:ph sz="quarter" idx="1"/>
+          </p:nvPr>
+        </p:nvPicPr>
+        <p:blipFill>
+          <a:blip r:embed="rId2">
+            <a:extLst>
+              <a:ext uri="{28A0092B-C50C-407E-A947-70E740481C1C}">
+                <a14:useLocalDpi xmlns:a14="http://schemas.microsoft.com/office/drawing/2010/main" val="0"/>
+              </a:ext>
+            </a:extLst>
+          </a:blip>
+          <a:srcRect/>
+          <a:stretch>
+            <a:fillRect/>
+          </a:stretch>
+        </p:blipFill>
+        <p:spPr bwMode="auto">
+          <a:xfrm>
+            <a:off x="244860" y="1447800"/>
+            <a:ext cx="4067175" cy="4533900"/>
+          </a:xfrm>
+          <a:prstGeom prst="rect">
+            <a:avLst/>
+          </a:prstGeom>
+          <a:ln w="38100" cap="sq">
+            <a:solidFill>
+              <a:srgbClr val="000000"/>
+            </a:solidFill>
+            <a:prstDash val="solid"/>
+            <a:miter lim="800000"/>
+          </a:ln>
+          <a:effectLst>
+            <a:outerShdw blurRad="50800" dist="38100" dir="2700000" algn="tl" rotWithShape="0">
+              <a:srgbClr val="000000">
+                <a:alpha val="43000"/>
+              </a:srgbClr>
+            </a:outerShdw>
+          </a:effectLst>
+          <a:extLst>
+            <a:ext uri="{909E8E84-426E-40DD-AFC4-6F175D3DCCD1}">
+              <a14:hiddenFill xmlns:a14="http://schemas.microsoft.com/office/drawing/2010/main">
+                <a:solidFill>
+                  <a:schemeClr val="accent1"/>
+                </a:solidFill>
+              </a14:hiddenFill>
+            </a:ext>
+          </a:extLst>
+        </p:spPr>
+      </p:pic>
+      <mc:AlternateContent xmlns:mc="http://schemas.openxmlformats.org/markup-compatibility/2006">
+        <mc:Choice xmlns:a14="http://schemas.microsoft.com/office/drawing/2010/main" Requires="a14">
+          <p:sp>
+            <p:nvSpPr>
+              <p:cNvPr id="3" name="Rectangle 2">
+                <a:extLst>
+                  <a:ext uri="{FF2B5EF4-FFF2-40B4-BE49-F238E27FC236}">
+                    <a16:creationId xmlns:a16="http://schemas.microsoft.com/office/drawing/2014/main" id="{A73C60A3-0556-4B2B-ACD9-964C9C1646C8}"/>
+                  </a:ext>
+                </a:extLst>
+              </p:cNvPr>
+              <p:cNvSpPr/>
+              <p:nvPr/>
+            </p:nvSpPr>
+            <p:spPr>
+              <a:xfrm>
+                <a:off x="2524991" y="3276600"/>
+                <a:ext cx="207818" cy="304800"/>
+              </a:xfrm>
+              <a:prstGeom prst="rect">
+                <a:avLst/>
+              </a:prstGeom>
+              <a:solidFill>
+                <a:schemeClr val="bg1"/>
+              </a:solidFill>
+              <a:ln>
+                <a:noFill/>
+              </a:ln>
+            </p:spPr>
+            <p:style>
+              <a:lnRef idx="2">
+                <a:schemeClr val="accent1">
+                  <a:shade val="50000"/>
+                </a:schemeClr>
+              </a:lnRef>
+              <a:fillRef idx="1">
+                <a:schemeClr val="accent1"/>
+              </a:fillRef>
+              <a:effectRef idx="0">
+                <a:schemeClr val="accent1"/>
+              </a:effectRef>
+              <a:fontRef idx="minor">
+                <a:schemeClr val="lt1"/>
+              </a:fontRef>
+            </p:style>
+            <p:txBody>
+              <a:bodyPr rtlCol="0" anchor="ctr"/>
+              <a:lstStyle/>
+              <a:p>
+                <a:pPr algn="ctr"/>
+                <a14:m>
+                  <m:oMathPara xmlns:m="http://schemas.openxmlformats.org/officeDocument/2006/math">
+                    <m:oMathParaPr>
+                      <m:jc m:val="centerGroup"/>
+                    </m:oMathParaPr>
+                    <m:oMath xmlns:m="http://schemas.openxmlformats.org/officeDocument/2006/math">
+                      <m:r>
+                        <a:rPr lang="en-US" sz="2200" i="1" dirty="0" smtClean="0">
+                          <a:solidFill>
+                            <a:srgbClr val="C00000"/>
+                          </a:solidFill>
+                          <a:latin typeface="Cambria Math" panose="02040503050406030204" pitchFamily="18" charset="0"/>
+                        </a:rPr>
+                        <m:t>𝑖</m:t>
+                      </m:r>
+                    </m:oMath>
+                  </m:oMathPara>
+                </a14:m>
+                <a:endParaRPr lang="en-US" sz="2200" dirty="0">
+                  <a:solidFill>
+                    <a:schemeClr val="tx1"/>
+                  </a:solidFill>
+                </a:endParaRPr>
+              </a:p>
+            </p:txBody>
+          </p:sp>
+        </mc:Choice>
+        <mc:Fallback>
+          <p:sp>
+            <p:nvSpPr>
+              <p:cNvPr id="3" name="Rectangle 2">
+                <a:extLst>
+                  <a:ext uri="{FF2B5EF4-FFF2-40B4-BE49-F238E27FC236}">
+                    <a16:creationId xmlns:a16="http://schemas.microsoft.com/office/drawing/2014/main" id="{A73C60A3-0556-4B2B-ACD9-964C9C1646C8}"/>
+                  </a:ext>
+                </a:extLst>
+              </p:cNvPr>
+              <p:cNvSpPr>
+                <a:spLocks noRot="1" noChangeAspect="1" noMove="1" noResize="1" noEditPoints="1" noAdjustHandles="1" noChangeArrowheads="1" noChangeShapeType="1" noTextEdit="1"/>
+              </p:cNvSpPr>
+              <p:nvPr/>
+            </p:nvSpPr>
+            <p:spPr>
+              <a:xfrm>
+                <a:off x="2524991" y="3276600"/>
+                <a:ext cx="207818" cy="304800"/>
+              </a:xfrm>
+              <a:prstGeom prst="rect">
+                <a:avLst/>
+              </a:prstGeom>
+              <a:blipFill>
+                <a:blip r:embed="rId3"/>
+                <a:stretch>
+                  <a:fillRect l="-38235" b="-12000"/>
+                </a:stretch>
+              </a:blipFill>
+              <a:ln>
+                <a:noFill/>
+              </a:ln>
+            </p:spPr>
+            <p:txBody>
+              <a:bodyPr/>
+              <a:lstStyle/>
+              <a:p>
+                <a:r>
+                  <a:rPr lang="en-US">
+                    <a:noFill/>
+                  </a:rPr>
+                  <a:t> </a:t>
+                </a:r>
+              </a:p>
+            </p:txBody>
+          </p:sp>
+        </mc:Fallback>
+      </mc:AlternateContent>
+    </p:spTree>
+    <p:extLst>
+      <p:ext uri="{BB962C8B-B14F-4D97-AF65-F5344CB8AC3E}">
+        <p14:creationId xmlns:p14="http://schemas.microsoft.com/office/powerpoint/2010/main" val="824240558"/>
+      </p:ext>
+    </p:extLst>
+  </p:cSld>
+  <p:clrMapOvr>
+    <a:masterClrMapping/>
+  </p:clrMapOvr>
+</p:sld>
+</file>
+
+<file path=ppt/slides/slide41.xml><?xml version="1.0" encoding="utf-8"?>
+<p:sld xmlns:a="http://schemas.openxmlformats.org/drawingml/2006/main" xmlns:r="http://schemas.openxmlformats.org/officeDocument/2006/relationships" xmlns:p="http://schemas.openxmlformats.org/presentationml/2006/main">
+  <p:cSld>
+    <p:spTree>
+      <p:nvGrpSpPr>
+        <p:cNvPr id="1" name=""/>
+        <p:cNvGrpSpPr/>
+        <p:nvPr/>
+      </p:nvGrpSpPr>
+      <p:grpSpPr>
+        <a:xfrm>
+          <a:off x="0" y="0"/>
+          <a:ext cx="0" cy="0"/>
+          <a:chOff x="0" y="0"/>
+          <a:chExt cx="0" cy="0"/>
+        </a:xfrm>
+      </p:grpSpPr>
+      <p:sp>
+        <p:nvSpPr>
+          <p:cNvPr id="2" name="Title 1">
+            <a:extLst>
+              <a:ext uri="{FF2B5EF4-FFF2-40B4-BE49-F238E27FC236}">
+                <a16:creationId xmlns:a16="http://schemas.microsoft.com/office/drawing/2014/main" id="{764AD14C-6D94-4048-8030-AF3B00C6ADBA}"/>
+              </a:ext>
+            </a:extLst>
+          </p:cNvPr>
+          <p:cNvSpPr>
+            <a:spLocks noGrp="1"/>
+          </p:cNvSpPr>
+          <p:nvPr>
+            <p:ph type="title"/>
+          </p:nvPr>
+        </p:nvSpPr>
+        <p:spPr>
+          <a:xfrm>
+            <a:off x="457200" y="1676400"/>
+            <a:ext cx="8229600" cy="990600"/>
+          </a:xfrm>
+        </p:spPr>
+        <p:txBody>
+          <a:bodyPr/>
+          <a:lstStyle/>
+          <a:p>
+            <a:pPr algn="ctr"/>
+            <a:r>
+              <a:rPr lang="en-US" sz="3600" dirty="0"/>
+              <a:t>FIN</a:t>
+            </a:r>
+          </a:p>
+        </p:txBody>
+      </p:sp>
+    </p:spTree>
+    <p:extLst>
+      <p:ext uri="{BB962C8B-B14F-4D97-AF65-F5344CB8AC3E}">
+        <p14:creationId xmlns:p14="http://schemas.microsoft.com/office/powerpoint/2010/main" val="841819663"/>
       </p:ext>
     </p:extLst>
   </p:cSld>
@@ -28122,10 +30831,10 @@
       </mc:AlternateContent>
       <p:sp>
         <p:nvSpPr>
-          <p:cNvPr id="4" name="Rectangle 3">
+          <p:cNvPr id="5" name="Rectangle 4">
             <a:extLst>
               <a:ext uri="{FF2B5EF4-FFF2-40B4-BE49-F238E27FC236}">
-                <a16:creationId xmlns:a16="http://schemas.microsoft.com/office/drawing/2014/main" id="{78A4A5B9-B4F0-4D07-A680-0DB5F813E0BB}"/>
+                <a16:creationId xmlns:a16="http://schemas.microsoft.com/office/drawing/2014/main" id="{AB4AF2A3-E28B-42AD-8398-F643B577D03E}"/>
               </a:ext>
             </a:extLst>
           </p:cNvPr>
@@ -28134,8 +30843,8 @@
         </p:nvSpPr>
         <p:spPr>
           <a:xfrm>
-            <a:off x="6019800" y="952500"/>
-            <a:ext cx="1295400" cy="381000"/>
+            <a:off x="6019800" y="1371600"/>
+            <a:ext cx="1600200" cy="457200"/>
           </a:xfrm>
           <a:prstGeom prst="rect">
             <a:avLst/>
@@ -28164,17 +30873,17 @@
             <a:pPr algn="ctr"/>
             <a:r>
               <a:rPr lang="en-US" dirty="0"/>
-              <a:t>Time/exec</a:t>
+              <a:t>Inner-for loop:</a:t>
             </a:r>
           </a:p>
         </p:txBody>
       </p:sp>
       <p:sp>
         <p:nvSpPr>
-          <p:cNvPr id="7" name="Rectangle 6">
+          <p:cNvPr id="8" name="Rectangle 7">
             <a:extLst>
               <a:ext uri="{FF2B5EF4-FFF2-40B4-BE49-F238E27FC236}">
-                <a16:creationId xmlns:a16="http://schemas.microsoft.com/office/drawing/2014/main" id="{55E91857-A806-4D58-9ABA-7366DB583B0B}"/>
+                <a16:creationId xmlns:a16="http://schemas.microsoft.com/office/drawing/2014/main" id="{C57F1F7C-2B3D-43FD-9090-495FFC9309AA}"/>
               </a:ext>
             </a:extLst>
           </p:cNvPr>
@@ -28183,8 +30892,8 @@
         </p:nvSpPr>
         <p:spPr>
           <a:xfrm>
-            <a:off x="7543800" y="952500"/>
-            <a:ext cx="1295400" cy="381000"/>
+            <a:off x="6019800" y="3429000"/>
+            <a:ext cx="1600200" cy="457200"/>
           </a:xfrm>
           <a:prstGeom prst="rect">
             <a:avLst/>
@@ -28213,8 +30922,58 @@
             <a:pPr algn="ctr"/>
             <a:r>
               <a:rPr lang="en-US" dirty="0"/>
-              <a:t>#exec</a:t>
+              <a:t>Outer-for loop:</a:t>
             </a:r>
+          </a:p>
+        </p:txBody>
+      </p:sp>
+      <p:sp>
+        <p:nvSpPr>
+          <p:cNvPr id="9" name="Rectangle 8">
+            <a:extLst>
+              <a:ext uri="{FF2B5EF4-FFF2-40B4-BE49-F238E27FC236}">
+                <a16:creationId xmlns:a16="http://schemas.microsoft.com/office/drawing/2014/main" id="{C89EE2C2-986F-49D3-8C14-90A000B6D0F8}"/>
+              </a:ext>
+            </a:extLst>
+          </p:cNvPr>
+          <p:cNvSpPr/>
+          <p:nvPr/>
+        </p:nvSpPr>
+        <p:spPr>
+          <a:xfrm>
+            <a:off x="6017172" y="5257800"/>
+            <a:ext cx="1600200" cy="457200"/>
+          </a:xfrm>
+          <a:prstGeom prst="rect">
+            <a:avLst/>
+          </a:prstGeom>
+        </p:spPr>
+        <p:style>
+          <a:lnRef idx="2">
+            <a:schemeClr val="accent1">
+              <a:shade val="50000"/>
+            </a:schemeClr>
+          </a:lnRef>
+          <a:fillRef idx="1">
+            <a:schemeClr val="accent1"/>
+          </a:fillRef>
+          <a:effectRef idx="0">
+            <a:schemeClr val="accent1"/>
+          </a:effectRef>
+          <a:fontRef idx="minor">
+            <a:schemeClr val="lt1"/>
+          </a:fontRef>
+        </p:style>
+        <p:txBody>
+          <a:bodyPr rtlCol="0" anchor="ctr"/>
+          <a:lstStyle/>
+          <a:p>
+            <a:pPr algn="ctr"/>
+            <a:r>
+              <a:rPr lang="en-US"/>
+              <a:t>Total: </a:t>
+            </a:r>
+            <a:endParaRPr lang="en-US" dirty="0"/>
           </a:p>
         </p:txBody>
       </p:sp>
@@ -30325,8 +33084,8 @@
           </a:p>
         </p:txBody>
       </p:sp>
-      <mc:AlternateContent xmlns:mc="http://schemas.openxmlformats.org/markup-compatibility/2006" xmlns:a14="http://schemas.microsoft.com/office/drawing/2010/main">
-        <mc:Choice Requires="a14">
+      <mc:AlternateContent xmlns:mc="http://schemas.openxmlformats.org/markup-compatibility/2006">
+        <mc:Choice xmlns:a14="http://schemas.microsoft.com/office/drawing/2010/main" Requires="a14">
           <p:sp>
             <p:nvSpPr>
               <p:cNvPr id="3" name="Content Placeholder 2">
@@ -30345,7 +33104,7 @@
             </p:nvSpPr>
             <p:spPr>
               <a:xfrm>
-                <a:off x="304800" y="1234562"/>
+                <a:off x="304800" y="1242243"/>
                 <a:ext cx="8229600" cy="5013838"/>
               </a:xfrm>
             </p:spPr>
@@ -30355,7 +33114,7 @@
               <a:p>
                 <a:r>
                   <a:rPr lang="en-US" sz="2400" dirty="0"/>
-                  <a:t>Alan is given </a:t>
+                  <a:t>Alex is given </a:t>
                 </a:r>
                 <a14:m>
                   <m:oMath xmlns:m="http://schemas.openxmlformats.org/officeDocument/2006/math">
@@ -30423,7 +33182,7 @@
             </p:txBody>
           </p:sp>
         </mc:Choice>
-        <mc:Fallback xmlns="">
+        <mc:Fallback>
           <p:sp>
             <p:nvSpPr>
               <p:cNvPr id="3" name="Content Placeholder 2">
@@ -30442,7 +33201,7 @@
             </p:nvSpPr>
             <p:spPr>
               <a:xfrm>
-                <a:off x="304800" y="1234562"/>
+                <a:off x="304800" y="1242243"/>
                 <a:ext cx="8229600" cy="5013838"/>
               </a:xfrm>
               <a:blipFill>
@@ -31254,6 +34013,155 @@
           </a:p>
         </p:txBody>
       </p:sp>
+      <mc:AlternateContent xmlns:mc="http://schemas.openxmlformats.org/markup-compatibility/2006">
+        <mc:Choice xmlns:a14="http://schemas.microsoft.com/office/drawing/2010/main" Requires="a14">
+          <p:sp>
+            <p:nvSpPr>
+              <p:cNvPr id="4" name="Rectangle 3">
+                <a:extLst>
+                  <a:ext uri="{FF2B5EF4-FFF2-40B4-BE49-F238E27FC236}">
+                    <a16:creationId xmlns:a16="http://schemas.microsoft.com/office/drawing/2014/main" id="{5423868B-B7A4-4DA6-B398-7CA338FE4BA6}"/>
+                  </a:ext>
+                </a:extLst>
+              </p:cNvPr>
+              <p:cNvSpPr/>
+              <p:nvPr/>
+            </p:nvSpPr>
+            <p:spPr>
+              <a:xfrm>
+                <a:off x="4724400" y="4556436"/>
+                <a:ext cx="4114800" cy="914400"/>
+              </a:xfrm>
+              <a:prstGeom prst="rect">
+                <a:avLst/>
+              </a:prstGeom>
+            </p:spPr>
+            <p:style>
+              <a:lnRef idx="2">
+                <a:schemeClr val="accent1">
+                  <a:shade val="50000"/>
+                </a:schemeClr>
+              </a:lnRef>
+              <a:fillRef idx="1">
+                <a:schemeClr val="accent1"/>
+              </a:fillRef>
+              <a:effectRef idx="0">
+                <a:schemeClr val="accent1"/>
+              </a:effectRef>
+              <a:fontRef idx="minor">
+                <a:schemeClr val="lt1"/>
+              </a:fontRef>
+            </p:style>
+            <p:txBody>
+              <a:bodyPr rtlCol="0" anchor="ctr"/>
+              <a:lstStyle/>
+              <a:p>
+                <a:pPr algn="ctr"/>
+                <a:r>
+                  <a:rPr lang="en-US" dirty="0"/>
+                  <a:t>For the k-</a:t>
+                </a:r>
+                <a:r>
+                  <a:rPr lang="en-US" dirty="0" err="1"/>
+                  <a:t>th</a:t>
+                </a:r>
+                <a:r>
+                  <a:rPr lang="en-US" dirty="0"/>
+                  <a:t> iteration of outer loop, the inner loop takes </a:t>
+                </a:r>
+                <a14:m>
+                  <m:oMath xmlns:m="http://schemas.openxmlformats.org/officeDocument/2006/math">
+                    <m:r>
+                      <a:rPr lang="en-US" b="0" i="1" smtClean="0">
+                        <a:latin typeface="Cambria Math" panose="02040503050406030204" pitchFamily="18" charset="0"/>
+                      </a:rPr>
+                      <m:t>𝑐</m:t>
+                    </m:r>
+                    <m:r>
+                      <a:rPr lang="en-US" b="0" i="1" smtClean="0">
+                        <a:latin typeface="Cambria Math" panose="02040503050406030204" pitchFamily="18" charset="0"/>
+                      </a:rPr>
+                      <m:t>(</m:t>
+                    </m:r>
+                    <m:r>
+                      <a:rPr lang="en-US" b="0" i="1" smtClean="0">
+                        <a:latin typeface="Cambria Math" panose="02040503050406030204" pitchFamily="18" charset="0"/>
+                      </a:rPr>
+                      <m:t>𝑛</m:t>
+                    </m:r>
+                    <m:r>
+                      <a:rPr lang="en-US" b="0" i="1" smtClean="0">
+                        <a:latin typeface="Cambria Math" panose="02040503050406030204" pitchFamily="18" charset="0"/>
+                      </a:rPr>
+                      <m:t>−</m:t>
+                    </m:r>
+                    <m:r>
+                      <a:rPr lang="en-US" b="0" i="1" smtClean="0">
+                        <a:latin typeface="Cambria Math" panose="02040503050406030204" pitchFamily="18" charset="0"/>
+                      </a:rPr>
+                      <m:t>𝑘</m:t>
+                    </m:r>
+                    <m:r>
+                      <a:rPr lang="en-US" b="0" i="1" smtClean="0">
+                        <a:latin typeface="Cambria Math" panose="02040503050406030204" pitchFamily="18" charset="0"/>
+                      </a:rPr>
+                      <m:t>)</m:t>
+                    </m:r>
+                  </m:oMath>
+                </a14:m>
+                <a:r>
+                  <a:rPr lang="en-US" dirty="0"/>
+                  <a:t> time.</a:t>
+                </a:r>
+              </a:p>
+            </p:txBody>
+          </p:sp>
+        </mc:Choice>
+        <mc:Fallback>
+          <p:sp>
+            <p:nvSpPr>
+              <p:cNvPr id="4" name="Rectangle 3">
+                <a:extLst>
+                  <a:ext uri="{FF2B5EF4-FFF2-40B4-BE49-F238E27FC236}">
+                    <a16:creationId xmlns:a16="http://schemas.microsoft.com/office/drawing/2014/main" id="{5423868B-B7A4-4DA6-B398-7CA338FE4BA6}"/>
+                  </a:ext>
+                </a:extLst>
+              </p:cNvPr>
+              <p:cNvSpPr>
+                <a:spLocks noRot="1" noChangeAspect="1" noMove="1" noResize="1" noEditPoints="1" noAdjustHandles="1" noChangeArrowheads="1" noChangeShapeType="1" noTextEdit="1"/>
+              </p:cNvSpPr>
+              <p:nvPr/>
+            </p:nvSpPr>
+            <p:spPr>
+              <a:xfrm>
+                <a:off x="4724400" y="4556436"/>
+                <a:ext cx="4114800" cy="914400"/>
+              </a:xfrm>
+              <a:prstGeom prst="rect">
+                <a:avLst/>
+              </a:prstGeom>
+              <a:blipFill>
+                <a:blip r:embed="rId3"/>
+                <a:stretch>
+                  <a:fillRect/>
+                </a:stretch>
+              </a:blipFill>
+            </p:spPr>
+            <p:txBody>
+              <a:bodyPr/>
+              <a:lstStyle/>
+              <a:p>
+                <a:r>
+                  <a:rPr lang="en-US">
+                    <a:noFill/>
+                  </a:rPr>
+                  <a:t> </a:t>
+                </a:r>
+              </a:p>
+            </p:txBody>
+          </p:sp>
+        </mc:Fallback>
+      </mc:AlternateContent>
     </p:spTree>
     <p:extLst>
       <p:ext uri="{BB962C8B-B14F-4D97-AF65-F5344CB8AC3E}">
@@ -31366,6 +34274,258 @@
                       </p:childTnLst>
                     </p:cTn>
                   </p:par>
+                  <p:par>
+                    <p:cTn id="11" fill="hold">
+                      <p:stCondLst>
+                        <p:cond delay="indefinite"/>
+                      </p:stCondLst>
+                      <p:childTnLst>
+                        <p:par>
+                          <p:cTn id="12" fill="hold">
+                            <p:stCondLst>
+                              <p:cond delay="0"/>
+                            </p:stCondLst>
+                            <p:childTnLst>
+                              <p:par>
+                                <p:cTn id="13" presetID="1" presetClass="entr" presetSubtype="0" fill="hold" grpId="0" nodeType="clickEffect">
+                                  <p:stCondLst>
+                                    <p:cond delay="0"/>
+                                  </p:stCondLst>
+                                  <p:childTnLst>
+                                    <p:set>
+                                      <p:cBhvr>
+                                        <p:cTn id="14" dur="1" fill="hold">
+                                          <p:stCondLst>
+                                            <p:cond delay="0"/>
+                                          </p:stCondLst>
+                                        </p:cTn>
+                                        <p:tgtEl>
+                                          <p:spTgt spid="6"/>
+                                        </p:tgtEl>
+                                        <p:attrNameLst>
+                                          <p:attrName>style.visibility</p:attrName>
+                                        </p:attrNameLst>
+                                      </p:cBhvr>
+                                      <p:to>
+                                        <p:strVal val="visible"/>
+                                      </p:to>
+                                    </p:set>
+                                  </p:childTnLst>
+                                </p:cTn>
+                              </p:par>
+                              <p:par>
+                                <p:cTn id="15" presetID="1" presetClass="entr" presetSubtype="0" fill="hold" grpId="0" nodeType="withEffect">
+                                  <p:stCondLst>
+                                    <p:cond delay="0"/>
+                                  </p:stCondLst>
+                                  <p:childTnLst>
+                                    <p:set>
+                                      <p:cBhvr>
+                                        <p:cTn id="16" dur="1" fill="hold">
+                                          <p:stCondLst>
+                                            <p:cond delay="0"/>
+                                          </p:stCondLst>
+                                        </p:cTn>
+                                        <p:tgtEl>
+                                          <p:spTgt spid="7"/>
+                                        </p:tgtEl>
+                                        <p:attrNameLst>
+                                          <p:attrName>style.visibility</p:attrName>
+                                        </p:attrNameLst>
+                                      </p:cBhvr>
+                                      <p:to>
+                                        <p:strVal val="visible"/>
+                                      </p:to>
+                                    </p:set>
+                                  </p:childTnLst>
+                                </p:cTn>
+                              </p:par>
+                              <p:par>
+                                <p:cTn id="17" presetID="1" presetClass="entr" presetSubtype="0" fill="hold" grpId="0" nodeType="withEffect">
+                                  <p:stCondLst>
+                                    <p:cond delay="0"/>
+                                  </p:stCondLst>
+                                  <p:childTnLst>
+                                    <p:set>
+                                      <p:cBhvr>
+                                        <p:cTn id="18" dur="1" fill="hold">
+                                          <p:stCondLst>
+                                            <p:cond delay="0"/>
+                                          </p:stCondLst>
+                                        </p:cTn>
+                                        <p:tgtEl>
+                                          <p:spTgt spid="8"/>
+                                        </p:tgtEl>
+                                        <p:attrNameLst>
+                                          <p:attrName>style.visibility</p:attrName>
+                                        </p:attrNameLst>
+                                      </p:cBhvr>
+                                      <p:to>
+                                        <p:strVal val="visible"/>
+                                      </p:to>
+                                    </p:set>
+                                  </p:childTnLst>
+                                </p:cTn>
+                              </p:par>
+                              <p:par>
+                                <p:cTn id="19" presetID="1" presetClass="entr" presetSubtype="0" fill="hold" grpId="0" nodeType="withEffect">
+                                  <p:stCondLst>
+                                    <p:cond delay="0"/>
+                                  </p:stCondLst>
+                                  <p:childTnLst>
+                                    <p:set>
+                                      <p:cBhvr>
+                                        <p:cTn id="20" dur="1" fill="hold">
+                                          <p:stCondLst>
+                                            <p:cond delay="0"/>
+                                          </p:stCondLst>
+                                        </p:cTn>
+                                        <p:tgtEl>
+                                          <p:spTgt spid="10"/>
+                                        </p:tgtEl>
+                                        <p:attrNameLst>
+                                          <p:attrName>style.visibility</p:attrName>
+                                        </p:attrNameLst>
+                                      </p:cBhvr>
+                                      <p:to>
+                                        <p:strVal val="visible"/>
+                                      </p:to>
+                                    </p:set>
+                                  </p:childTnLst>
+                                </p:cTn>
+                              </p:par>
+                              <p:par>
+                                <p:cTn id="21" presetID="1" presetClass="entr" presetSubtype="0" fill="hold" grpId="0" nodeType="withEffect">
+                                  <p:stCondLst>
+                                    <p:cond delay="0"/>
+                                  </p:stCondLst>
+                                  <p:childTnLst>
+                                    <p:set>
+                                      <p:cBhvr>
+                                        <p:cTn id="22" dur="1" fill="hold">
+                                          <p:stCondLst>
+                                            <p:cond delay="0"/>
+                                          </p:stCondLst>
+                                        </p:cTn>
+                                        <p:tgtEl>
+                                          <p:spTgt spid="11"/>
+                                        </p:tgtEl>
+                                        <p:attrNameLst>
+                                          <p:attrName>style.visibility</p:attrName>
+                                        </p:attrNameLst>
+                                      </p:cBhvr>
+                                      <p:to>
+                                        <p:strVal val="visible"/>
+                                      </p:to>
+                                    </p:set>
+                                  </p:childTnLst>
+                                </p:cTn>
+                              </p:par>
+                              <p:par>
+                                <p:cTn id="23" presetID="1" presetClass="entr" presetSubtype="0" fill="hold" grpId="0" nodeType="withEffect">
+                                  <p:stCondLst>
+                                    <p:cond delay="0"/>
+                                  </p:stCondLst>
+                                  <p:childTnLst>
+                                    <p:set>
+                                      <p:cBhvr>
+                                        <p:cTn id="24" dur="1" fill="hold">
+                                          <p:stCondLst>
+                                            <p:cond delay="0"/>
+                                          </p:stCondLst>
+                                        </p:cTn>
+                                        <p:tgtEl>
+                                          <p:spTgt spid="12"/>
+                                        </p:tgtEl>
+                                        <p:attrNameLst>
+                                          <p:attrName>style.visibility</p:attrName>
+                                        </p:attrNameLst>
+                                      </p:cBhvr>
+                                      <p:to>
+                                        <p:strVal val="visible"/>
+                                      </p:to>
+                                    </p:set>
+                                  </p:childTnLst>
+                                </p:cTn>
+                              </p:par>
+                              <p:par>
+                                <p:cTn id="25" presetID="1" presetClass="entr" presetSubtype="0" fill="hold" grpId="0" nodeType="withEffect">
+                                  <p:stCondLst>
+                                    <p:cond delay="0"/>
+                                  </p:stCondLst>
+                                  <p:childTnLst>
+                                    <p:set>
+                                      <p:cBhvr>
+                                        <p:cTn id="26" dur="1" fill="hold">
+                                          <p:stCondLst>
+                                            <p:cond delay="0"/>
+                                          </p:stCondLst>
+                                        </p:cTn>
+                                        <p:tgtEl>
+                                          <p:spTgt spid="13"/>
+                                        </p:tgtEl>
+                                        <p:attrNameLst>
+                                          <p:attrName>style.visibility</p:attrName>
+                                        </p:attrNameLst>
+                                      </p:cBhvr>
+                                      <p:to>
+                                        <p:strVal val="visible"/>
+                                      </p:to>
+                                    </p:set>
+                                  </p:childTnLst>
+                                </p:cTn>
+                              </p:par>
+                            </p:childTnLst>
+                          </p:cTn>
+                        </p:par>
+                      </p:childTnLst>
+                    </p:cTn>
+                  </p:par>
+                  <p:par>
+                    <p:cTn id="27" fill="hold">
+                      <p:stCondLst>
+                        <p:cond delay="indefinite"/>
+                      </p:stCondLst>
+                      <p:childTnLst>
+                        <p:par>
+                          <p:cTn id="28" fill="hold">
+                            <p:stCondLst>
+                              <p:cond delay="0"/>
+                            </p:stCondLst>
+                            <p:childTnLst>
+                              <p:par>
+                                <p:cTn id="29" presetID="1" presetClass="entr" presetSubtype="0" fill="hold" grpId="0" nodeType="clickEffect">
+                                  <p:stCondLst>
+                                    <p:cond delay="0"/>
+                                  </p:stCondLst>
+                                  <p:childTnLst>
+                                    <p:set>
+                                      <p:cBhvr>
+                                        <p:cTn id="30" dur="1" fill="hold">
+                                          <p:stCondLst>
+                                            <p:cond delay="0"/>
+                                          </p:stCondLst>
+                                        </p:cTn>
+                                        <p:tgtEl>
+                                          <p:spTgt spid="4"/>
+                                        </p:tgtEl>
+                                        <p:attrNameLst>
+                                          <p:attrName>style.visibility</p:attrName>
+                                        </p:attrNameLst>
+                                      </p:cBhvr>
+                                      <p:to>
+                                        <p:strVal val="visible"/>
+                                      </p:to>
+                                    </p:set>
+                                  </p:childTnLst>
+                                </p:cTn>
+                              </p:par>
+                            </p:childTnLst>
+                          </p:cTn>
+                        </p:par>
+                      </p:childTnLst>
+                    </p:cTn>
+                  </p:par>
                 </p:childTnLst>
               </p:cTn>
               <p:prevCondLst>
@@ -31389,6 +34549,14 @@
     </p:tnLst>
     <p:bldLst>
       <p:bldP spid="5" grpId="0" animBg="1"/>
+      <p:bldP spid="6" grpId="0"/>
+      <p:bldP spid="7" grpId="0"/>
+      <p:bldP spid="8" grpId="0"/>
+      <p:bldP spid="10" grpId="0"/>
+      <p:bldP spid="11" grpId="0" animBg="1"/>
+      <p:bldP spid="12" grpId="0" animBg="1"/>
+      <p:bldP spid="13" grpId="0" animBg="1"/>
+      <p:bldP spid="4" grpId="0" animBg="1"/>
     </p:bldLst>
   </p:timing>
 </p:sld>
@@ -32010,39 +35178,25 @@
                                   </p:childTnLst>
                                 </p:cTn>
                               </p:par>
-                            </p:childTnLst>
-                          </p:cTn>
-                        </p:par>
-                      </p:childTnLst>
-                    </p:cTn>
-                  </p:par>
-                  <p:par>
-                    <p:cTn id="11" fill="hold">
-                      <p:stCondLst>
-                        <p:cond delay="indefinite"/>
-                      </p:stCondLst>
-                      <p:childTnLst>
-                        <p:par>
-                          <p:cTn id="12" fill="hold">
-                            <p:stCondLst>
-                              <p:cond delay="0"/>
-                            </p:stCondLst>
-                            <p:childTnLst>
                               <p:par>
-                                <p:cTn id="13" presetID="1" presetClass="entr" presetSubtype="0" fill="hold" grpId="0" nodeType="clickEffect">
+                                <p:cTn id="11" presetID="1" presetClass="entr" presetSubtype="0" fill="hold" nodeType="withEffect">
                                   <p:stCondLst>
                                     <p:cond delay="0"/>
                                   </p:stCondLst>
                                   <p:childTnLst>
                                     <p:set>
                                       <p:cBhvr>
-                                        <p:cTn id="14" dur="1" fill="hold">
+                                        <p:cTn id="12" dur="1" fill="hold">
                                           <p:stCondLst>
                                             <p:cond delay="0"/>
                                           </p:stCondLst>
                                         </p:cTn>
                                         <p:tgtEl>
-                                          <p:spTgt spid="6"/>
+                                          <p:spTgt spid="3">
+                                            <p:txEl>
+                                              <p:pRg st="9" end="9"/>
+                                            </p:txEl>
+                                          </p:spTgt>
                                         </p:tgtEl>
                                         <p:attrNameLst>
                                           <p:attrName>style.visibility</p:attrName>
@@ -32055,8 +35209,26 @@
                                   </p:childTnLst>
                                 </p:cTn>
                               </p:par>
+                            </p:childTnLst>
+                          </p:cTn>
+                        </p:par>
+                      </p:childTnLst>
+                    </p:cTn>
+                  </p:par>
+                  <p:par>
+                    <p:cTn id="13" fill="hold">
+                      <p:stCondLst>
+                        <p:cond delay="indefinite"/>
+                      </p:stCondLst>
+                      <p:childTnLst>
+                        <p:par>
+                          <p:cTn id="14" fill="hold">
+                            <p:stCondLst>
+                              <p:cond delay="0"/>
+                            </p:stCondLst>
+                            <p:childTnLst>
                               <p:par>
-                                <p:cTn id="15" presetID="1" presetClass="entr" presetSubtype="0" fill="hold" nodeType="withEffect">
+                                <p:cTn id="15" presetID="1" presetClass="entr" presetSubtype="0" fill="hold" grpId="0" nodeType="clickEffect">
                                   <p:stCondLst>
                                     <p:cond delay="0"/>
                                   </p:stCondLst>
@@ -32069,11 +35241,7 @@
                                           </p:stCondLst>
                                         </p:cTn>
                                         <p:tgtEl>
-                                          <p:spTgt spid="3">
-                                            <p:txEl>
-                                              <p:pRg st="9" end="9"/>
-                                            </p:txEl>
-                                          </p:spTgt>
+                                          <p:spTgt spid="6"/>
                                         </p:tgtEl>
                                         <p:attrNameLst>
                                           <p:attrName>style.visibility</p:attrName>

--- a/published/lectures/02-time_complexity-pt_I/slides-wang.pptx
+++ b/published/lectures/02-time_complexity-pt_I/slides-wang.pptx
@@ -7,7 +7,7 @@
     <p:sldMasterId id="2147483668" r:id="rId3"/>
   </p:sldMasterIdLst>
   <p:notesMasterIdLst>
-    <p:notesMasterId r:id="rId45"/>
+    <p:notesMasterId r:id="rId47"/>
   </p:notesMasterIdLst>
   <p:sldIdLst>
     <p:sldId id="256" r:id="rId4"/>
@@ -46,59 +46,61 @@
     <p:sldId id="844" r:id="rId37"/>
     <p:sldId id="779" r:id="rId38"/>
     <p:sldId id="811" r:id="rId39"/>
-    <p:sldId id="846" r:id="rId40"/>
-    <p:sldId id="847" r:id="rId41"/>
-    <p:sldId id="848" r:id="rId42"/>
-    <p:sldId id="849" r:id="rId43"/>
-    <p:sldId id="845" r:id="rId44"/>
+    <p:sldId id="847" r:id="rId40"/>
+    <p:sldId id="850" r:id="rId41"/>
+    <p:sldId id="852" r:id="rId42"/>
+    <p:sldId id="851" r:id="rId43"/>
+    <p:sldId id="848" r:id="rId44"/>
+    <p:sldId id="849" r:id="rId45"/>
+    <p:sldId id="845" r:id="rId46"/>
   </p:sldIdLst>
   <p:sldSz cx="9144000" cy="6858000" type="screen4x3"/>
   <p:notesSz cx="6858000" cy="9144000"/>
   <p:embeddedFontLst>
     <p:embeddedFont>
       <p:font typeface="Arial Narrow" panose="020B0606020202030204" pitchFamily="34" charset="0"/>
-      <p:regular r:id="rId46"/>
-      <p:bold r:id="rId47"/>
-      <p:italic r:id="rId48"/>
-      <p:boldItalic r:id="rId49"/>
+      <p:regular r:id="rId48"/>
+      <p:bold r:id="rId49"/>
+      <p:italic r:id="rId50"/>
+      <p:boldItalic r:id="rId51"/>
     </p:embeddedFont>
     <p:embeddedFont>
       <p:font typeface="Bookman Old Style" panose="02050604050505020204" pitchFamily="18" charset="0"/>
-      <p:regular r:id="rId50"/>
-      <p:bold r:id="rId51"/>
-      <p:italic r:id="rId52"/>
-      <p:boldItalic r:id="rId53"/>
+      <p:regular r:id="rId52"/>
+      <p:bold r:id="rId53"/>
+      <p:italic r:id="rId54"/>
+      <p:boldItalic r:id="rId55"/>
     </p:embeddedFont>
     <p:embeddedFont>
       <p:font typeface="Calibri" panose="020F0502020204030204" pitchFamily="34" charset="0"/>
-      <p:regular r:id="rId54"/>
-      <p:bold r:id="rId55"/>
-      <p:italic r:id="rId56"/>
-      <p:boldItalic r:id="rId57"/>
+      <p:regular r:id="rId56"/>
+      <p:bold r:id="rId57"/>
+      <p:italic r:id="rId58"/>
+      <p:boldItalic r:id="rId59"/>
     </p:embeddedFont>
     <p:embeddedFont>
       <p:font typeface="Calibri Light" panose="020F0302020204030204" pitchFamily="34" charset="0"/>
-      <p:regular r:id="rId58"/>
-      <p:italic r:id="rId59"/>
+      <p:regular r:id="rId60"/>
+      <p:italic r:id="rId61"/>
     </p:embeddedFont>
     <p:embeddedFont>
       <p:font typeface="Cambria Math" panose="02040503050406030204" pitchFamily="18" charset="0"/>
-      <p:regular r:id="rId60"/>
+      <p:regular r:id="rId62"/>
     </p:embeddedFont>
     <p:embeddedFont>
       <p:font typeface="Gill Sans MT" panose="020B0502020104020203" pitchFamily="34" charset="0"/>
-      <p:regular r:id="rId61"/>
-      <p:bold r:id="rId62"/>
-      <p:italic r:id="rId63"/>
-      <p:boldItalic r:id="rId64"/>
+      <p:regular r:id="rId63"/>
+      <p:bold r:id="rId64"/>
+      <p:italic r:id="rId65"/>
+      <p:boldItalic r:id="rId66"/>
     </p:embeddedFont>
     <p:embeddedFont>
       <p:font typeface="Wingdings 3" panose="05040102010807070707" pitchFamily="18" charset="2"/>
-      <p:regular r:id="rId65"/>
+      <p:regular r:id="rId67"/>
     </p:embeddedFont>
   </p:embeddedFontLst>
   <p:custDataLst>
-    <p:tags r:id="rId66"/>
+    <p:tags r:id="rId68"/>
   </p:custDataLst>
   <p:defaultTextStyle>
     <a:defPPr>
@@ -11751,8 +11753,8 @@
           </a:p>
         </p:txBody>
       </p:sp>
-      <mc:AlternateContent xmlns:mc="http://schemas.openxmlformats.org/markup-compatibility/2006" xmlns:a14="http://schemas.microsoft.com/office/drawing/2010/main">
-        <mc:Choice Requires="a14">
+      <mc:AlternateContent xmlns:mc="http://schemas.openxmlformats.org/markup-compatibility/2006">
+        <mc:Choice xmlns:a14="http://schemas.microsoft.com/office/drawing/2010/main" Requires="a14">
           <p:sp>
             <p:nvSpPr>
               <p:cNvPr id="3" name="Content Placeholder 2">
@@ -12014,7 +12016,7 @@
                             <a:rPr lang="en-US" b="0" i="1" smtClean="0">
                               <a:latin typeface="Cambria Math" panose="02040503050406030204" pitchFamily="18" charset="0"/>
                             </a:rPr>
-                            <m:t>h</m:t>
+                            <m:t>𝑛</m:t>
                           </m:r>
                         </m:e>
                       </m:d>
@@ -12067,7 +12069,7 @@
             </p:txBody>
           </p:sp>
         </mc:Choice>
-        <mc:Fallback xmlns="">
+        <mc:Fallback>
           <p:sp>
             <p:nvSpPr>
               <p:cNvPr id="3" name="Content Placeholder 2">
@@ -12795,8 +12797,8 @@
           </a:p>
         </p:txBody>
       </p:sp>
-      <mc:AlternateContent xmlns:mc="http://schemas.openxmlformats.org/markup-compatibility/2006" xmlns:a14="http://schemas.microsoft.com/office/drawing/2010/main">
-        <mc:Choice Requires="a14">
+      <mc:AlternateContent xmlns:mc="http://schemas.openxmlformats.org/markup-compatibility/2006">
+        <mc:Choice xmlns:a14="http://schemas.microsoft.com/office/drawing/2010/main" Requires="a14">
           <p:sp>
             <p:nvSpPr>
               <p:cNvPr id="3" name="Content Placeholder 2">
@@ -13058,7 +13060,7 @@
                             <a:rPr lang="en-US" b="0" i="1" smtClean="0">
                               <a:latin typeface="Cambria Math" panose="02040503050406030204" pitchFamily="18" charset="0"/>
                             </a:rPr>
-                            <m:t>h</m:t>
+                            <m:t>𝑛</m:t>
                           </m:r>
                         </m:e>
                       </m:d>
@@ -13111,7 +13113,7 @@
             </p:txBody>
           </p:sp>
         </mc:Choice>
-        <mc:Fallback xmlns="">
+        <mc:Fallback>
           <p:sp>
             <p:nvSpPr>
               <p:cNvPr id="3" name="Content Placeholder 2">
@@ -13737,8 +13739,8 @@
           </a:p>
         </p:txBody>
       </p:sp>
-      <mc:AlternateContent xmlns:mc="http://schemas.openxmlformats.org/markup-compatibility/2006">
-        <mc:Choice xmlns:a14="http://schemas.microsoft.com/office/drawing/2010/main" Requires="a14">
+      <mc:AlternateContent xmlns:mc="http://schemas.openxmlformats.org/markup-compatibility/2006" xmlns:a14="http://schemas.microsoft.com/office/drawing/2010/main">
+        <mc:Choice Requires="a14">
           <p:sp>
             <p:nvSpPr>
               <p:cNvPr id="3" name="Content Placeholder 2">
@@ -14495,7 +14497,7 @@
             </p:txBody>
           </p:sp>
         </mc:Choice>
-        <mc:Fallback>
+        <mc:Fallback xmlns="">
           <p:sp>
             <p:nvSpPr>
               <p:cNvPr id="3" name="Content Placeholder 2">
@@ -15936,8 +15938,8 @@
           </a:p>
         </p:txBody>
       </p:sp>
-      <mc:AlternateContent xmlns:mc="http://schemas.openxmlformats.org/markup-compatibility/2006">
-        <mc:Choice xmlns:a14="http://schemas.microsoft.com/office/drawing/2010/main" Requires="a14">
+      <mc:AlternateContent xmlns:mc="http://schemas.openxmlformats.org/markup-compatibility/2006" xmlns:a14="http://schemas.microsoft.com/office/drawing/2010/main">
+        <mc:Choice Requires="a14">
           <p:sp>
             <p:nvSpPr>
               <p:cNvPr id="3" name="Content Placeholder 2">
@@ -16302,7 +16304,7 @@
             </p:txBody>
           </p:sp>
         </mc:Choice>
-        <mc:Fallback>
+        <mc:Fallback xmlns="">
           <p:sp>
             <p:nvSpPr>
               <p:cNvPr id="3" name="Content Placeholder 2">
@@ -16588,8 +16590,8 @@
           </p:sp>
         </mc:Fallback>
       </mc:AlternateContent>
-      <mc:AlternateContent xmlns:mc="http://schemas.openxmlformats.org/markup-compatibility/2006" xmlns:a14="http://schemas.microsoft.com/office/drawing/2010/main">
-        <mc:Choice Requires="a14">
+      <mc:AlternateContent xmlns:mc="http://schemas.openxmlformats.org/markup-compatibility/2006">
+        <mc:Choice xmlns:a14="http://schemas.microsoft.com/office/drawing/2010/main" Requires="a14">
           <p:sp>
             <p:nvSpPr>
               <p:cNvPr id="3" name="Content Placeholder 2">
@@ -16866,7 +16868,7 @@
                             <a:rPr lang="en-US" b="0" i="1" smtClean="0">
                               <a:latin typeface="Cambria Math" panose="02040503050406030204" pitchFamily="18" charset="0"/>
                             </a:rPr>
-                            <m:t>h</m:t>
+                            <m:t>𝑛</m:t>
                           </m:r>
                         </m:e>
                       </m:d>
@@ -16919,7 +16921,7 @@
             </p:txBody>
           </p:sp>
         </mc:Choice>
-        <mc:Fallback xmlns="">
+        <mc:Fallback>
           <p:sp>
             <p:nvSpPr>
               <p:cNvPr id="3" name="Content Placeholder 2">
@@ -17798,8 +17800,8 @@
           </a:p>
         </p:txBody>
       </p:sp>
-      <mc:AlternateContent xmlns:mc="http://schemas.openxmlformats.org/markup-compatibility/2006" xmlns:a14="http://schemas.microsoft.com/office/drawing/2010/main">
-        <mc:Choice Requires="a14">
+      <mc:AlternateContent xmlns:mc="http://schemas.openxmlformats.org/markup-compatibility/2006">
+        <mc:Choice xmlns:a14="http://schemas.microsoft.com/office/drawing/2010/main" Requires="a14">
           <p:sp>
             <p:nvSpPr>
               <p:cNvPr id="8" name="Content Placeholder 2">
@@ -18278,10 +18280,10 @@
                         </m:dPr>
                         <m:e>
                           <m:r>
-                            <a:rPr lang="en-US" i="1" smtClean="0">
+                            <a:rPr lang="en-US" b="0" i="1" smtClean="0">
                               <a:latin typeface="Cambria Math" panose="02040503050406030204" pitchFamily="18" charset="0"/>
                             </a:rPr>
-                            <m:t>h</m:t>
+                            <m:t>𝑛</m:t>
                           </m:r>
                         </m:e>
                       </m:d>
@@ -18334,7 +18336,7 @@
             </p:txBody>
           </p:sp>
         </mc:Choice>
-        <mc:Fallback xmlns="">
+        <mc:Fallback>
           <p:sp>
             <p:nvSpPr>
               <p:cNvPr id="8" name="Content Placeholder 2">
@@ -18447,8 +18449,8 @@
           </a:p>
         </p:txBody>
       </p:sp>
-      <mc:AlternateContent xmlns:mc="http://schemas.openxmlformats.org/markup-compatibility/2006">
-        <mc:Choice xmlns:a14="http://schemas.microsoft.com/office/drawing/2010/main" Requires="a14">
+      <mc:AlternateContent xmlns:mc="http://schemas.openxmlformats.org/markup-compatibility/2006" xmlns:a14="http://schemas.microsoft.com/office/drawing/2010/main">
+        <mc:Choice Requires="a14">
           <p:sp>
             <p:nvSpPr>
               <p:cNvPr id="3" name="Content Placeholder 2">
@@ -18630,7 +18632,7 @@
             </p:txBody>
           </p:sp>
         </mc:Choice>
-        <mc:Fallback>
+        <mc:Fallback xmlns="">
           <p:sp>
             <p:nvSpPr>
               <p:cNvPr id="3" name="Content Placeholder 2">
@@ -19998,8 +20000,8 @@
           </a:p>
         </p:txBody>
       </p:sp>
-      <mc:AlternateContent xmlns:mc="http://schemas.openxmlformats.org/markup-compatibility/2006">
-        <mc:Choice xmlns:a14="http://schemas.microsoft.com/office/drawing/2010/main" Requires="a14">
+      <mc:AlternateContent xmlns:mc="http://schemas.openxmlformats.org/markup-compatibility/2006" xmlns:a14="http://schemas.microsoft.com/office/drawing/2010/main">
+        <mc:Choice Requires="a14">
           <p:sp>
             <p:nvSpPr>
               <p:cNvPr id="3" name="Content Placeholder 2">
@@ -20967,7 +20969,7 @@
             </p:txBody>
           </p:sp>
         </mc:Choice>
-        <mc:Fallback>
+        <mc:Fallback xmlns="">
           <p:sp>
             <p:nvSpPr>
               <p:cNvPr id="3" name="Content Placeholder 2">
@@ -22091,8 +22093,8 @@
           </p:sp>
         </mc:Fallback>
       </mc:AlternateContent>
-      <mc:AlternateContent xmlns:mc="http://schemas.openxmlformats.org/markup-compatibility/2006" xmlns:a14="http://schemas.microsoft.com/office/drawing/2010/main">
-        <mc:Choice Requires="a14">
+      <mc:AlternateContent xmlns:mc="http://schemas.openxmlformats.org/markup-compatibility/2006">
+        <mc:Choice xmlns:a14="http://schemas.microsoft.com/office/drawing/2010/main" Requires="a14">
           <p:sp>
             <p:nvSpPr>
               <p:cNvPr id="3" name="Content Placeholder 2">
@@ -22499,7 +22501,7 @@
                             <a:rPr lang="en-US" b="0" i="1" smtClean="0">
                               <a:latin typeface="Cambria Math" panose="02040503050406030204" pitchFamily="18" charset="0"/>
                             </a:rPr>
-                            <m:t>h</m:t>
+                            <m:t>𝑛</m:t>
                           </m:r>
                         </m:e>
                       </m:d>
@@ -22571,7 +22573,7 @@
             </p:txBody>
           </p:sp>
         </mc:Choice>
-        <mc:Fallback xmlns="">
+        <mc:Fallback>
           <p:sp>
             <p:nvSpPr>
               <p:cNvPr id="3" name="Content Placeholder 2">
@@ -23360,8 +23362,8 @@
           </a:p>
         </p:txBody>
       </p:sp>
-      <mc:AlternateContent xmlns:mc="http://schemas.openxmlformats.org/markup-compatibility/2006" xmlns:a14="http://schemas.microsoft.com/office/drawing/2010/main">
-        <mc:Choice Requires="a14">
+      <mc:AlternateContent xmlns:mc="http://schemas.openxmlformats.org/markup-compatibility/2006">
+        <mc:Choice xmlns:a14="http://schemas.microsoft.com/office/drawing/2010/main" Requires="a14">
           <p:sp>
             <p:nvSpPr>
               <p:cNvPr id="8" name="Content Placeholder 2">
@@ -23970,10 +23972,10 @@
                         </m:dPr>
                         <m:e>
                           <m:r>
-                            <a:rPr lang="en-US" i="1" smtClean="0">
+                            <a:rPr lang="en-US" b="0" i="1" smtClean="0">
                               <a:latin typeface="Cambria Math" panose="02040503050406030204" pitchFamily="18" charset="0"/>
                             </a:rPr>
-                            <m:t>h</m:t>
+                            <m:t>𝑛</m:t>
                           </m:r>
                         </m:e>
                       </m:d>
@@ -24045,7 +24047,7 @@
             </p:txBody>
           </p:sp>
         </mc:Choice>
-        <mc:Fallback xmlns="">
+        <mc:Fallback>
           <p:sp>
             <p:nvSpPr>
               <p:cNvPr id="8" name="Content Placeholder 2">
@@ -26352,8 +26354,8 @@
           </a:p>
         </p:txBody>
       </p:sp>
-      <mc:AlternateContent xmlns:mc="http://schemas.openxmlformats.org/markup-compatibility/2006" xmlns:a14="http://schemas.microsoft.com/office/drawing/2010/main">
-        <mc:Choice Requires="a14">
+      <mc:AlternateContent xmlns:mc="http://schemas.openxmlformats.org/markup-compatibility/2006">
+        <mc:Choice xmlns:a14="http://schemas.microsoft.com/office/drawing/2010/main" Requires="a14">
           <p:sp>
             <p:nvSpPr>
               <p:cNvPr id="4" name="Content Placeholder 2">
@@ -26823,13 +26825,13 @@
                         </m:dPr>
                         <m:e>
                           <m:r>
-                            <a:rPr lang="en-US" sz="2000" i="1" smtClean="0">
+                            <a:rPr lang="en-US" sz="2000" b="0" i="1" smtClean="0">
                               <a:solidFill>
                                 <a:srgbClr val="700000"/>
                               </a:solidFill>
                               <a:latin typeface="Cambria Math" panose="02040503050406030204" pitchFamily="18" charset="0"/>
                             </a:rPr>
-                            <m:t>h</m:t>
+                            <m:t>𝑛</m:t>
                           </m:r>
                         </m:e>
                       </m:d>
@@ -26904,7 +26906,7 @@
             </p:txBody>
           </p:sp>
         </mc:Choice>
-        <mc:Fallback xmlns="">
+        <mc:Fallback>
           <p:sp>
             <p:nvSpPr>
               <p:cNvPr id="4" name="Content Placeholder 2">
@@ -26959,8 +26961,8 @@
           </p:sp>
         </mc:Fallback>
       </mc:AlternateContent>
-      <mc:AlternateContent xmlns:mc="http://schemas.openxmlformats.org/markup-compatibility/2006" xmlns:a14="http://schemas.microsoft.com/office/drawing/2010/main">
-        <mc:Choice Requires="a14">
+      <mc:AlternateContent xmlns:mc="http://schemas.openxmlformats.org/markup-compatibility/2006">
+        <mc:Choice xmlns:a14="http://schemas.microsoft.com/office/drawing/2010/main" Requires="a14">
           <p:sp>
             <p:nvSpPr>
               <p:cNvPr id="5" name="Content Placeholder 2">
@@ -27469,13 +27471,13 @@
                         </m:dPr>
                         <m:e>
                           <m:r>
-                            <a:rPr lang="en-US" sz="2000" i="1" smtClean="0">
+                            <a:rPr lang="en-US" sz="2000" b="0" i="1" smtClean="0">
                               <a:solidFill>
                                 <a:srgbClr val="700000"/>
                               </a:solidFill>
                               <a:latin typeface="Cambria Math" panose="02040503050406030204" pitchFamily="18" charset="0"/>
                             </a:rPr>
-                            <m:t>h</m:t>
+                            <m:t>𝑛</m:t>
                           </m:r>
                         </m:e>
                       </m:d>
@@ -27550,7 +27552,7 @@
             </p:txBody>
           </p:sp>
         </mc:Choice>
-        <mc:Fallback xmlns="">
+        <mc:Fallback>
           <p:sp>
             <p:nvSpPr>
               <p:cNvPr id="5" name="Content Placeholder 2">
@@ -27605,8 +27607,8 @@
           </p:sp>
         </mc:Fallback>
       </mc:AlternateContent>
-      <mc:AlternateContent xmlns:mc="http://schemas.openxmlformats.org/markup-compatibility/2006" xmlns:a14="http://schemas.microsoft.com/office/drawing/2010/main">
-        <mc:Choice Requires="a14">
+      <mc:AlternateContent xmlns:mc="http://schemas.openxmlformats.org/markup-compatibility/2006">
+        <mc:Choice xmlns:a14="http://schemas.microsoft.com/office/drawing/2010/main" Requires="a14">
           <p:sp>
             <p:nvSpPr>
               <p:cNvPr id="6" name="Content Placeholder 2">
@@ -28269,13 +28271,13 @@
                         </m:dPr>
                         <m:e>
                           <m:r>
-                            <a:rPr lang="en-US" sz="2000" i="1" smtClean="0">
+                            <a:rPr lang="en-US" sz="2000" b="0" i="1" smtClean="0">
                               <a:solidFill>
                                 <a:srgbClr val="700000"/>
                               </a:solidFill>
                               <a:latin typeface="Cambria Math" panose="02040503050406030204" pitchFamily="18" charset="0"/>
                             </a:rPr>
-                            <m:t>h</m:t>
+                            <m:t>𝑛</m:t>
                           </m:r>
                         </m:e>
                       </m:d>
@@ -28371,7 +28373,7 @@
             </p:txBody>
           </p:sp>
         </mc:Choice>
-        <mc:Fallback xmlns="">
+        <mc:Fallback>
           <p:sp>
             <p:nvSpPr>
               <p:cNvPr id="6" name="Content Placeholder 2">
@@ -28723,7 +28725,7 @@
           <a:p>
             <a:r>
               <a:rPr lang="en-US" dirty="0"/>
-              <a:t>A pseudo-code example</a:t>
+              <a:t>A first example</a:t>
             </a:r>
           </a:p>
         </p:txBody>
@@ -28759,7 +28761,7 @@
         </p:blipFill>
         <p:spPr bwMode="auto">
           <a:xfrm>
-            <a:off x="495300" y="1828800"/>
+            <a:off x="457200" y="1828800"/>
             <a:ext cx="3695700" cy="3867150"/>
           </a:xfrm>
           <a:prstGeom prst="rect">
@@ -29008,10 +29010,135 @@
           </a:p>
         </p:txBody>
       </p:sp>
+      <mc:AlternateContent xmlns:mc="http://schemas.openxmlformats.org/markup-compatibility/2006">
+        <mc:Choice xmlns:a14="http://schemas.microsoft.com/office/drawing/2010/main" Requires="a14">
+          <p:sp>
+            <p:nvSpPr>
+              <p:cNvPr id="14" name="Rectangle 13">
+                <a:extLst>
+                  <a:ext uri="{FF2B5EF4-FFF2-40B4-BE49-F238E27FC236}">
+                    <a16:creationId xmlns:a16="http://schemas.microsoft.com/office/drawing/2014/main" id="{223FCA0A-CDF9-4287-A5B5-A336689D72BC}"/>
+                  </a:ext>
+                </a:extLst>
+              </p:cNvPr>
+              <p:cNvSpPr/>
+              <p:nvPr/>
+            </p:nvSpPr>
+            <p:spPr>
+              <a:xfrm>
+                <a:off x="1392936" y="2895600"/>
+                <a:ext cx="512064" cy="304800"/>
+              </a:xfrm>
+              <a:prstGeom prst="rect">
+                <a:avLst/>
+              </a:prstGeom>
+              <a:solidFill>
+                <a:schemeClr val="bg1"/>
+              </a:solidFill>
+              <a:ln>
+                <a:noFill/>
+              </a:ln>
+            </p:spPr>
+            <p:style>
+              <a:lnRef idx="2">
+                <a:schemeClr val="accent1">
+                  <a:shade val="50000"/>
+                </a:schemeClr>
+              </a:lnRef>
+              <a:fillRef idx="1">
+                <a:schemeClr val="accent1"/>
+              </a:fillRef>
+              <a:effectRef idx="0">
+                <a:schemeClr val="accent1"/>
+              </a:effectRef>
+              <a:fontRef idx="minor">
+                <a:schemeClr val="lt1"/>
+              </a:fontRef>
+            </p:style>
+            <p:txBody>
+              <a:bodyPr rtlCol="0" anchor="ctr"/>
+              <a:lstStyle/>
+              <a:p>
+                <a:pPr algn="ctr"/>
+                <a14:m>
+                  <m:oMathPara xmlns:m="http://schemas.openxmlformats.org/officeDocument/2006/math">
+                    <m:oMathParaPr>
+                      <m:jc m:val="centerGroup"/>
+                    </m:oMathParaPr>
+                    <m:oMath xmlns:m="http://schemas.openxmlformats.org/officeDocument/2006/math">
+                      <m:r>
+                        <a:rPr lang="en-US" sz="2200" b="0" i="1" smtClean="0">
+                          <a:solidFill>
+                            <a:schemeClr val="tx1"/>
+                          </a:solidFill>
+                          <a:latin typeface="Cambria Math" panose="02040503050406030204" pitchFamily="18" charset="0"/>
+                        </a:rPr>
+                        <m:t>0;</m:t>
+                      </m:r>
+                    </m:oMath>
+                  </m:oMathPara>
+                </a14:m>
+                <a:endParaRPr lang="en-US" sz="2200" dirty="0">
+                  <a:solidFill>
+                    <a:schemeClr val="tx1"/>
+                  </a:solidFill>
+                </a:endParaRPr>
+              </a:p>
+            </p:txBody>
+          </p:sp>
+        </mc:Choice>
+        <mc:Fallback>
+          <p:sp>
+            <p:nvSpPr>
+              <p:cNvPr id="14" name="Rectangle 13">
+                <a:extLst>
+                  <a:ext uri="{FF2B5EF4-FFF2-40B4-BE49-F238E27FC236}">
+                    <a16:creationId xmlns:a16="http://schemas.microsoft.com/office/drawing/2014/main" id="{223FCA0A-CDF9-4287-A5B5-A336689D72BC}"/>
+                  </a:ext>
+                </a:extLst>
+              </p:cNvPr>
+              <p:cNvSpPr>
+                <a:spLocks noRot="1" noChangeAspect="1" noMove="1" noResize="1" noEditPoints="1" noAdjustHandles="1" noChangeArrowheads="1" noChangeShapeType="1" noTextEdit="1"/>
+              </p:cNvSpPr>
+              <p:nvPr/>
+            </p:nvSpPr>
+            <p:spPr>
+              <a:xfrm>
+                <a:off x="1392936" y="2895600"/>
+                <a:ext cx="512064" cy="304800"/>
+              </a:xfrm>
+              <a:prstGeom prst="rect">
+                <a:avLst/>
+              </a:prstGeom>
+              <a:blipFill>
+                <a:blip r:embed="rId3"/>
+                <a:stretch>
+                  <a:fillRect b="-22000"/>
+                </a:stretch>
+              </a:blipFill>
+              <a:ln>
+                <a:noFill/>
+              </a:ln>
+            </p:spPr>
+            <p:txBody>
+              <a:bodyPr/>
+              <a:lstStyle/>
+              <a:p>
+                <a:r>
+                  <a:rPr lang="en-US">
+                    <a:noFill/>
+                  </a:rPr>
+                  <a:t> </a:t>
+                </a:r>
+              </a:p>
+            </p:txBody>
+          </p:sp>
+        </mc:Fallback>
+      </mc:AlternateContent>
     </p:spTree>
     <p:extLst>
       <p:ext uri="{BB962C8B-B14F-4D97-AF65-F5344CB8AC3E}">
-        <p14:creationId xmlns:p14="http://schemas.microsoft.com/office/powerpoint/2010/main" val="1962741247"/>
+        <p14:creationId xmlns:p14="http://schemas.microsoft.com/office/powerpoint/2010/main" val="199214472"/>
       </p:ext>
     </p:extLst>
   </p:cSld>
@@ -29022,6 +29149,905 @@
 </file>
 
 <file path=ppt/slides/slide38.xml><?xml version="1.0" encoding="utf-8"?>
+<p:sld xmlns:a="http://schemas.openxmlformats.org/drawingml/2006/main" xmlns:r="http://schemas.openxmlformats.org/officeDocument/2006/relationships" xmlns:p="http://schemas.openxmlformats.org/presentationml/2006/main">
+  <p:cSld>
+    <p:spTree>
+      <p:nvGrpSpPr>
+        <p:cNvPr id="1" name=""/>
+        <p:cNvGrpSpPr/>
+        <p:nvPr/>
+      </p:nvGrpSpPr>
+      <p:grpSpPr>
+        <a:xfrm>
+          <a:off x="0" y="0"/>
+          <a:ext cx="0" cy="0"/>
+          <a:chOff x="0" y="0"/>
+          <a:chExt cx="0" cy="0"/>
+        </a:xfrm>
+      </p:grpSpPr>
+      <p:sp>
+        <p:nvSpPr>
+          <p:cNvPr id="2" name="Title 1">
+            <a:extLst>
+              <a:ext uri="{FF2B5EF4-FFF2-40B4-BE49-F238E27FC236}">
+                <a16:creationId xmlns:a16="http://schemas.microsoft.com/office/drawing/2014/main" id="{69D6A138-29B3-438E-A762-83F482F4B6D9}"/>
+              </a:ext>
+            </a:extLst>
+          </p:cNvPr>
+          <p:cNvSpPr>
+            <a:spLocks noGrp="1"/>
+          </p:cNvSpPr>
+          <p:nvPr>
+            <p:ph type="title"/>
+          </p:nvPr>
+        </p:nvSpPr>
+        <p:spPr/>
+        <p:txBody>
+          <a:bodyPr/>
+          <a:lstStyle/>
+          <a:p>
+            <a:r>
+              <a:rPr lang="en-US" dirty="0"/>
+              <a:t>A pseudo-code example</a:t>
+            </a:r>
+          </a:p>
+        </p:txBody>
+      </p:sp>
+      <p:pic>
+        <p:nvPicPr>
+          <p:cNvPr id="4" name="Picture 2">
+            <a:extLst>
+              <a:ext uri="{FF2B5EF4-FFF2-40B4-BE49-F238E27FC236}">
+                <a16:creationId xmlns:a16="http://schemas.microsoft.com/office/drawing/2014/main" id="{D1E8677B-B0DF-47F9-A178-FB7F4F6398FC}"/>
+              </a:ext>
+            </a:extLst>
+          </p:cNvPr>
+          <p:cNvPicPr>
+            <a:picLocks noGrp="1" noChangeAspect="1" noChangeArrowheads="1"/>
+          </p:cNvPicPr>
+          <p:nvPr>
+            <p:ph sz="quarter" idx="1"/>
+          </p:nvPr>
+        </p:nvPicPr>
+        <p:blipFill>
+          <a:blip r:embed="rId2">
+            <a:extLst>
+              <a:ext uri="{28A0092B-C50C-407E-A947-70E740481C1C}">
+                <a14:useLocalDpi xmlns:a14="http://schemas.microsoft.com/office/drawing/2010/main" val="0"/>
+              </a:ext>
+            </a:extLst>
+          </a:blip>
+          <a:srcRect/>
+          <a:stretch>
+            <a:fillRect/>
+          </a:stretch>
+        </p:blipFill>
+        <p:spPr bwMode="auto">
+          <a:xfrm>
+            <a:off x="228600" y="1828800"/>
+            <a:ext cx="3695700" cy="3867150"/>
+          </a:xfrm>
+          <a:prstGeom prst="rect">
+            <a:avLst/>
+          </a:prstGeom>
+          <a:ln w="38100" cap="sq">
+            <a:solidFill>
+              <a:srgbClr val="000000"/>
+            </a:solidFill>
+            <a:prstDash val="solid"/>
+            <a:miter lim="800000"/>
+          </a:ln>
+          <a:effectLst>
+            <a:outerShdw blurRad="50800" dist="38100" dir="2700000" algn="tl" rotWithShape="0">
+              <a:srgbClr val="000000">
+                <a:alpha val="43000"/>
+              </a:srgbClr>
+            </a:outerShdw>
+          </a:effectLst>
+          <a:extLst>
+            <a:ext uri="{909E8E84-426E-40DD-AFC4-6F175D3DCCD1}">
+              <a14:hiddenFill xmlns:a14="http://schemas.microsoft.com/office/drawing/2010/main">
+                <a:solidFill>
+                  <a:schemeClr val="accent1"/>
+                </a:solidFill>
+              </a14:hiddenFill>
+            </a:ext>
+          </a:extLst>
+        </p:spPr>
+      </p:pic>
+      <mc:AlternateContent xmlns:mc="http://schemas.openxmlformats.org/markup-compatibility/2006">
+        <mc:Choice xmlns:a14="http://schemas.microsoft.com/office/drawing/2010/main" Requires="a14">
+          <p:sp>
+            <p:nvSpPr>
+              <p:cNvPr id="3" name="TextBox 2">
+                <a:extLst>
+                  <a:ext uri="{FF2B5EF4-FFF2-40B4-BE49-F238E27FC236}">
+                    <a16:creationId xmlns:a16="http://schemas.microsoft.com/office/drawing/2014/main" id="{83E0E4B8-BDBA-4931-9F2B-68733FCBAE0C}"/>
+                  </a:ext>
+                </a:extLst>
+              </p:cNvPr>
+              <p:cNvSpPr txBox="1"/>
+              <p:nvPr/>
+            </p:nvSpPr>
+            <p:spPr>
+              <a:xfrm>
+                <a:off x="4038600" y="1752600"/>
+                <a:ext cx="4953000" cy="3941015"/>
+              </a:xfrm>
+              <a:prstGeom prst="rect">
+                <a:avLst/>
+              </a:prstGeom>
+              <a:noFill/>
+            </p:spPr>
+            <p:txBody>
+              <a:bodyPr wrap="square" rtlCol="0">
+                <a:spAutoFit/>
+              </a:bodyPr>
+              <a:lstStyle/>
+              <a:p>
+                <a:pPr marL="285750" indent="-285750">
+                  <a:buFont typeface="Arial" panose="020B0604020202020204" pitchFamily="34" charset="0"/>
+                  <a:buChar char="•"/>
+                </a:pPr>
+                <a:r>
+                  <a:rPr lang="en-US" dirty="0"/>
+                  <a:t>Each iteration of the </a:t>
+                </a:r>
+                <a:r>
+                  <a:rPr lang="en-US" b="1" dirty="0"/>
+                  <a:t>while</a:t>
+                </a:r>
+                <a:r>
+                  <a:rPr lang="en-US" dirty="0"/>
+                  <a:t> loop takes </a:t>
+                </a:r>
+                <a14:m>
+                  <m:oMath xmlns:m="http://schemas.openxmlformats.org/officeDocument/2006/math">
+                    <m:r>
+                      <a:rPr lang="en-US" b="0" i="1" smtClean="0">
+                        <a:latin typeface="Cambria Math" panose="02040503050406030204" pitchFamily="18" charset="0"/>
+                      </a:rPr>
+                      <m:t>𝑐</m:t>
+                    </m:r>
+                  </m:oMath>
+                </a14:m>
+                <a:r>
+                  <a:rPr lang="en-US" dirty="0"/>
+                  <a:t> time for some constant </a:t>
+                </a:r>
+                <a14:m>
+                  <m:oMath xmlns:m="http://schemas.openxmlformats.org/officeDocument/2006/math">
+                    <m:r>
+                      <a:rPr lang="en-US" i="1">
+                        <a:latin typeface="Cambria Math" panose="02040503050406030204" pitchFamily="18" charset="0"/>
+                      </a:rPr>
+                      <m:t>𝑐</m:t>
+                    </m:r>
+                  </m:oMath>
+                </a14:m>
+                <a:endParaRPr lang="en-US" dirty="0"/>
+              </a:p>
+              <a:p>
+                <a:pPr marL="285750" indent="-285750">
+                  <a:buFont typeface="Arial" panose="020B0604020202020204" pitchFamily="34" charset="0"/>
+                  <a:buChar char="•"/>
+                </a:pPr>
+                <a:r>
+                  <a:rPr lang="en-US" dirty="0"/>
+                  <a:t>In the k-</a:t>
+                </a:r>
+                <a:r>
+                  <a:rPr lang="en-US" dirty="0" err="1"/>
+                  <a:t>th</a:t>
+                </a:r>
+                <a:r>
+                  <a:rPr lang="en-US" dirty="0"/>
+                  <a:t> iteration of the </a:t>
+                </a:r>
+                <a:r>
+                  <a:rPr lang="en-US" b="1" dirty="0"/>
+                  <a:t>while</a:t>
+                </a:r>
+                <a:r>
+                  <a:rPr lang="en-US" dirty="0"/>
+                  <a:t> loop, the value of </a:t>
+                </a:r>
+                <a14:m>
+                  <m:oMath xmlns:m="http://schemas.openxmlformats.org/officeDocument/2006/math">
+                    <m:r>
+                      <a:rPr lang="en-US" b="0" i="1" smtClean="0">
+                        <a:latin typeface="Cambria Math" panose="02040503050406030204" pitchFamily="18" charset="0"/>
+                      </a:rPr>
+                      <m:t>𝑖</m:t>
+                    </m:r>
+                  </m:oMath>
+                </a14:m>
+                <a:r>
+                  <a:rPr lang="en-US" dirty="0"/>
+                  <a:t> is </a:t>
+                </a:r>
+                <a14:m>
+                  <m:oMath xmlns:m="http://schemas.openxmlformats.org/officeDocument/2006/math">
+                    <m:r>
+                      <a:rPr lang="en-US" b="0" i="1" smtClean="0">
+                        <a:latin typeface="Cambria Math" panose="02040503050406030204" pitchFamily="18" charset="0"/>
+                      </a:rPr>
+                      <m:t>𝑖</m:t>
+                    </m:r>
+                    <m:r>
+                      <a:rPr lang="en-US" b="0" i="1" smtClean="0">
+                        <a:latin typeface="Cambria Math" panose="02040503050406030204" pitchFamily="18" charset="0"/>
+                      </a:rPr>
+                      <m:t>=3(</m:t>
+                    </m:r>
+                    <m:r>
+                      <a:rPr lang="en-US" b="0" i="1" smtClean="0">
+                        <a:latin typeface="Cambria Math" panose="02040503050406030204" pitchFamily="18" charset="0"/>
+                      </a:rPr>
+                      <m:t>𝑘</m:t>
+                    </m:r>
+                    <m:r>
+                      <a:rPr lang="en-US" b="0" i="1" smtClean="0">
+                        <a:latin typeface="Cambria Math" panose="02040503050406030204" pitchFamily="18" charset="0"/>
+                      </a:rPr>
+                      <m:t>−1)</m:t>
+                    </m:r>
+                  </m:oMath>
+                </a14:m>
+                <a:r>
+                  <a:rPr lang="en-US" dirty="0"/>
+                  <a:t> </a:t>
+                </a:r>
+              </a:p>
+              <a:p>
+                <a:pPr marL="285750" indent="-285750">
+                  <a:buFont typeface="Arial" panose="020B0604020202020204" pitchFamily="34" charset="0"/>
+                  <a:buChar char="•"/>
+                </a:pPr>
+                <a:r>
+                  <a:rPr lang="en-US" dirty="0"/>
+                  <a:t>The </a:t>
+                </a:r>
+                <a:r>
+                  <a:rPr lang="en-US" b="1" dirty="0"/>
+                  <a:t>while</a:t>
+                </a:r>
+                <a:r>
+                  <a:rPr lang="en-US" dirty="0"/>
+                  <a:t> loop terminates when </a:t>
+                </a:r>
+                <a14:m>
+                  <m:oMath xmlns:m="http://schemas.openxmlformats.org/officeDocument/2006/math">
+                    <m:r>
+                      <a:rPr lang="en-US" b="0" i="1" smtClean="0">
+                        <a:latin typeface="Cambria Math" panose="02040503050406030204" pitchFamily="18" charset="0"/>
+                      </a:rPr>
+                      <m:t>𝑖</m:t>
+                    </m:r>
+                    <m:r>
+                      <a:rPr lang="en-US" b="0" i="1" smtClean="0">
+                        <a:latin typeface="Cambria Math" panose="02040503050406030204" pitchFamily="18" charset="0"/>
+                      </a:rPr>
+                      <m:t>&gt;</m:t>
+                    </m:r>
+                    <m:r>
+                      <a:rPr lang="en-US" b="0" i="1" smtClean="0">
+                        <a:latin typeface="Cambria Math" panose="02040503050406030204" pitchFamily="18" charset="0"/>
+                      </a:rPr>
+                      <m:t>𝑛</m:t>
+                    </m:r>
+                    <m:r>
+                      <a:rPr lang="en-US" b="0" i="1" smtClean="0">
+                        <a:latin typeface="Cambria Math" panose="02040503050406030204" pitchFamily="18" charset="0"/>
+                      </a:rPr>
+                      <m:t> </m:t>
+                    </m:r>
+                  </m:oMath>
+                </a14:m>
+                <a:r>
+                  <a:rPr lang="en-US" dirty="0"/>
+                  <a:t>, </a:t>
+                </a:r>
+              </a:p>
+              <a:p>
+                <a:r>
+                  <a:rPr lang="en-US" dirty="0"/>
+                  <a:t>      meaning that </a:t>
+                </a:r>
+                <a:endParaRPr lang="en-US" b="0" i="1" dirty="0">
+                  <a:latin typeface="Cambria Math" panose="02040503050406030204" pitchFamily="18" charset="0"/>
+                </a:endParaRPr>
+              </a:p>
+              <a:p>
+                <a14:m>
+                  <m:oMathPara xmlns:m="http://schemas.openxmlformats.org/officeDocument/2006/math">
+                    <m:oMathParaPr>
+                      <m:jc m:val="centerGroup"/>
+                    </m:oMathParaPr>
+                    <m:oMath xmlns:m="http://schemas.openxmlformats.org/officeDocument/2006/math">
+                      <m:r>
+                        <a:rPr lang="en-US" b="0" i="1" smtClean="0">
+                          <a:latin typeface="Cambria Math" panose="02040503050406030204" pitchFamily="18" charset="0"/>
+                        </a:rPr>
+                        <m:t>3</m:t>
+                      </m:r>
+                      <m:d>
+                        <m:dPr>
+                          <m:ctrlPr>
+                            <a:rPr lang="en-US" b="0" i="1" smtClean="0">
+                              <a:latin typeface="Cambria Math" panose="02040503050406030204" pitchFamily="18" charset="0"/>
+                            </a:rPr>
+                          </m:ctrlPr>
+                        </m:dPr>
+                        <m:e>
+                          <m:r>
+                            <a:rPr lang="en-US" b="0" i="1" smtClean="0">
+                              <a:latin typeface="Cambria Math" panose="02040503050406030204" pitchFamily="18" charset="0"/>
+                            </a:rPr>
+                            <m:t>𝑘</m:t>
+                          </m:r>
+                          <m:r>
+                            <a:rPr lang="en-US" b="0" i="1" smtClean="0">
+                              <a:latin typeface="Cambria Math" panose="02040503050406030204" pitchFamily="18" charset="0"/>
+                            </a:rPr>
+                            <m:t>−1</m:t>
+                          </m:r>
+                        </m:e>
+                      </m:d>
+                      <m:r>
+                        <a:rPr lang="en-US" b="0" i="1" smtClean="0">
+                          <a:latin typeface="Cambria Math" panose="02040503050406030204" pitchFamily="18" charset="0"/>
+                        </a:rPr>
+                        <m:t>&gt;</m:t>
+                      </m:r>
+                      <m:r>
+                        <a:rPr lang="en-US" b="0" i="1" smtClean="0">
+                          <a:latin typeface="Cambria Math" panose="02040503050406030204" pitchFamily="18" charset="0"/>
+                        </a:rPr>
+                        <m:t>𝑛</m:t>
+                      </m:r>
+                      <m:r>
+                        <a:rPr lang="en-US" b="0" i="1" smtClean="0">
+                          <a:latin typeface="Cambria Math" panose="02040503050406030204" pitchFamily="18" charset="0"/>
+                        </a:rPr>
+                        <m:t>⇒</m:t>
+                      </m:r>
+                      <m:r>
+                        <a:rPr lang="en-US" b="0" i="1" smtClean="0">
+                          <a:latin typeface="Cambria Math" panose="02040503050406030204" pitchFamily="18" charset="0"/>
+                        </a:rPr>
+                        <m:t>𝑘</m:t>
+                      </m:r>
+                      <m:r>
+                        <a:rPr lang="en-US" b="0" i="1" smtClean="0">
+                          <a:latin typeface="Cambria Math" panose="02040503050406030204" pitchFamily="18" charset="0"/>
+                        </a:rPr>
+                        <m:t>&gt;</m:t>
+                      </m:r>
+                      <m:f>
+                        <m:fPr>
+                          <m:ctrlPr>
+                            <a:rPr lang="en-US" b="0" i="1" smtClean="0">
+                              <a:latin typeface="Cambria Math" panose="02040503050406030204" pitchFamily="18" charset="0"/>
+                            </a:rPr>
+                          </m:ctrlPr>
+                        </m:fPr>
+                        <m:num>
+                          <m:r>
+                            <a:rPr lang="en-US" b="0" i="1" smtClean="0">
+                              <a:latin typeface="Cambria Math" panose="02040503050406030204" pitchFamily="18" charset="0"/>
+                            </a:rPr>
+                            <m:t>𝑛</m:t>
+                          </m:r>
+                        </m:num>
+                        <m:den>
+                          <m:r>
+                            <a:rPr lang="en-US" b="0" i="1" smtClean="0">
+                              <a:latin typeface="Cambria Math" panose="02040503050406030204" pitchFamily="18" charset="0"/>
+                            </a:rPr>
+                            <m:t>3</m:t>
+                          </m:r>
+                        </m:den>
+                      </m:f>
+                      <m:r>
+                        <a:rPr lang="en-US" b="0" i="1" smtClean="0">
+                          <a:latin typeface="Cambria Math" panose="02040503050406030204" pitchFamily="18" charset="0"/>
+                        </a:rPr>
+                        <m:t>+1</m:t>
+                      </m:r>
+                    </m:oMath>
+                  </m:oMathPara>
+                </a14:m>
+                <a:endParaRPr lang="en-US" dirty="0"/>
+              </a:p>
+              <a:p>
+                <a:pPr marL="285750" indent="-285750">
+                  <a:buFont typeface="Arial" panose="020B0604020202020204" pitchFamily="34" charset="0"/>
+                  <a:buChar char="•"/>
+                </a:pPr>
+                <a:r>
+                  <a:rPr lang="en-US" dirty="0"/>
+                  <a:t>Thus, the </a:t>
+                </a:r>
+                <a:r>
+                  <a:rPr lang="en-US" b="1" dirty="0"/>
+                  <a:t>while</a:t>
+                </a:r>
+                <a:r>
+                  <a:rPr lang="en-US" dirty="0"/>
+                  <a:t> loop runs </a:t>
+                </a:r>
+                <a14:m>
+                  <m:oMath xmlns:m="http://schemas.openxmlformats.org/officeDocument/2006/math">
+                    <m:f>
+                      <m:fPr>
+                        <m:ctrlPr>
+                          <a:rPr lang="en-US" b="0" i="1" smtClean="0">
+                            <a:latin typeface="Cambria Math" panose="02040503050406030204" pitchFamily="18" charset="0"/>
+                          </a:rPr>
+                        </m:ctrlPr>
+                      </m:fPr>
+                      <m:num>
+                        <m:r>
+                          <a:rPr lang="en-US" b="0" i="1" smtClean="0">
+                            <a:latin typeface="Cambria Math" panose="02040503050406030204" pitchFamily="18" charset="0"/>
+                          </a:rPr>
+                          <m:t>𝑛</m:t>
+                        </m:r>
+                      </m:num>
+                      <m:den>
+                        <m:r>
+                          <a:rPr lang="en-US" b="0" i="1" smtClean="0">
+                            <a:latin typeface="Cambria Math" panose="02040503050406030204" pitchFamily="18" charset="0"/>
+                          </a:rPr>
+                          <m:t>3</m:t>
+                        </m:r>
+                      </m:den>
+                    </m:f>
+                    <m:r>
+                      <a:rPr lang="en-US" b="0" i="1" smtClean="0">
+                        <a:latin typeface="Cambria Math" panose="02040503050406030204" pitchFamily="18" charset="0"/>
+                      </a:rPr>
+                      <m:t>+1</m:t>
+                    </m:r>
+                  </m:oMath>
+                </a14:m>
+                <a:r>
+                  <a:rPr lang="en-US" dirty="0"/>
+                  <a:t> iterations. </a:t>
+                </a:r>
+              </a:p>
+              <a:p>
+                <a:pPr marL="285750" indent="-285750">
+                  <a:buFont typeface="Arial" panose="020B0604020202020204" pitchFamily="34" charset="0"/>
+                  <a:buChar char="•"/>
+                </a:pPr>
+                <a:r>
+                  <a:rPr lang="en-US" dirty="0"/>
+                  <a:t> Hence the total time complexity of the while loop is #iterations </a:t>
+                </a:r>
+                <a14:m>
+                  <m:oMath xmlns:m="http://schemas.openxmlformats.org/officeDocument/2006/math">
+                    <m:r>
+                      <a:rPr lang="en-US" b="0" i="1" smtClean="0">
+                        <a:latin typeface="Cambria Math" panose="02040503050406030204" pitchFamily="18" charset="0"/>
+                      </a:rPr>
+                      <m:t>×</m:t>
+                    </m:r>
+                    <m:r>
+                      <a:rPr lang="en-US" b="0" i="1" smtClean="0">
+                        <a:latin typeface="Cambria Math" panose="02040503050406030204" pitchFamily="18" charset="0"/>
+                      </a:rPr>
+                      <m:t>𝑐</m:t>
+                    </m:r>
+                  </m:oMath>
+                </a14:m>
+                <a:r>
+                  <a:rPr lang="en-US" dirty="0"/>
+                  <a:t>. The time complexity of the algorithm is </a:t>
+                </a:r>
+              </a:p>
+              <a:p>
+                <a14:m>
+                  <m:oMathPara xmlns:m="http://schemas.openxmlformats.org/officeDocument/2006/math">
+                    <m:oMathParaPr>
+                      <m:jc m:val="centerGroup"/>
+                    </m:oMathParaPr>
+                    <m:oMath xmlns:m="http://schemas.openxmlformats.org/officeDocument/2006/math">
+                      <m:r>
+                        <a:rPr lang="en-US" b="0" i="1" smtClean="0">
+                          <a:latin typeface="Cambria Math" panose="02040503050406030204" pitchFamily="18" charset="0"/>
+                        </a:rPr>
+                        <m:t>𝑇</m:t>
+                      </m:r>
+                      <m:d>
+                        <m:dPr>
+                          <m:ctrlPr>
+                            <a:rPr lang="en-US" b="0" i="1" smtClean="0">
+                              <a:latin typeface="Cambria Math" panose="02040503050406030204" pitchFamily="18" charset="0"/>
+                            </a:rPr>
+                          </m:ctrlPr>
+                        </m:dPr>
+                        <m:e>
+                          <m:r>
+                            <a:rPr lang="en-US" b="0" i="1" smtClean="0">
+                              <a:latin typeface="Cambria Math" panose="02040503050406030204" pitchFamily="18" charset="0"/>
+                            </a:rPr>
+                            <m:t>𝑛</m:t>
+                          </m:r>
+                        </m:e>
+                      </m:d>
+                      <m:r>
+                        <a:rPr lang="en-US" b="0" i="1" smtClean="0">
+                          <a:latin typeface="Cambria Math" panose="02040503050406030204" pitchFamily="18" charset="0"/>
+                        </a:rPr>
+                        <m:t>=</m:t>
+                      </m:r>
+                      <m:r>
+                        <a:rPr lang="en-US" b="0" i="1" smtClean="0">
+                          <a:latin typeface="Cambria Math" panose="02040503050406030204" pitchFamily="18" charset="0"/>
+                        </a:rPr>
+                        <m:t>𝑐</m:t>
+                      </m:r>
+                      <m:d>
+                        <m:dPr>
+                          <m:ctrlPr>
+                            <a:rPr lang="en-US" b="0" i="1" smtClean="0">
+                              <a:latin typeface="Cambria Math" panose="02040503050406030204" pitchFamily="18" charset="0"/>
+                            </a:rPr>
+                          </m:ctrlPr>
+                        </m:dPr>
+                        <m:e>
+                          <m:f>
+                            <m:fPr>
+                              <m:ctrlPr>
+                                <a:rPr lang="en-US" b="0" i="1" smtClean="0">
+                                  <a:latin typeface="Cambria Math" panose="02040503050406030204" pitchFamily="18" charset="0"/>
+                                </a:rPr>
+                              </m:ctrlPr>
+                            </m:fPr>
+                            <m:num>
+                              <m:r>
+                                <a:rPr lang="en-US" b="0" i="1" smtClean="0">
+                                  <a:latin typeface="Cambria Math" panose="02040503050406030204" pitchFamily="18" charset="0"/>
+                                </a:rPr>
+                                <m:t>𝑛</m:t>
+                              </m:r>
+                            </m:num>
+                            <m:den>
+                              <m:r>
+                                <a:rPr lang="en-US" b="0" i="1" smtClean="0">
+                                  <a:latin typeface="Cambria Math" panose="02040503050406030204" pitchFamily="18" charset="0"/>
+                                </a:rPr>
+                                <m:t>3</m:t>
+                              </m:r>
+                            </m:den>
+                          </m:f>
+                          <m:r>
+                            <a:rPr lang="en-US" b="0" i="1" smtClean="0">
+                              <a:latin typeface="Cambria Math" panose="02040503050406030204" pitchFamily="18" charset="0"/>
+                            </a:rPr>
+                            <m:t>+1</m:t>
+                          </m:r>
+                        </m:e>
+                      </m:d>
+                      <m:r>
+                        <a:rPr lang="en-US" b="0" i="1" smtClean="0">
+                          <a:latin typeface="Cambria Math" panose="02040503050406030204" pitchFamily="18" charset="0"/>
+                        </a:rPr>
+                        <m:t>+</m:t>
+                      </m:r>
+                      <m:r>
+                        <m:rPr>
+                          <m:sty m:val="p"/>
+                        </m:rPr>
+                        <a:rPr lang="en-US" b="0" i="0" smtClean="0">
+                          <a:latin typeface="Cambria Math" panose="02040503050406030204" pitchFamily="18" charset="0"/>
+                        </a:rPr>
+                        <m:t>Θ</m:t>
+                      </m:r>
+                      <m:r>
+                        <a:rPr lang="en-US" b="0" i="1" smtClean="0">
+                          <a:latin typeface="Cambria Math" panose="02040503050406030204" pitchFamily="18" charset="0"/>
+                        </a:rPr>
+                        <m:t>(1)=</m:t>
+                      </m:r>
+                      <m:r>
+                        <m:rPr>
+                          <m:sty m:val="p"/>
+                        </m:rPr>
+                        <a:rPr lang="en-US" b="0" i="0" smtClean="0">
+                          <a:latin typeface="Cambria Math" panose="02040503050406030204" pitchFamily="18" charset="0"/>
+                        </a:rPr>
+                        <m:t>Θ</m:t>
+                      </m:r>
+                      <m:d>
+                        <m:dPr>
+                          <m:ctrlPr>
+                            <a:rPr lang="en-US" b="0" i="1" smtClean="0">
+                              <a:latin typeface="Cambria Math" panose="02040503050406030204" pitchFamily="18" charset="0"/>
+                            </a:rPr>
+                          </m:ctrlPr>
+                        </m:dPr>
+                        <m:e>
+                          <m:r>
+                            <a:rPr lang="en-US" b="0" i="1" smtClean="0">
+                              <a:latin typeface="Cambria Math" panose="02040503050406030204" pitchFamily="18" charset="0"/>
+                            </a:rPr>
+                            <m:t>𝑛</m:t>
+                          </m:r>
+                        </m:e>
+                      </m:d>
+                    </m:oMath>
+                  </m:oMathPara>
+                </a14:m>
+                <a:endParaRPr lang="en-US" dirty="0"/>
+              </a:p>
+            </p:txBody>
+          </p:sp>
+        </mc:Choice>
+        <mc:Fallback>
+          <p:sp>
+            <p:nvSpPr>
+              <p:cNvPr id="3" name="TextBox 2">
+                <a:extLst>
+                  <a:ext uri="{FF2B5EF4-FFF2-40B4-BE49-F238E27FC236}">
+                    <a16:creationId xmlns:a16="http://schemas.microsoft.com/office/drawing/2014/main" id="{83E0E4B8-BDBA-4931-9F2B-68733FCBAE0C}"/>
+                  </a:ext>
+                </a:extLst>
+              </p:cNvPr>
+              <p:cNvSpPr txBox="1">
+                <a:spLocks noRot="1" noChangeAspect="1" noMove="1" noResize="1" noEditPoints="1" noAdjustHandles="1" noChangeArrowheads="1" noChangeShapeType="1" noTextEdit="1"/>
+              </p:cNvSpPr>
+              <p:nvPr/>
+            </p:nvSpPr>
+            <p:spPr>
+              <a:xfrm>
+                <a:off x="4038600" y="1752600"/>
+                <a:ext cx="4953000" cy="3941015"/>
+              </a:xfrm>
+              <a:prstGeom prst="rect">
+                <a:avLst/>
+              </a:prstGeom>
+              <a:blipFill>
+                <a:blip r:embed="rId3"/>
+                <a:stretch>
+                  <a:fillRect l="-862" t="-929" r="-1847"/>
+                </a:stretch>
+              </a:blipFill>
+            </p:spPr>
+            <p:txBody>
+              <a:bodyPr/>
+              <a:lstStyle/>
+              <a:p>
+                <a:r>
+                  <a:rPr lang="en-US">
+                    <a:noFill/>
+                  </a:rPr>
+                  <a:t> </a:t>
+                </a:r>
+              </a:p>
+            </p:txBody>
+          </p:sp>
+        </mc:Fallback>
+      </mc:AlternateContent>
+      <mc:AlternateContent xmlns:mc="http://schemas.openxmlformats.org/markup-compatibility/2006">
+        <mc:Choice xmlns:a14="http://schemas.microsoft.com/office/drawing/2010/main" Requires="a14">
+          <p:sp>
+            <p:nvSpPr>
+              <p:cNvPr id="14" name="Rectangle 13">
+                <a:extLst>
+                  <a:ext uri="{FF2B5EF4-FFF2-40B4-BE49-F238E27FC236}">
+                    <a16:creationId xmlns:a16="http://schemas.microsoft.com/office/drawing/2014/main" id="{B3AD732B-F3DF-42D3-BD5A-8E171C9D5508}"/>
+                  </a:ext>
+                </a:extLst>
+              </p:cNvPr>
+              <p:cNvSpPr/>
+              <p:nvPr/>
+            </p:nvSpPr>
+            <p:spPr>
+              <a:xfrm>
+                <a:off x="1164336" y="2895600"/>
+                <a:ext cx="512064" cy="304800"/>
+              </a:xfrm>
+              <a:prstGeom prst="rect">
+                <a:avLst/>
+              </a:prstGeom>
+              <a:solidFill>
+                <a:schemeClr val="bg1"/>
+              </a:solidFill>
+              <a:ln>
+                <a:noFill/>
+              </a:ln>
+            </p:spPr>
+            <p:style>
+              <a:lnRef idx="2">
+                <a:schemeClr val="accent1">
+                  <a:shade val="50000"/>
+                </a:schemeClr>
+              </a:lnRef>
+              <a:fillRef idx="1">
+                <a:schemeClr val="accent1"/>
+              </a:fillRef>
+              <a:effectRef idx="0">
+                <a:schemeClr val="accent1"/>
+              </a:effectRef>
+              <a:fontRef idx="minor">
+                <a:schemeClr val="lt1"/>
+              </a:fontRef>
+            </p:style>
+            <p:txBody>
+              <a:bodyPr rtlCol="0" anchor="ctr"/>
+              <a:lstStyle/>
+              <a:p>
+                <a:pPr algn="ctr"/>
+                <a14:m>
+                  <m:oMathPara xmlns:m="http://schemas.openxmlformats.org/officeDocument/2006/math">
+                    <m:oMathParaPr>
+                      <m:jc m:val="centerGroup"/>
+                    </m:oMathParaPr>
+                    <m:oMath xmlns:m="http://schemas.openxmlformats.org/officeDocument/2006/math">
+                      <m:r>
+                        <a:rPr lang="en-US" sz="2200" b="0" i="1" smtClean="0">
+                          <a:solidFill>
+                            <a:schemeClr val="tx1"/>
+                          </a:solidFill>
+                          <a:latin typeface="Cambria Math" panose="02040503050406030204" pitchFamily="18" charset="0"/>
+                        </a:rPr>
+                        <m:t>0;</m:t>
+                      </m:r>
+                    </m:oMath>
+                  </m:oMathPara>
+                </a14:m>
+                <a:endParaRPr lang="en-US" sz="2200" dirty="0">
+                  <a:solidFill>
+                    <a:schemeClr val="tx1"/>
+                  </a:solidFill>
+                </a:endParaRPr>
+              </a:p>
+            </p:txBody>
+          </p:sp>
+        </mc:Choice>
+        <mc:Fallback>
+          <p:sp>
+            <p:nvSpPr>
+              <p:cNvPr id="14" name="Rectangle 13">
+                <a:extLst>
+                  <a:ext uri="{FF2B5EF4-FFF2-40B4-BE49-F238E27FC236}">
+                    <a16:creationId xmlns:a16="http://schemas.microsoft.com/office/drawing/2014/main" id="{B3AD732B-F3DF-42D3-BD5A-8E171C9D5508}"/>
+                  </a:ext>
+                </a:extLst>
+              </p:cNvPr>
+              <p:cNvSpPr>
+                <a:spLocks noRot="1" noChangeAspect="1" noMove="1" noResize="1" noEditPoints="1" noAdjustHandles="1" noChangeArrowheads="1" noChangeShapeType="1" noTextEdit="1"/>
+              </p:cNvSpPr>
+              <p:nvPr/>
+            </p:nvSpPr>
+            <p:spPr>
+              <a:xfrm>
+                <a:off x="1164336" y="2895600"/>
+                <a:ext cx="512064" cy="304800"/>
+              </a:xfrm>
+              <a:prstGeom prst="rect">
+                <a:avLst/>
+              </a:prstGeom>
+              <a:blipFill>
+                <a:blip r:embed="rId4"/>
+                <a:stretch>
+                  <a:fillRect b="-22000"/>
+                </a:stretch>
+              </a:blipFill>
+              <a:ln>
+                <a:noFill/>
+              </a:ln>
+            </p:spPr>
+            <p:txBody>
+              <a:bodyPr/>
+              <a:lstStyle/>
+              <a:p>
+                <a:r>
+                  <a:rPr lang="en-US">
+                    <a:noFill/>
+                  </a:rPr>
+                  <a:t> </a:t>
+                </a:r>
+              </a:p>
+            </p:txBody>
+          </p:sp>
+        </mc:Fallback>
+      </mc:AlternateContent>
+    </p:spTree>
+    <p:extLst>
+      <p:ext uri="{BB962C8B-B14F-4D97-AF65-F5344CB8AC3E}">
+        <p14:creationId xmlns:p14="http://schemas.microsoft.com/office/powerpoint/2010/main" val="3462133559"/>
+      </p:ext>
+    </p:extLst>
+  </p:cSld>
+  <p:clrMapOvr>
+    <a:masterClrMapping/>
+  </p:clrMapOvr>
+  <p:timing>
+    <p:tnLst>
+      <p:par>
+        <p:cTn id="1" dur="indefinite" restart="never" nodeType="tmRoot">
+          <p:childTnLst>
+            <p:seq concurrent="1" nextAc="seek">
+              <p:cTn id="2" dur="indefinite" nodeType="mainSeq">
+                <p:childTnLst>
+                  <p:par>
+                    <p:cTn id="3" fill="hold">
+                      <p:stCondLst>
+                        <p:cond delay="indefinite"/>
+                      </p:stCondLst>
+                      <p:childTnLst>
+                        <p:par>
+                          <p:cTn id="4" fill="hold">
+                            <p:stCondLst>
+                              <p:cond delay="0"/>
+                            </p:stCondLst>
+                            <p:childTnLst>
+                              <p:par>
+                                <p:cTn id="5" presetID="1" presetClass="entr" presetSubtype="0" fill="hold" grpId="0" nodeType="clickEffect">
+                                  <p:stCondLst>
+                                    <p:cond delay="0"/>
+                                  </p:stCondLst>
+                                  <p:childTnLst>
+                                    <p:set>
+                                      <p:cBhvr>
+                                        <p:cTn id="6" dur="1" fill="hold">
+                                          <p:stCondLst>
+                                            <p:cond delay="0"/>
+                                          </p:stCondLst>
+                                        </p:cTn>
+                                        <p:tgtEl>
+                                          <p:spTgt spid="3"/>
+                                        </p:tgtEl>
+                                        <p:attrNameLst>
+                                          <p:attrName>style.visibility</p:attrName>
+                                        </p:attrNameLst>
+                                      </p:cBhvr>
+                                      <p:to>
+                                        <p:strVal val="visible"/>
+                                      </p:to>
+                                    </p:set>
+                                  </p:childTnLst>
+                                </p:cTn>
+                              </p:par>
+                            </p:childTnLst>
+                          </p:cTn>
+                        </p:par>
+                      </p:childTnLst>
+                    </p:cTn>
+                  </p:par>
+                </p:childTnLst>
+              </p:cTn>
+              <p:prevCondLst>
+                <p:cond evt="onPrev" delay="0">
+                  <p:tgtEl>
+                    <p:sldTgt/>
+                  </p:tgtEl>
+                </p:cond>
+              </p:prevCondLst>
+              <p:nextCondLst>
+                <p:cond evt="onNext" delay="0">
+                  <p:tgtEl>
+                    <p:sldTgt/>
+                  </p:tgtEl>
+                </p:cond>
+              </p:nextCondLst>
+            </p:seq>
+          </p:childTnLst>
+        </p:cTn>
+      </p:par>
+    </p:tnLst>
+    <p:bldLst>
+      <p:bldP spid="3" grpId="0"/>
+    </p:bldLst>
+  </p:timing>
+</p:sld>
+</file>
+
+<file path=ppt/slides/slide39.xml><?xml version="1.0" encoding="utf-8"?>
 <p:sld xmlns:a="http://schemas.openxmlformats.org/drawingml/2006/main" xmlns:r="http://schemas.openxmlformats.org/officeDocument/2006/relationships" xmlns:p="http://schemas.openxmlformats.org/presentationml/2006/main">
   <p:cSld>
     <p:spTree>
@@ -29471,130 +30497,144 @@
           </p:sp>
         </mc:Fallback>
       </mc:AlternateContent>
+      <mc:AlternateContent xmlns:mc="http://schemas.openxmlformats.org/markup-compatibility/2006">
+        <mc:Choice xmlns:a14="http://schemas.microsoft.com/office/drawing/2010/main" Requires="a14">
+          <p:sp>
+            <p:nvSpPr>
+              <p:cNvPr id="14" name="Rectangle 13">
+                <a:extLst>
+                  <a:ext uri="{FF2B5EF4-FFF2-40B4-BE49-F238E27FC236}">
+                    <a16:creationId xmlns:a16="http://schemas.microsoft.com/office/drawing/2014/main" id="{223FCA0A-CDF9-4287-A5B5-A336689D72BC}"/>
+                  </a:ext>
+                </a:extLst>
+              </p:cNvPr>
+              <p:cNvSpPr/>
+              <p:nvPr/>
+            </p:nvSpPr>
+            <p:spPr>
+              <a:xfrm>
+                <a:off x="1392936" y="2895600"/>
+                <a:ext cx="512064" cy="304800"/>
+              </a:xfrm>
+              <a:prstGeom prst="rect">
+                <a:avLst/>
+              </a:prstGeom>
+              <a:solidFill>
+                <a:schemeClr val="bg1"/>
+              </a:solidFill>
+              <a:ln>
+                <a:noFill/>
+              </a:ln>
+            </p:spPr>
+            <p:style>
+              <a:lnRef idx="2">
+                <a:schemeClr val="accent1">
+                  <a:shade val="50000"/>
+                </a:schemeClr>
+              </a:lnRef>
+              <a:fillRef idx="1">
+                <a:schemeClr val="accent1"/>
+              </a:fillRef>
+              <a:effectRef idx="0">
+                <a:schemeClr val="accent1"/>
+              </a:effectRef>
+              <a:fontRef idx="minor">
+                <a:schemeClr val="lt1"/>
+              </a:fontRef>
+            </p:style>
+            <p:txBody>
+              <a:bodyPr rtlCol="0" anchor="ctr"/>
+              <a:lstStyle/>
+              <a:p>
+                <a:pPr algn="ctr"/>
+                <a14:m>
+                  <m:oMathPara xmlns:m="http://schemas.openxmlformats.org/officeDocument/2006/math">
+                    <m:oMathParaPr>
+                      <m:jc m:val="centerGroup"/>
+                    </m:oMathParaPr>
+                    <m:oMath xmlns:m="http://schemas.openxmlformats.org/officeDocument/2006/math">
+                      <m:r>
+                        <a:rPr lang="en-US" sz="2200" b="0" i="1" smtClean="0">
+                          <a:solidFill>
+                            <a:schemeClr val="tx1"/>
+                          </a:solidFill>
+                          <a:latin typeface="Cambria Math" panose="02040503050406030204" pitchFamily="18" charset="0"/>
+                        </a:rPr>
+                        <m:t>1</m:t>
+                      </m:r>
+                      <m:r>
+                        <a:rPr lang="en-US" sz="2200" b="0" i="1" smtClean="0">
+                          <a:solidFill>
+                            <a:schemeClr val="tx1"/>
+                          </a:solidFill>
+                          <a:latin typeface="Cambria Math" panose="02040503050406030204" pitchFamily="18" charset="0"/>
+                        </a:rPr>
+                        <m:t>;</m:t>
+                      </m:r>
+                    </m:oMath>
+                  </m:oMathPara>
+                </a14:m>
+                <a:endParaRPr lang="en-US" sz="2200" dirty="0">
+                  <a:solidFill>
+                    <a:schemeClr val="tx1"/>
+                  </a:solidFill>
+                </a:endParaRPr>
+              </a:p>
+            </p:txBody>
+          </p:sp>
+        </mc:Choice>
+        <mc:Fallback>
+          <p:sp>
+            <p:nvSpPr>
+              <p:cNvPr id="14" name="Rectangle 13">
+                <a:extLst>
+                  <a:ext uri="{FF2B5EF4-FFF2-40B4-BE49-F238E27FC236}">
+                    <a16:creationId xmlns:a16="http://schemas.microsoft.com/office/drawing/2014/main" id="{223FCA0A-CDF9-4287-A5B5-A336689D72BC}"/>
+                  </a:ext>
+                </a:extLst>
+              </p:cNvPr>
+              <p:cNvSpPr>
+                <a:spLocks noRot="1" noChangeAspect="1" noMove="1" noResize="1" noEditPoints="1" noAdjustHandles="1" noChangeArrowheads="1" noChangeShapeType="1" noTextEdit="1"/>
+              </p:cNvSpPr>
+              <p:nvPr/>
+            </p:nvSpPr>
+            <p:spPr>
+              <a:xfrm>
+                <a:off x="1392936" y="2895600"/>
+                <a:ext cx="512064" cy="304800"/>
+              </a:xfrm>
+              <a:prstGeom prst="rect">
+                <a:avLst/>
+              </a:prstGeom>
+              <a:blipFill>
+                <a:blip r:embed="rId4"/>
+                <a:stretch>
+                  <a:fillRect b="-22000"/>
+                </a:stretch>
+              </a:blipFill>
+              <a:ln>
+                <a:noFill/>
+              </a:ln>
+            </p:spPr>
+            <p:txBody>
+              <a:bodyPr/>
+              <a:lstStyle/>
+              <a:p>
+                <a:r>
+                  <a:rPr lang="en-US">
+                    <a:noFill/>
+                  </a:rPr>
+                  <a:t> </a:t>
+                </a:r>
+              </a:p>
+            </p:txBody>
+          </p:sp>
+        </mc:Fallback>
+      </mc:AlternateContent>
     </p:spTree>
     <p:extLst>
       <p:ext uri="{BB962C8B-B14F-4D97-AF65-F5344CB8AC3E}">
-        <p14:creationId xmlns:p14="http://schemas.microsoft.com/office/powerpoint/2010/main" val="199214472"/>
-      </p:ext>
-    </p:extLst>
-  </p:cSld>
-  <p:clrMapOvr>
-    <a:masterClrMapping/>
-  </p:clrMapOvr>
-</p:sld>
-</file>
-
-<file path=ppt/slides/slide39.xml><?xml version="1.0" encoding="utf-8"?>
-<p:sld xmlns:a="http://schemas.openxmlformats.org/drawingml/2006/main" xmlns:r="http://schemas.openxmlformats.org/officeDocument/2006/relationships" xmlns:p="http://schemas.openxmlformats.org/presentationml/2006/main">
-  <p:cSld>
-    <p:spTree>
-      <p:nvGrpSpPr>
-        <p:cNvPr id="1" name=""/>
-        <p:cNvGrpSpPr/>
-        <p:nvPr/>
-      </p:nvGrpSpPr>
-      <p:grpSpPr>
-        <a:xfrm>
-          <a:off x="0" y="0"/>
-          <a:ext cx="0" cy="0"/>
-          <a:chOff x="0" y="0"/>
-          <a:chExt cx="0" cy="0"/>
-        </a:xfrm>
-      </p:grpSpPr>
-      <p:sp>
-        <p:nvSpPr>
-          <p:cNvPr id="2" name="Title 1">
-            <a:extLst>
-              <a:ext uri="{FF2B5EF4-FFF2-40B4-BE49-F238E27FC236}">
-                <a16:creationId xmlns:a16="http://schemas.microsoft.com/office/drawing/2014/main" id="{69D6A138-29B3-438E-A762-83F482F4B6D9}"/>
-              </a:ext>
-            </a:extLst>
-          </p:cNvPr>
-          <p:cNvSpPr>
-            <a:spLocks noGrp="1"/>
-          </p:cNvSpPr>
-          <p:nvPr>
-            <p:ph type="title"/>
-          </p:nvPr>
-        </p:nvSpPr>
-        <p:spPr/>
-        <p:txBody>
-          <a:bodyPr/>
-          <a:lstStyle/>
-          <a:p>
-            <a:r>
-              <a:rPr lang="en-US" dirty="0"/>
-              <a:t>A third example</a:t>
-            </a:r>
-          </a:p>
-        </p:txBody>
-      </p:sp>
-      <p:pic>
-        <p:nvPicPr>
-          <p:cNvPr id="14" name="Picture 2">
-            <a:extLst>
-              <a:ext uri="{FF2B5EF4-FFF2-40B4-BE49-F238E27FC236}">
-                <a16:creationId xmlns:a16="http://schemas.microsoft.com/office/drawing/2014/main" id="{41B97E90-0034-41D8-BE95-B2B5AF2224B8}"/>
-              </a:ext>
-            </a:extLst>
-          </p:cNvPr>
-          <p:cNvPicPr>
-            <a:picLocks noGrp="1" noChangeAspect="1" noChangeArrowheads="1"/>
-          </p:cNvPicPr>
-          <p:nvPr>
-            <p:ph sz="quarter" idx="1"/>
-          </p:nvPr>
-        </p:nvPicPr>
-        <p:blipFill>
-          <a:blip r:embed="rId2">
-            <a:extLst>
-              <a:ext uri="{28A0092B-C50C-407E-A947-70E740481C1C}">
-                <a14:useLocalDpi xmlns:a14="http://schemas.microsoft.com/office/drawing/2010/main" val="0"/>
-              </a:ext>
-            </a:extLst>
-          </a:blip>
-          <a:srcRect/>
-          <a:stretch>
-            <a:fillRect/>
-          </a:stretch>
-        </p:blipFill>
-        <p:spPr bwMode="auto">
-          <a:xfrm>
-            <a:off x="244860" y="1447800"/>
-            <a:ext cx="4067175" cy="4533900"/>
-          </a:xfrm>
-          <a:prstGeom prst="rect">
-            <a:avLst/>
-          </a:prstGeom>
-          <a:ln w="38100" cap="sq">
-            <a:solidFill>
-              <a:srgbClr val="000000"/>
-            </a:solidFill>
-            <a:prstDash val="solid"/>
-            <a:miter lim="800000"/>
-          </a:ln>
-          <a:effectLst>
-            <a:outerShdw blurRad="50800" dist="38100" dir="2700000" algn="tl" rotWithShape="0">
-              <a:srgbClr val="000000">
-                <a:alpha val="43000"/>
-              </a:srgbClr>
-            </a:outerShdw>
-          </a:effectLst>
-          <a:extLst>
-            <a:ext uri="{909E8E84-426E-40DD-AFC4-6F175D3DCCD1}">
-              <a14:hiddenFill xmlns:a14="http://schemas.microsoft.com/office/drawing/2010/main">
-                <a:solidFill>
-                  <a:schemeClr val="accent1"/>
-                </a:solidFill>
-              </a14:hiddenFill>
-            </a:ext>
-          </a:extLst>
-        </p:spPr>
-      </p:pic>
-    </p:spTree>
-    <p:extLst>
-      <p:ext uri="{BB962C8B-B14F-4D97-AF65-F5344CB8AC3E}">
-        <p14:creationId xmlns:p14="http://schemas.microsoft.com/office/powerpoint/2010/main" val="1919154978"/>
+        <p14:creationId xmlns:p14="http://schemas.microsoft.com/office/powerpoint/2010/main" val="1083730917"/>
       </p:ext>
     </p:extLst>
   </p:cSld>
@@ -30065,6 +31105,1130 @@
           <a:p>
             <a:r>
               <a:rPr lang="en-US" dirty="0"/>
+              <a:t>A second example</a:t>
+            </a:r>
+          </a:p>
+        </p:txBody>
+      </p:sp>
+      <p:pic>
+        <p:nvPicPr>
+          <p:cNvPr id="4" name="Picture 2">
+            <a:extLst>
+              <a:ext uri="{FF2B5EF4-FFF2-40B4-BE49-F238E27FC236}">
+                <a16:creationId xmlns:a16="http://schemas.microsoft.com/office/drawing/2014/main" id="{D1E8677B-B0DF-47F9-A178-FB7F4F6398FC}"/>
+              </a:ext>
+            </a:extLst>
+          </p:cNvPr>
+          <p:cNvPicPr>
+            <a:picLocks noGrp="1" noChangeAspect="1" noChangeArrowheads="1"/>
+          </p:cNvPicPr>
+          <p:nvPr>
+            <p:ph sz="quarter" idx="1"/>
+          </p:nvPr>
+        </p:nvPicPr>
+        <p:blipFill>
+          <a:blip r:embed="rId2">
+            <a:extLst>
+              <a:ext uri="{28A0092B-C50C-407E-A947-70E740481C1C}">
+                <a14:useLocalDpi xmlns:a14="http://schemas.microsoft.com/office/drawing/2010/main" val="0"/>
+              </a:ext>
+            </a:extLst>
+          </a:blip>
+          <a:srcRect/>
+          <a:stretch>
+            <a:fillRect/>
+          </a:stretch>
+        </p:blipFill>
+        <p:spPr bwMode="auto">
+          <a:xfrm>
+            <a:off x="152400" y="1828800"/>
+            <a:ext cx="3695700" cy="3867150"/>
+          </a:xfrm>
+          <a:prstGeom prst="rect">
+            <a:avLst/>
+          </a:prstGeom>
+          <a:ln w="38100" cap="sq">
+            <a:solidFill>
+              <a:srgbClr val="000000"/>
+            </a:solidFill>
+            <a:prstDash val="solid"/>
+            <a:miter lim="800000"/>
+          </a:ln>
+          <a:effectLst>
+            <a:outerShdw blurRad="50800" dist="38100" dir="2700000" algn="tl" rotWithShape="0">
+              <a:srgbClr val="000000">
+                <a:alpha val="43000"/>
+              </a:srgbClr>
+            </a:outerShdw>
+          </a:effectLst>
+          <a:extLst>
+            <a:ext uri="{909E8E84-426E-40DD-AFC4-6F175D3DCCD1}">
+              <a14:hiddenFill xmlns:a14="http://schemas.microsoft.com/office/drawing/2010/main">
+                <a:solidFill>
+                  <a:schemeClr val="accent1"/>
+                </a:solidFill>
+              </a14:hiddenFill>
+            </a:ext>
+          </a:extLst>
+        </p:spPr>
+      </p:pic>
+      <mc:AlternateContent xmlns:mc="http://schemas.openxmlformats.org/markup-compatibility/2006">
+        <mc:Choice xmlns:a14="http://schemas.microsoft.com/office/drawing/2010/main" Requires="a14">
+          <p:sp>
+            <p:nvSpPr>
+              <p:cNvPr id="3" name="Rectangle 2">
+                <a:extLst>
+                  <a:ext uri="{FF2B5EF4-FFF2-40B4-BE49-F238E27FC236}">
+                    <a16:creationId xmlns:a16="http://schemas.microsoft.com/office/drawing/2014/main" id="{E9E7B8BB-B0CC-4179-88DC-086F5C18E5CD}"/>
+                  </a:ext>
+                </a:extLst>
+              </p:cNvPr>
+              <p:cNvSpPr/>
+              <p:nvPr/>
+            </p:nvSpPr>
+            <p:spPr>
+              <a:xfrm>
+                <a:off x="1676400" y="4191000"/>
+                <a:ext cx="283464" cy="304800"/>
+              </a:xfrm>
+              <a:prstGeom prst="rect">
+                <a:avLst/>
+              </a:prstGeom>
+              <a:solidFill>
+                <a:schemeClr val="bg1"/>
+              </a:solidFill>
+              <a:ln>
+                <a:noFill/>
+              </a:ln>
+            </p:spPr>
+            <p:style>
+              <a:lnRef idx="2">
+                <a:schemeClr val="accent1">
+                  <a:shade val="50000"/>
+                </a:schemeClr>
+              </a:lnRef>
+              <a:fillRef idx="1">
+                <a:schemeClr val="accent1"/>
+              </a:fillRef>
+              <a:effectRef idx="0">
+                <a:schemeClr val="accent1"/>
+              </a:effectRef>
+              <a:fontRef idx="minor">
+                <a:schemeClr val="lt1"/>
+              </a:fontRef>
+            </p:style>
+            <p:txBody>
+              <a:bodyPr rtlCol="0" anchor="ctr"/>
+              <a:lstStyle/>
+              <a:p>
+                <a:pPr algn="ctr"/>
+                <a14:m>
+                  <m:oMathPara xmlns:m="http://schemas.openxmlformats.org/officeDocument/2006/math">
+                    <m:oMathParaPr>
+                      <m:jc m:val="centerGroup"/>
+                    </m:oMathParaPr>
+                    <m:oMath xmlns:m="http://schemas.openxmlformats.org/officeDocument/2006/math">
+                      <m:r>
+                        <a:rPr lang="en-US" sz="2400" b="0" i="1" smtClean="0">
+                          <a:solidFill>
+                            <a:srgbClr val="C00000"/>
+                          </a:solidFill>
+                          <a:latin typeface="Cambria Math" panose="02040503050406030204" pitchFamily="18" charset="0"/>
+                        </a:rPr>
+                        <m:t>∗</m:t>
+                      </m:r>
+                    </m:oMath>
+                  </m:oMathPara>
+                </a14:m>
+                <a:endParaRPr lang="en-US" dirty="0">
+                  <a:solidFill>
+                    <a:srgbClr val="C00000"/>
+                  </a:solidFill>
+                </a:endParaRPr>
+              </a:p>
+            </p:txBody>
+          </p:sp>
+        </mc:Choice>
+        <mc:Fallback>
+          <p:sp>
+            <p:nvSpPr>
+              <p:cNvPr id="3" name="Rectangle 2">
+                <a:extLst>
+                  <a:ext uri="{FF2B5EF4-FFF2-40B4-BE49-F238E27FC236}">
+                    <a16:creationId xmlns:a16="http://schemas.microsoft.com/office/drawing/2014/main" id="{E9E7B8BB-B0CC-4179-88DC-086F5C18E5CD}"/>
+                  </a:ext>
+                </a:extLst>
+              </p:cNvPr>
+              <p:cNvSpPr>
+                <a:spLocks noRot="1" noChangeAspect="1" noMove="1" noResize="1" noEditPoints="1" noAdjustHandles="1" noChangeArrowheads="1" noChangeShapeType="1" noTextEdit="1"/>
+              </p:cNvSpPr>
+              <p:nvPr/>
+            </p:nvSpPr>
+            <p:spPr>
+              <a:xfrm>
+                <a:off x="1676400" y="4191000"/>
+                <a:ext cx="283464" cy="304800"/>
+              </a:xfrm>
+              <a:prstGeom prst="rect">
+                <a:avLst/>
+              </a:prstGeom>
+              <a:blipFill>
+                <a:blip r:embed="rId3"/>
+                <a:stretch>
+                  <a:fillRect l="-17021" b="-8000"/>
+                </a:stretch>
+              </a:blipFill>
+              <a:ln>
+                <a:noFill/>
+              </a:ln>
+            </p:spPr>
+            <p:txBody>
+              <a:bodyPr/>
+              <a:lstStyle/>
+              <a:p>
+                <a:r>
+                  <a:rPr lang="en-US">
+                    <a:noFill/>
+                  </a:rPr>
+                  <a:t> </a:t>
+                </a:r>
+              </a:p>
+            </p:txBody>
+          </p:sp>
+        </mc:Fallback>
+      </mc:AlternateContent>
+      <mc:AlternateContent xmlns:mc="http://schemas.openxmlformats.org/markup-compatibility/2006">
+        <mc:Choice xmlns:a14="http://schemas.microsoft.com/office/drawing/2010/main" Requires="a14">
+          <p:sp>
+            <p:nvSpPr>
+              <p:cNvPr id="14" name="TextBox 13">
+                <a:extLst>
+                  <a:ext uri="{FF2B5EF4-FFF2-40B4-BE49-F238E27FC236}">
+                    <a16:creationId xmlns:a16="http://schemas.microsoft.com/office/drawing/2014/main" id="{2EFCEFD3-8CFE-4EF9-A622-B9B7D514B1B6}"/>
+                  </a:ext>
+                </a:extLst>
+              </p:cNvPr>
+              <p:cNvSpPr txBox="1"/>
+              <p:nvPr/>
+            </p:nvSpPr>
+            <p:spPr>
+              <a:xfrm>
+                <a:off x="3962400" y="1905000"/>
+                <a:ext cx="4953000" cy="3716851"/>
+              </a:xfrm>
+              <a:prstGeom prst="rect">
+                <a:avLst/>
+              </a:prstGeom>
+              <a:noFill/>
+            </p:spPr>
+            <p:txBody>
+              <a:bodyPr wrap="square" rtlCol="0">
+                <a:spAutoFit/>
+              </a:bodyPr>
+              <a:lstStyle/>
+              <a:p>
+                <a:pPr marL="285750" indent="-285750">
+                  <a:buFont typeface="Arial" panose="020B0604020202020204" pitchFamily="34" charset="0"/>
+                  <a:buChar char="•"/>
+                </a:pPr>
+                <a:r>
+                  <a:rPr lang="en-US" dirty="0"/>
+                  <a:t>Each iteration of the </a:t>
+                </a:r>
+                <a:r>
+                  <a:rPr lang="en-US" b="1" dirty="0"/>
+                  <a:t>while</a:t>
+                </a:r>
+                <a:r>
+                  <a:rPr lang="en-US" dirty="0"/>
+                  <a:t> loop takes </a:t>
+                </a:r>
+                <a14:m>
+                  <m:oMath xmlns:m="http://schemas.openxmlformats.org/officeDocument/2006/math">
+                    <m:r>
+                      <a:rPr lang="en-US" b="0" i="1" smtClean="0">
+                        <a:latin typeface="Cambria Math" panose="02040503050406030204" pitchFamily="18" charset="0"/>
+                      </a:rPr>
+                      <m:t>𝑐</m:t>
+                    </m:r>
+                  </m:oMath>
+                </a14:m>
+                <a:r>
+                  <a:rPr lang="en-US" dirty="0"/>
+                  <a:t> time for some constant </a:t>
+                </a:r>
+                <a14:m>
+                  <m:oMath xmlns:m="http://schemas.openxmlformats.org/officeDocument/2006/math">
+                    <m:r>
+                      <a:rPr lang="en-US" i="1">
+                        <a:latin typeface="Cambria Math" panose="02040503050406030204" pitchFamily="18" charset="0"/>
+                      </a:rPr>
+                      <m:t>𝑐</m:t>
+                    </m:r>
+                  </m:oMath>
+                </a14:m>
+                <a:endParaRPr lang="en-US" dirty="0"/>
+              </a:p>
+              <a:p>
+                <a:pPr marL="285750" indent="-285750">
+                  <a:buFont typeface="Arial" panose="020B0604020202020204" pitchFamily="34" charset="0"/>
+                  <a:buChar char="•"/>
+                </a:pPr>
+                <a:r>
+                  <a:rPr lang="en-US" dirty="0"/>
+                  <a:t>In the k-</a:t>
+                </a:r>
+                <a:r>
+                  <a:rPr lang="en-US" dirty="0" err="1"/>
+                  <a:t>th</a:t>
+                </a:r>
+                <a:r>
+                  <a:rPr lang="en-US" dirty="0"/>
+                  <a:t> iteration of the </a:t>
+                </a:r>
+                <a:r>
+                  <a:rPr lang="en-US" b="1" dirty="0"/>
+                  <a:t>while</a:t>
+                </a:r>
+                <a:r>
+                  <a:rPr lang="en-US" dirty="0"/>
+                  <a:t> loop, the value of </a:t>
+                </a:r>
+                <a14:m>
+                  <m:oMath xmlns:m="http://schemas.openxmlformats.org/officeDocument/2006/math">
+                    <m:r>
+                      <a:rPr lang="en-US" b="0" i="1" smtClean="0">
+                        <a:latin typeface="Cambria Math" panose="02040503050406030204" pitchFamily="18" charset="0"/>
+                      </a:rPr>
+                      <m:t>𝑖</m:t>
+                    </m:r>
+                  </m:oMath>
+                </a14:m>
+                <a:r>
+                  <a:rPr lang="en-US" dirty="0"/>
+                  <a:t> is </a:t>
+                </a:r>
+                <a14:m>
+                  <m:oMath xmlns:m="http://schemas.openxmlformats.org/officeDocument/2006/math">
+                    <m:r>
+                      <a:rPr lang="en-US" b="0" i="1" smtClean="0">
+                        <a:latin typeface="Cambria Math" panose="02040503050406030204" pitchFamily="18" charset="0"/>
+                      </a:rPr>
+                      <m:t>𝑖</m:t>
+                    </m:r>
+                    <m:r>
+                      <a:rPr lang="en-US" b="0" i="1" smtClean="0">
+                        <a:latin typeface="Cambria Math" panose="02040503050406030204" pitchFamily="18" charset="0"/>
+                      </a:rPr>
+                      <m:t>=</m:t>
+                    </m:r>
+                    <m:sSup>
+                      <m:sSupPr>
+                        <m:ctrlPr>
+                          <a:rPr lang="en-US" b="0" i="1" smtClean="0">
+                            <a:latin typeface="Cambria Math" panose="02040503050406030204" pitchFamily="18" charset="0"/>
+                          </a:rPr>
+                        </m:ctrlPr>
+                      </m:sSupPr>
+                      <m:e>
+                        <m:r>
+                          <a:rPr lang="en-US" b="0" i="1" smtClean="0">
+                            <a:latin typeface="Cambria Math" panose="02040503050406030204" pitchFamily="18" charset="0"/>
+                          </a:rPr>
+                          <m:t>3</m:t>
+                        </m:r>
+                      </m:e>
+                      <m:sup>
+                        <m:r>
+                          <a:rPr lang="en-US" b="0" i="1" smtClean="0">
+                            <a:latin typeface="Cambria Math" panose="02040503050406030204" pitchFamily="18" charset="0"/>
+                          </a:rPr>
+                          <m:t>𝑘</m:t>
+                        </m:r>
+                        <m:r>
+                          <a:rPr lang="en-US" b="0" i="1" smtClean="0">
+                            <a:latin typeface="Cambria Math" panose="02040503050406030204" pitchFamily="18" charset="0"/>
+                          </a:rPr>
+                          <m:t>−1</m:t>
+                        </m:r>
+                      </m:sup>
+                    </m:sSup>
+                  </m:oMath>
+                </a14:m>
+                <a:endParaRPr lang="en-US" dirty="0"/>
+              </a:p>
+              <a:p>
+                <a:pPr marL="285750" indent="-285750">
+                  <a:buFont typeface="Arial" panose="020B0604020202020204" pitchFamily="34" charset="0"/>
+                  <a:buChar char="•"/>
+                </a:pPr>
+                <a:r>
+                  <a:rPr lang="en-US" dirty="0"/>
+                  <a:t>The </a:t>
+                </a:r>
+                <a:r>
+                  <a:rPr lang="en-US" b="1" dirty="0"/>
+                  <a:t>while</a:t>
+                </a:r>
+                <a:r>
+                  <a:rPr lang="en-US" dirty="0"/>
+                  <a:t> loop terminates when </a:t>
+                </a:r>
+                <a14:m>
+                  <m:oMath xmlns:m="http://schemas.openxmlformats.org/officeDocument/2006/math">
+                    <m:r>
+                      <a:rPr lang="en-US" b="0" i="1" smtClean="0">
+                        <a:latin typeface="Cambria Math" panose="02040503050406030204" pitchFamily="18" charset="0"/>
+                      </a:rPr>
+                      <m:t>𝑖</m:t>
+                    </m:r>
+                    <m:r>
+                      <a:rPr lang="en-US" b="0" i="1" smtClean="0">
+                        <a:latin typeface="Cambria Math" panose="02040503050406030204" pitchFamily="18" charset="0"/>
+                      </a:rPr>
+                      <m:t>&gt;</m:t>
+                    </m:r>
+                    <m:r>
+                      <a:rPr lang="en-US" b="0" i="1" smtClean="0">
+                        <a:latin typeface="Cambria Math" panose="02040503050406030204" pitchFamily="18" charset="0"/>
+                      </a:rPr>
+                      <m:t>𝑛</m:t>
+                    </m:r>
+                    <m:r>
+                      <a:rPr lang="en-US" b="0" i="1" smtClean="0">
+                        <a:latin typeface="Cambria Math" panose="02040503050406030204" pitchFamily="18" charset="0"/>
+                      </a:rPr>
+                      <m:t> </m:t>
+                    </m:r>
+                  </m:oMath>
+                </a14:m>
+                <a:r>
+                  <a:rPr lang="en-US" dirty="0"/>
+                  <a:t>, </a:t>
+                </a:r>
+              </a:p>
+              <a:p>
+                <a:r>
+                  <a:rPr lang="en-US" dirty="0"/>
+                  <a:t>      meaning that </a:t>
+                </a:r>
+                <a:endParaRPr lang="en-US" b="0" i="1" dirty="0">
+                  <a:latin typeface="Cambria Math" panose="02040503050406030204" pitchFamily="18" charset="0"/>
+                </a:endParaRPr>
+              </a:p>
+              <a:p>
+                <a14:m>
+                  <m:oMathPara xmlns:m="http://schemas.openxmlformats.org/officeDocument/2006/math">
+                    <m:oMathParaPr>
+                      <m:jc m:val="centerGroup"/>
+                    </m:oMathParaPr>
+                    <m:oMath xmlns:m="http://schemas.openxmlformats.org/officeDocument/2006/math">
+                      <m:sSup>
+                        <m:sSupPr>
+                          <m:ctrlPr>
+                            <a:rPr lang="en-US" b="0" i="1" smtClean="0">
+                              <a:latin typeface="Cambria Math" panose="02040503050406030204" pitchFamily="18" charset="0"/>
+                            </a:rPr>
+                          </m:ctrlPr>
+                        </m:sSupPr>
+                        <m:e>
+                          <m:r>
+                            <a:rPr lang="en-US" b="0" i="1" smtClean="0">
+                              <a:latin typeface="Cambria Math" panose="02040503050406030204" pitchFamily="18" charset="0"/>
+                            </a:rPr>
+                            <m:t>3</m:t>
+                          </m:r>
+                        </m:e>
+                        <m:sup>
+                          <m:d>
+                            <m:dPr>
+                              <m:ctrlPr>
+                                <a:rPr lang="en-US" b="0" i="1" smtClean="0">
+                                  <a:latin typeface="Cambria Math" panose="02040503050406030204" pitchFamily="18" charset="0"/>
+                                </a:rPr>
+                              </m:ctrlPr>
+                            </m:dPr>
+                            <m:e>
+                              <m:r>
+                                <a:rPr lang="en-US" b="0" i="1" smtClean="0">
+                                  <a:latin typeface="Cambria Math" panose="02040503050406030204" pitchFamily="18" charset="0"/>
+                                </a:rPr>
+                                <m:t>𝑘</m:t>
+                              </m:r>
+                              <m:r>
+                                <a:rPr lang="en-US" b="0" i="1" smtClean="0">
+                                  <a:latin typeface="Cambria Math" panose="02040503050406030204" pitchFamily="18" charset="0"/>
+                                </a:rPr>
+                                <m:t>−1</m:t>
+                              </m:r>
+                            </m:e>
+                          </m:d>
+                        </m:sup>
+                      </m:sSup>
+                      <m:r>
+                        <a:rPr lang="en-US" b="0" i="1" smtClean="0">
+                          <a:latin typeface="Cambria Math" panose="02040503050406030204" pitchFamily="18" charset="0"/>
+                        </a:rPr>
+                        <m:t>&gt;</m:t>
+                      </m:r>
+                      <m:r>
+                        <a:rPr lang="en-US" b="0" i="1" smtClean="0">
+                          <a:latin typeface="Cambria Math" panose="02040503050406030204" pitchFamily="18" charset="0"/>
+                        </a:rPr>
+                        <m:t>𝑛</m:t>
+                      </m:r>
+                      <m:r>
+                        <a:rPr lang="en-US" b="0" i="1" smtClean="0">
+                          <a:latin typeface="Cambria Math" panose="02040503050406030204" pitchFamily="18" charset="0"/>
+                        </a:rPr>
+                        <m:t>⇒</m:t>
+                      </m:r>
+                      <m:r>
+                        <a:rPr lang="en-US" b="0" i="1" smtClean="0">
+                          <a:latin typeface="Cambria Math" panose="02040503050406030204" pitchFamily="18" charset="0"/>
+                        </a:rPr>
+                        <m:t>𝑘</m:t>
+                      </m:r>
+                      <m:r>
+                        <a:rPr lang="en-US" b="0" i="1" smtClean="0">
+                          <a:latin typeface="Cambria Math" panose="02040503050406030204" pitchFamily="18" charset="0"/>
+                        </a:rPr>
+                        <m:t>&gt;</m:t>
+                      </m:r>
+                      <m:func>
+                        <m:funcPr>
+                          <m:ctrlPr>
+                            <a:rPr lang="en-US" b="0" i="1" smtClean="0">
+                              <a:latin typeface="Cambria Math" panose="02040503050406030204" pitchFamily="18" charset="0"/>
+                            </a:rPr>
+                          </m:ctrlPr>
+                        </m:funcPr>
+                        <m:fName>
+                          <m:sSub>
+                            <m:sSubPr>
+                              <m:ctrlPr>
+                                <a:rPr lang="en-US" b="0" i="1" smtClean="0">
+                                  <a:latin typeface="Cambria Math" panose="02040503050406030204" pitchFamily="18" charset="0"/>
+                                </a:rPr>
+                              </m:ctrlPr>
+                            </m:sSubPr>
+                            <m:e>
+                              <m:r>
+                                <m:rPr>
+                                  <m:sty m:val="p"/>
+                                </m:rPr>
+                                <a:rPr lang="en-US" b="0" i="0" smtClean="0">
+                                  <a:latin typeface="Cambria Math" panose="02040503050406030204" pitchFamily="18" charset="0"/>
+                                </a:rPr>
+                                <m:t>log</m:t>
+                              </m:r>
+                            </m:e>
+                            <m:sub>
+                              <m:r>
+                                <a:rPr lang="en-US" b="0" i="1" smtClean="0">
+                                  <a:latin typeface="Cambria Math" panose="02040503050406030204" pitchFamily="18" charset="0"/>
+                                </a:rPr>
+                                <m:t>3</m:t>
+                              </m:r>
+                            </m:sub>
+                          </m:sSub>
+                        </m:fName>
+                        <m:e>
+                          <m:r>
+                            <a:rPr lang="en-US" b="0" i="1" smtClean="0">
+                              <a:latin typeface="Cambria Math" panose="02040503050406030204" pitchFamily="18" charset="0"/>
+                            </a:rPr>
+                            <m:t>𝑛</m:t>
+                          </m:r>
+                        </m:e>
+                      </m:func>
+                      <m:r>
+                        <a:rPr lang="en-US" b="0" i="1" smtClean="0">
+                          <a:latin typeface="Cambria Math" panose="02040503050406030204" pitchFamily="18" charset="0"/>
+                        </a:rPr>
+                        <m:t>+1</m:t>
+                      </m:r>
+                    </m:oMath>
+                  </m:oMathPara>
+                </a14:m>
+                <a:endParaRPr lang="en-US" dirty="0"/>
+              </a:p>
+              <a:p>
+                <a:pPr marL="285750" indent="-285750">
+                  <a:buFont typeface="Arial" panose="020B0604020202020204" pitchFamily="34" charset="0"/>
+                  <a:buChar char="•"/>
+                </a:pPr>
+                <a:r>
+                  <a:rPr lang="en-US" dirty="0"/>
+                  <a:t>Thus, the </a:t>
+                </a:r>
+                <a:r>
+                  <a:rPr lang="en-US" b="1" dirty="0"/>
+                  <a:t>while</a:t>
+                </a:r>
+                <a:r>
+                  <a:rPr lang="en-US" dirty="0"/>
+                  <a:t> loop runs </a:t>
+                </a:r>
+                <a14:m>
+                  <m:oMath xmlns:m="http://schemas.openxmlformats.org/officeDocument/2006/math">
+                    <m:func>
+                      <m:funcPr>
+                        <m:ctrlPr>
+                          <a:rPr lang="en-US" i="1">
+                            <a:latin typeface="Cambria Math" panose="02040503050406030204" pitchFamily="18" charset="0"/>
+                          </a:rPr>
+                        </m:ctrlPr>
+                      </m:funcPr>
+                      <m:fName>
+                        <m:sSub>
+                          <m:sSubPr>
+                            <m:ctrlPr>
+                              <a:rPr lang="en-US" i="1">
+                                <a:latin typeface="Cambria Math" panose="02040503050406030204" pitchFamily="18" charset="0"/>
+                              </a:rPr>
+                            </m:ctrlPr>
+                          </m:sSubPr>
+                          <m:e>
+                            <m:r>
+                              <m:rPr>
+                                <m:sty m:val="p"/>
+                              </m:rPr>
+                              <a:rPr lang="en-US">
+                                <a:latin typeface="Cambria Math" panose="02040503050406030204" pitchFamily="18" charset="0"/>
+                              </a:rPr>
+                              <m:t>log</m:t>
+                            </m:r>
+                          </m:e>
+                          <m:sub>
+                            <m:r>
+                              <a:rPr lang="en-US" i="1">
+                                <a:latin typeface="Cambria Math" panose="02040503050406030204" pitchFamily="18" charset="0"/>
+                              </a:rPr>
+                              <m:t>3</m:t>
+                            </m:r>
+                          </m:sub>
+                        </m:sSub>
+                      </m:fName>
+                      <m:e>
+                        <m:r>
+                          <a:rPr lang="en-US" i="1">
+                            <a:latin typeface="Cambria Math" panose="02040503050406030204" pitchFamily="18" charset="0"/>
+                          </a:rPr>
+                          <m:t>𝑛</m:t>
+                        </m:r>
+                      </m:e>
+                    </m:func>
+                    <m:r>
+                      <a:rPr lang="en-US" i="1">
+                        <a:latin typeface="Cambria Math" panose="02040503050406030204" pitchFamily="18" charset="0"/>
+                      </a:rPr>
+                      <m:t>+1</m:t>
+                    </m:r>
+                  </m:oMath>
+                </a14:m>
+                <a:r>
+                  <a:rPr lang="en-US" dirty="0"/>
+                  <a:t> iterations. </a:t>
+                </a:r>
+              </a:p>
+              <a:p>
+                <a:pPr marL="285750" indent="-285750">
+                  <a:buFont typeface="Arial" panose="020B0604020202020204" pitchFamily="34" charset="0"/>
+                  <a:buChar char="•"/>
+                </a:pPr>
+                <a:r>
+                  <a:rPr lang="en-US" dirty="0"/>
+                  <a:t> Hence the total time complexity of the while loop is #iterations </a:t>
+                </a:r>
+                <a14:m>
+                  <m:oMath xmlns:m="http://schemas.openxmlformats.org/officeDocument/2006/math">
+                    <m:r>
+                      <a:rPr lang="en-US" b="0" i="1" smtClean="0">
+                        <a:latin typeface="Cambria Math" panose="02040503050406030204" pitchFamily="18" charset="0"/>
+                      </a:rPr>
+                      <m:t>×</m:t>
+                    </m:r>
+                    <m:r>
+                      <a:rPr lang="en-US" b="0" i="1" smtClean="0">
+                        <a:latin typeface="Cambria Math" panose="02040503050406030204" pitchFamily="18" charset="0"/>
+                      </a:rPr>
+                      <m:t>𝑐</m:t>
+                    </m:r>
+                  </m:oMath>
+                </a14:m>
+                <a:r>
+                  <a:rPr lang="en-US" dirty="0"/>
+                  <a:t>. The time complexity of the algorithm is </a:t>
+                </a:r>
+              </a:p>
+              <a:p>
+                <a14:m>
+                  <m:oMathPara xmlns:m="http://schemas.openxmlformats.org/officeDocument/2006/math">
+                    <m:oMathParaPr>
+                      <m:jc m:val="centerGroup"/>
+                    </m:oMathParaPr>
+                    <m:oMath xmlns:m="http://schemas.openxmlformats.org/officeDocument/2006/math">
+                      <m:r>
+                        <a:rPr lang="en-US" b="0" i="1" smtClean="0">
+                          <a:latin typeface="Cambria Math" panose="02040503050406030204" pitchFamily="18" charset="0"/>
+                        </a:rPr>
+                        <m:t>𝑇</m:t>
+                      </m:r>
+                      <m:d>
+                        <m:dPr>
+                          <m:ctrlPr>
+                            <a:rPr lang="en-US" b="0" i="1" smtClean="0">
+                              <a:latin typeface="Cambria Math" panose="02040503050406030204" pitchFamily="18" charset="0"/>
+                            </a:rPr>
+                          </m:ctrlPr>
+                        </m:dPr>
+                        <m:e>
+                          <m:r>
+                            <a:rPr lang="en-US" b="0" i="1" smtClean="0">
+                              <a:latin typeface="Cambria Math" panose="02040503050406030204" pitchFamily="18" charset="0"/>
+                            </a:rPr>
+                            <m:t>𝑛</m:t>
+                          </m:r>
+                        </m:e>
+                      </m:d>
+                      <m:r>
+                        <a:rPr lang="en-US" b="0" i="1" smtClean="0">
+                          <a:latin typeface="Cambria Math" panose="02040503050406030204" pitchFamily="18" charset="0"/>
+                        </a:rPr>
+                        <m:t>=</m:t>
+                      </m:r>
+                      <m:r>
+                        <m:rPr>
+                          <m:sty m:val="p"/>
+                        </m:rPr>
+                        <a:rPr lang="en-US" b="0" i="0" smtClean="0">
+                          <a:latin typeface="Cambria Math" panose="02040503050406030204" pitchFamily="18" charset="0"/>
+                        </a:rPr>
+                        <m:t>Θ</m:t>
+                      </m:r>
+                      <m:d>
+                        <m:dPr>
+                          <m:ctrlPr>
+                            <a:rPr lang="en-US" b="0" i="1" smtClean="0">
+                              <a:latin typeface="Cambria Math" panose="02040503050406030204" pitchFamily="18" charset="0"/>
+                            </a:rPr>
+                          </m:ctrlPr>
+                        </m:dPr>
+                        <m:e>
+                          <m:func>
+                            <m:funcPr>
+                              <m:ctrlPr>
+                                <a:rPr lang="en-US" b="0" i="1" smtClean="0">
+                                  <a:latin typeface="Cambria Math" panose="02040503050406030204" pitchFamily="18" charset="0"/>
+                                </a:rPr>
+                              </m:ctrlPr>
+                            </m:funcPr>
+                            <m:fName>
+                              <m:sSub>
+                                <m:sSubPr>
+                                  <m:ctrlPr>
+                                    <a:rPr lang="en-US" b="0" i="1" smtClean="0">
+                                      <a:latin typeface="Cambria Math" panose="02040503050406030204" pitchFamily="18" charset="0"/>
+                                    </a:rPr>
+                                  </m:ctrlPr>
+                                </m:sSubPr>
+                                <m:e>
+                                  <m:r>
+                                    <m:rPr>
+                                      <m:sty m:val="p"/>
+                                    </m:rPr>
+                                    <a:rPr lang="en-US" b="0" i="0" smtClean="0">
+                                      <a:latin typeface="Cambria Math" panose="02040503050406030204" pitchFamily="18" charset="0"/>
+                                    </a:rPr>
+                                    <m:t>log</m:t>
+                                  </m:r>
+                                </m:e>
+                                <m:sub>
+                                  <m:r>
+                                    <a:rPr lang="en-US" b="0" i="1" smtClean="0">
+                                      <a:latin typeface="Cambria Math" panose="02040503050406030204" pitchFamily="18" charset="0"/>
+                                    </a:rPr>
+                                    <m:t>3</m:t>
+                                  </m:r>
+                                </m:sub>
+                              </m:sSub>
+                            </m:fName>
+                            <m:e>
+                              <m:r>
+                                <a:rPr lang="en-US" b="0" i="1" smtClean="0">
+                                  <a:latin typeface="Cambria Math" panose="02040503050406030204" pitchFamily="18" charset="0"/>
+                                </a:rPr>
+                                <m:t>𝑛</m:t>
+                              </m:r>
+                            </m:e>
+                          </m:func>
+                        </m:e>
+                      </m:d>
+                      <m:r>
+                        <a:rPr lang="en-US" b="0" i="1" smtClean="0">
+                          <a:latin typeface="Cambria Math" panose="02040503050406030204" pitchFamily="18" charset="0"/>
+                        </a:rPr>
+                        <m:t>=</m:t>
+                      </m:r>
+                      <m:r>
+                        <m:rPr>
+                          <m:sty m:val="p"/>
+                        </m:rPr>
+                        <a:rPr lang="en-US" b="0" i="0" smtClean="0">
+                          <a:latin typeface="Cambria Math" panose="02040503050406030204" pitchFamily="18" charset="0"/>
+                        </a:rPr>
+                        <m:t>Θ</m:t>
+                      </m:r>
+                      <m:r>
+                        <a:rPr lang="en-US" b="0" i="1" smtClean="0">
+                          <a:latin typeface="Cambria Math" panose="02040503050406030204" pitchFamily="18" charset="0"/>
+                        </a:rPr>
+                        <m:t>(</m:t>
+                      </m:r>
+                      <m:func>
+                        <m:funcPr>
+                          <m:ctrlPr>
+                            <a:rPr lang="en-US" b="0" i="1" smtClean="0">
+                              <a:latin typeface="Cambria Math" panose="02040503050406030204" pitchFamily="18" charset="0"/>
+                            </a:rPr>
+                          </m:ctrlPr>
+                        </m:funcPr>
+                        <m:fName>
+                          <m:r>
+                            <m:rPr>
+                              <m:sty m:val="p"/>
+                            </m:rPr>
+                            <a:rPr lang="en-US" b="0" i="0" smtClean="0">
+                              <a:latin typeface="Cambria Math" panose="02040503050406030204" pitchFamily="18" charset="0"/>
+                            </a:rPr>
+                            <m:t>lg</m:t>
+                          </m:r>
+                        </m:fName>
+                        <m:e>
+                          <m:r>
+                            <a:rPr lang="en-US" b="0" i="1" smtClean="0">
+                              <a:latin typeface="Cambria Math" panose="02040503050406030204" pitchFamily="18" charset="0"/>
+                            </a:rPr>
+                            <m:t>𝑛</m:t>
+                          </m:r>
+                        </m:e>
+                      </m:func>
+                      <m:r>
+                        <a:rPr lang="en-US" b="0" i="1" smtClean="0">
+                          <a:latin typeface="Cambria Math" panose="02040503050406030204" pitchFamily="18" charset="0"/>
+                        </a:rPr>
+                        <m:t>)</m:t>
+                      </m:r>
+                    </m:oMath>
+                  </m:oMathPara>
+                </a14:m>
+                <a:endParaRPr lang="en-US" dirty="0"/>
+              </a:p>
+            </p:txBody>
+          </p:sp>
+        </mc:Choice>
+        <mc:Fallback>
+          <p:sp>
+            <p:nvSpPr>
+              <p:cNvPr id="14" name="TextBox 13">
+                <a:extLst>
+                  <a:ext uri="{FF2B5EF4-FFF2-40B4-BE49-F238E27FC236}">
+                    <a16:creationId xmlns:a16="http://schemas.microsoft.com/office/drawing/2014/main" id="{2EFCEFD3-8CFE-4EF9-A622-B9B7D514B1B6}"/>
+                  </a:ext>
+                </a:extLst>
+              </p:cNvPr>
+              <p:cNvSpPr txBox="1">
+                <a:spLocks noRot="1" noChangeAspect="1" noMove="1" noResize="1" noEditPoints="1" noAdjustHandles="1" noChangeArrowheads="1" noChangeShapeType="1" noTextEdit="1"/>
+              </p:cNvSpPr>
+              <p:nvPr/>
+            </p:nvSpPr>
+            <p:spPr>
+              <a:xfrm>
+                <a:off x="3962400" y="1905000"/>
+                <a:ext cx="4953000" cy="3716851"/>
+              </a:xfrm>
+              <a:prstGeom prst="rect">
+                <a:avLst/>
+              </a:prstGeom>
+              <a:blipFill>
+                <a:blip r:embed="rId4"/>
+                <a:stretch>
+                  <a:fillRect l="-738" t="-985" r="-1722" b="-657"/>
+                </a:stretch>
+              </a:blipFill>
+            </p:spPr>
+            <p:txBody>
+              <a:bodyPr/>
+              <a:lstStyle/>
+              <a:p>
+                <a:r>
+                  <a:rPr lang="en-US">
+                    <a:noFill/>
+                  </a:rPr>
+                  <a:t> </a:t>
+                </a:r>
+              </a:p>
+            </p:txBody>
+          </p:sp>
+        </mc:Fallback>
+      </mc:AlternateContent>
+      <mc:AlternateContent xmlns:mc="http://schemas.openxmlformats.org/markup-compatibility/2006">
+        <mc:Choice xmlns:a14="http://schemas.microsoft.com/office/drawing/2010/main" Requires="a14">
+          <p:sp>
+            <p:nvSpPr>
+              <p:cNvPr id="15" name="Rectangle 14">
+                <a:extLst>
+                  <a:ext uri="{FF2B5EF4-FFF2-40B4-BE49-F238E27FC236}">
+                    <a16:creationId xmlns:a16="http://schemas.microsoft.com/office/drawing/2014/main" id="{B963D7D7-27B2-4F1A-8E40-DD5A45286811}"/>
+                  </a:ext>
+                </a:extLst>
+              </p:cNvPr>
+              <p:cNvSpPr/>
+              <p:nvPr/>
+            </p:nvSpPr>
+            <p:spPr>
+              <a:xfrm>
+                <a:off x="1088136" y="2895600"/>
+                <a:ext cx="512064" cy="304800"/>
+              </a:xfrm>
+              <a:prstGeom prst="rect">
+                <a:avLst/>
+              </a:prstGeom>
+              <a:solidFill>
+                <a:schemeClr val="bg1"/>
+              </a:solidFill>
+              <a:ln>
+                <a:noFill/>
+              </a:ln>
+            </p:spPr>
+            <p:style>
+              <a:lnRef idx="2">
+                <a:schemeClr val="accent1">
+                  <a:shade val="50000"/>
+                </a:schemeClr>
+              </a:lnRef>
+              <a:fillRef idx="1">
+                <a:schemeClr val="accent1"/>
+              </a:fillRef>
+              <a:effectRef idx="0">
+                <a:schemeClr val="accent1"/>
+              </a:effectRef>
+              <a:fontRef idx="minor">
+                <a:schemeClr val="lt1"/>
+              </a:fontRef>
+            </p:style>
+            <p:txBody>
+              <a:bodyPr rtlCol="0" anchor="ctr"/>
+              <a:lstStyle/>
+              <a:p>
+                <a:pPr algn="ctr"/>
+                <a14:m>
+                  <m:oMathPara xmlns:m="http://schemas.openxmlformats.org/officeDocument/2006/math">
+                    <m:oMathParaPr>
+                      <m:jc m:val="centerGroup"/>
+                    </m:oMathParaPr>
+                    <m:oMath xmlns:m="http://schemas.openxmlformats.org/officeDocument/2006/math">
+                      <m:r>
+                        <a:rPr lang="en-US" sz="2200" b="0" i="1" smtClean="0">
+                          <a:solidFill>
+                            <a:schemeClr val="tx1"/>
+                          </a:solidFill>
+                          <a:latin typeface="Cambria Math" panose="02040503050406030204" pitchFamily="18" charset="0"/>
+                        </a:rPr>
+                        <m:t>1;</m:t>
+                      </m:r>
+                    </m:oMath>
+                  </m:oMathPara>
+                </a14:m>
+                <a:endParaRPr lang="en-US" sz="2200" dirty="0">
+                  <a:solidFill>
+                    <a:schemeClr val="tx1"/>
+                  </a:solidFill>
+                </a:endParaRPr>
+              </a:p>
+            </p:txBody>
+          </p:sp>
+        </mc:Choice>
+        <mc:Fallback>
+          <p:sp>
+            <p:nvSpPr>
+              <p:cNvPr id="15" name="Rectangle 14">
+                <a:extLst>
+                  <a:ext uri="{FF2B5EF4-FFF2-40B4-BE49-F238E27FC236}">
+                    <a16:creationId xmlns:a16="http://schemas.microsoft.com/office/drawing/2014/main" id="{B963D7D7-27B2-4F1A-8E40-DD5A45286811}"/>
+                  </a:ext>
+                </a:extLst>
+              </p:cNvPr>
+              <p:cNvSpPr>
+                <a:spLocks noRot="1" noChangeAspect="1" noMove="1" noResize="1" noEditPoints="1" noAdjustHandles="1" noChangeArrowheads="1" noChangeShapeType="1" noTextEdit="1"/>
+              </p:cNvSpPr>
+              <p:nvPr/>
+            </p:nvSpPr>
+            <p:spPr>
+              <a:xfrm>
+                <a:off x="1088136" y="2895600"/>
+                <a:ext cx="512064" cy="304800"/>
+              </a:xfrm>
+              <a:prstGeom prst="rect">
+                <a:avLst/>
+              </a:prstGeom>
+              <a:blipFill>
+                <a:blip r:embed="rId5"/>
+                <a:stretch>
+                  <a:fillRect b="-22000"/>
+                </a:stretch>
+              </a:blipFill>
+              <a:ln>
+                <a:noFill/>
+              </a:ln>
+            </p:spPr>
+            <p:txBody>
+              <a:bodyPr/>
+              <a:lstStyle/>
+              <a:p>
+                <a:r>
+                  <a:rPr lang="en-US">
+                    <a:noFill/>
+                  </a:rPr>
+                  <a:t> </a:t>
+                </a:r>
+              </a:p>
+            </p:txBody>
+          </p:sp>
+        </mc:Fallback>
+      </mc:AlternateContent>
+    </p:spTree>
+    <p:extLst>
+      <p:ext uri="{BB962C8B-B14F-4D97-AF65-F5344CB8AC3E}">
+        <p14:creationId xmlns:p14="http://schemas.microsoft.com/office/powerpoint/2010/main" val="2330129342"/>
+      </p:ext>
+    </p:extLst>
+  </p:cSld>
+  <p:clrMapOvr>
+    <a:masterClrMapping/>
+  </p:clrMapOvr>
+  <p:timing>
+    <p:tnLst>
+      <p:par>
+        <p:cTn id="1" dur="indefinite" restart="never" nodeType="tmRoot">
+          <p:childTnLst>
+            <p:seq concurrent="1" nextAc="seek">
+              <p:cTn id="2" dur="indefinite" nodeType="mainSeq">
+                <p:childTnLst>
+                  <p:par>
+                    <p:cTn id="3" fill="hold">
+                      <p:stCondLst>
+                        <p:cond delay="indefinite"/>
+                      </p:stCondLst>
+                      <p:childTnLst>
+                        <p:par>
+                          <p:cTn id="4" fill="hold">
+                            <p:stCondLst>
+                              <p:cond delay="0"/>
+                            </p:stCondLst>
+                            <p:childTnLst>
+                              <p:par>
+                                <p:cTn id="5" presetID="1" presetClass="entr" presetSubtype="0" fill="hold" grpId="0" nodeType="clickEffect">
+                                  <p:stCondLst>
+                                    <p:cond delay="0"/>
+                                  </p:stCondLst>
+                                  <p:childTnLst>
+                                    <p:set>
+                                      <p:cBhvr>
+                                        <p:cTn id="6" dur="1" fill="hold">
+                                          <p:stCondLst>
+                                            <p:cond delay="0"/>
+                                          </p:stCondLst>
+                                        </p:cTn>
+                                        <p:tgtEl>
+                                          <p:spTgt spid="14"/>
+                                        </p:tgtEl>
+                                        <p:attrNameLst>
+                                          <p:attrName>style.visibility</p:attrName>
+                                        </p:attrNameLst>
+                                      </p:cBhvr>
+                                      <p:to>
+                                        <p:strVal val="visible"/>
+                                      </p:to>
+                                    </p:set>
+                                  </p:childTnLst>
+                                </p:cTn>
+                              </p:par>
+                            </p:childTnLst>
+                          </p:cTn>
+                        </p:par>
+                      </p:childTnLst>
+                    </p:cTn>
+                  </p:par>
+                </p:childTnLst>
+              </p:cTn>
+              <p:prevCondLst>
+                <p:cond evt="onPrev" delay="0">
+                  <p:tgtEl>
+                    <p:sldTgt/>
+                  </p:tgtEl>
+                </p:cond>
+              </p:prevCondLst>
+              <p:nextCondLst>
+                <p:cond evt="onNext" delay="0">
+                  <p:tgtEl>
+                    <p:sldTgt/>
+                  </p:tgtEl>
+                </p:cond>
+              </p:nextCondLst>
+            </p:seq>
+          </p:childTnLst>
+        </p:cTn>
+      </p:par>
+    </p:tnLst>
+    <p:bldLst>
+      <p:bldP spid="14" grpId="0"/>
+    </p:bldLst>
+  </p:timing>
+</p:sld>
+</file>
+
+<file path=ppt/slides/slide41.xml><?xml version="1.0" encoding="utf-8"?>
+<p:sld xmlns:a="http://schemas.openxmlformats.org/drawingml/2006/main" xmlns:r="http://schemas.openxmlformats.org/officeDocument/2006/relationships" xmlns:p="http://schemas.openxmlformats.org/presentationml/2006/main">
+  <p:cSld>
+    <p:spTree>
+      <p:nvGrpSpPr>
+        <p:cNvPr id="1" name=""/>
+        <p:cNvGrpSpPr/>
+        <p:nvPr/>
+      </p:nvGrpSpPr>
+      <p:grpSpPr>
+        <a:xfrm>
+          <a:off x="0" y="0"/>
+          <a:ext cx="0" cy="0"/>
+          <a:chOff x="0" y="0"/>
+          <a:chExt cx="0" cy="0"/>
+        </a:xfrm>
+      </p:grpSpPr>
+      <p:sp>
+        <p:nvSpPr>
+          <p:cNvPr id="2" name="Title 1">
+            <a:extLst>
+              <a:ext uri="{FF2B5EF4-FFF2-40B4-BE49-F238E27FC236}">
+                <a16:creationId xmlns:a16="http://schemas.microsoft.com/office/drawing/2014/main" id="{69D6A138-29B3-438E-A762-83F482F4B6D9}"/>
+              </a:ext>
+            </a:extLst>
+          </p:cNvPr>
+          <p:cNvSpPr>
+            <a:spLocks noGrp="1"/>
+          </p:cNvSpPr>
+          <p:nvPr>
+            <p:ph type="title"/>
+          </p:nvPr>
+        </p:nvSpPr>
+        <p:spPr/>
+        <p:txBody>
+          <a:bodyPr/>
+          <a:lstStyle/>
+          <a:p>
+            <a:r>
+              <a:rPr lang="en-US" dirty="0"/>
               <a:t>A third example</a:t>
             </a:r>
           </a:p>
@@ -30101,7 +32265,465 @@
         </p:blipFill>
         <p:spPr bwMode="auto">
           <a:xfrm>
-            <a:off x="244860" y="1447800"/>
+            <a:off x="76200" y="1447800"/>
+            <a:ext cx="4067175" cy="4533900"/>
+          </a:xfrm>
+          <a:prstGeom prst="rect">
+            <a:avLst/>
+          </a:prstGeom>
+          <a:ln w="38100" cap="sq">
+            <a:solidFill>
+              <a:srgbClr val="000000"/>
+            </a:solidFill>
+            <a:prstDash val="solid"/>
+            <a:miter lim="800000"/>
+          </a:ln>
+          <a:effectLst>
+            <a:outerShdw blurRad="50800" dist="38100" dir="2700000" algn="tl" rotWithShape="0">
+              <a:srgbClr val="000000">
+                <a:alpha val="43000"/>
+              </a:srgbClr>
+            </a:outerShdw>
+          </a:effectLst>
+          <a:extLst>
+            <a:ext uri="{909E8E84-426E-40DD-AFC4-6F175D3DCCD1}">
+              <a14:hiddenFill xmlns:a14="http://schemas.microsoft.com/office/drawing/2010/main">
+                <a:solidFill>
+                  <a:schemeClr val="accent1"/>
+                </a:solidFill>
+              </a14:hiddenFill>
+            </a:ext>
+          </a:extLst>
+        </p:spPr>
+      </p:pic>
+      <mc:AlternateContent xmlns:mc="http://schemas.openxmlformats.org/markup-compatibility/2006">
+        <mc:Choice xmlns:a14="http://schemas.microsoft.com/office/drawing/2010/main" Requires="a14">
+          <p:sp>
+            <p:nvSpPr>
+              <p:cNvPr id="4" name="TextBox 3">
+                <a:extLst>
+                  <a:ext uri="{FF2B5EF4-FFF2-40B4-BE49-F238E27FC236}">
+                    <a16:creationId xmlns:a16="http://schemas.microsoft.com/office/drawing/2014/main" id="{18EFC6F0-53C9-4596-8DA1-E2203076EE78}"/>
+                  </a:ext>
+                </a:extLst>
+              </p:cNvPr>
+              <p:cNvSpPr txBox="1"/>
+              <p:nvPr/>
+            </p:nvSpPr>
+            <p:spPr>
+              <a:xfrm>
+                <a:off x="4114800" y="1524000"/>
+                <a:ext cx="4953000" cy="2308324"/>
+              </a:xfrm>
+              <a:prstGeom prst="rect">
+                <a:avLst/>
+              </a:prstGeom>
+              <a:noFill/>
+            </p:spPr>
+            <p:txBody>
+              <a:bodyPr wrap="square" rtlCol="0">
+                <a:spAutoFit/>
+              </a:bodyPr>
+              <a:lstStyle/>
+              <a:p>
+                <a:pPr marL="285750" indent="-285750">
+                  <a:buFont typeface="Arial" panose="020B0604020202020204" pitchFamily="34" charset="0"/>
+                  <a:buChar char="•"/>
+                </a:pPr>
+                <a:r>
+                  <a:rPr lang="en-US" dirty="0"/>
+                  <a:t>By the same analysis as the previous slide, the inner </a:t>
+                </a:r>
+                <a:r>
+                  <a:rPr lang="en-US" b="1" dirty="0"/>
+                  <a:t>while</a:t>
+                </a:r>
+                <a:r>
+                  <a:rPr lang="en-US" dirty="0"/>
+                  <a:t> loop takes </a:t>
+                </a:r>
+                <a14:m>
+                  <m:oMath xmlns:m="http://schemas.openxmlformats.org/officeDocument/2006/math">
+                    <m:r>
+                      <a:rPr lang="en-US" b="0" i="1" smtClean="0">
+                        <a:latin typeface="Cambria Math" panose="02040503050406030204" pitchFamily="18" charset="0"/>
+                      </a:rPr>
+                      <m:t>𝑐</m:t>
+                    </m:r>
+                    <m:func>
+                      <m:funcPr>
+                        <m:ctrlPr>
+                          <a:rPr lang="en-US" b="0" i="1" smtClean="0">
+                            <a:latin typeface="Cambria Math" panose="02040503050406030204" pitchFamily="18" charset="0"/>
+                          </a:rPr>
+                        </m:ctrlPr>
+                      </m:funcPr>
+                      <m:fName>
+                        <m:r>
+                          <m:rPr>
+                            <m:sty m:val="p"/>
+                          </m:rPr>
+                          <a:rPr lang="en-US" b="0" i="0" smtClean="0">
+                            <a:latin typeface="Cambria Math" panose="02040503050406030204" pitchFamily="18" charset="0"/>
+                          </a:rPr>
+                          <m:t>lg</m:t>
+                        </m:r>
+                      </m:fName>
+                      <m:e>
+                        <m:r>
+                          <a:rPr lang="en-US" b="0" i="1" smtClean="0">
+                            <a:latin typeface="Cambria Math" panose="02040503050406030204" pitchFamily="18" charset="0"/>
+                          </a:rPr>
+                          <m:t>𝑛</m:t>
+                        </m:r>
+                      </m:e>
+                    </m:func>
+                  </m:oMath>
+                </a14:m>
+                <a:r>
+                  <a:rPr lang="en-US" dirty="0"/>
+                  <a:t> time for some constant </a:t>
+                </a:r>
+                <a14:m>
+                  <m:oMath xmlns:m="http://schemas.openxmlformats.org/officeDocument/2006/math">
+                    <m:r>
+                      <a:rPr lang="en-US" i="1">
+                        <a:latin typeface="Cambria Math" panose="02040503050406030204" pitchFamily="18" charset="0"/>
+                      </a:rPr>
+                      <m:t>𝑐</m:t>
+                    </m:r>
+                  </m:oMath>
+                </a14:m>
+                <a:r>
+                  <a:rPr lang="en-US" dirty="0"/>
+                  <a:t> for each iteration of outer-for loop</a:t>
+                </a:r>
+              </a:p>
+              <a:p>
+                <a:pPr marL="285750" indent="-285750">
+                  <a:buFont typeface="Arial" panose="020B0604020202020204" pitchFamily="34" charset="0"/>
+                  <a:buChar char="•"/>
+                </a:pPr>
+                <a:r>
+                  <a:rPr lang="en-US" dirty="0"/>
+                  <a:t>The outer-for loop has </a:t>
+                </a:r>
+                <a14:m>
+                  <m:oMath xmlns:m="http://schemas.openxmlformats.org/officeDocument/2006/math">
+                    <m:r>
+                      <a:rPr lang="en-US" b="0" i="1" smtClean="0">
+                        <a:latin typeface="Cambria Math" panose="02040503050406030204" pitchFamily="18" charset="0"/>
+                      </a:rPr>
+                      <m:t>𝑛</m:t>
+                    </m:r>
+                  </m:oMath>
+                </a14:m>
+                <a:r>
+                  <a:rPr lang="en-US" dirty="0"/>
+                  <a:t> iterations</a:t>
+                </a:r>
+              </a:p>
+              <a:p>
+                <a:pPr marL="285750" indent="-285750">
+                  <a:buFont typeface="Arial" panose="020B0604020202020204" pitchFamily="34" charset="0"/>
+                  <a:buChar char="•"/>
+                </a:pPr>
+                <a:r>
+                  <a:rPr lang="en-US" dirty="0"/>
+                  <a:t>Hence the total time complexity of the algorithm is</a:t>
+                </a:r>
+              </a:p>
+              <a:p>
+                <a14:m>
+                  <m:oMathPara xmlns:m="http://schemas.openxmlformats.org/officeDocument/2006/math">
+                    <m:oMathParaPr>
+                      <m:jc m:val="centerGroup"/>
+                    </m:oMathParaPr>
+                    <m:oMath xmlns:m="http://schemas.openxmlformats.org/officeDocument/2006/math">
+                      <m:r>
+                        <a:rPr lang="en-US" b="0" i="1" smtClean="0">
+                          <a:latin typeface="Cambria Math" panose="02040503050406030204" pitchFamily="18" charset="0"/>
+                        </a:rPr>
+                        <m:t>𝑇</m:t>
+                      </m:r>
+                      <m:d>
+                        <m:dPr>
+                          <m:ctrlPr>
+                            <a:rPr lang="en-US" b="0" i="1" smtClean="0">
+                              <a:latin typeface="Cambria Math" panose="02040503050406030204" pitchFamily="18" charset="0"/>
+                            </a:rPr>
+                          </m:ctrlPr>
+                        </m:dPr>
+                        <m:e>
+                          <m:r>
+                            <a:rPr lang="en-US" b="0" i="1" smtClean="0">
+                              <a:latin typeface="Cambria Math" panose="02040503050406030204" pitchFamily="18" charset="0"/>
+                            </a:rPr>
+                            <m:t>𝑛</m:t>
+                          </m:r>
+                        </m:e>
+                      </m:d>
+                      <m:r>
+                        <a:rPr lang="en-US" b="0" i="1" smtClean="0">
+                          <a:latin typeface="Cambria Math" panose="02040503050406030204" pitchFamily="18" charset="0"/>
+                        </a:rPr>
+                        <m:t>=</m:t>
+                      </m:r>
+                      <m:r>
+                        <a:rPr lang="en-US" b="0" i="1" smtClean="0">
+                          <a:latin typeface="Cambria Math" panose="02040503050406030204" pitchFamily="18" charset="0"/>
+                        </a:rPr>
+                        <m:t>𝑛</m:t>
+                      </m:r>
+                      <m:r>
+                        <a:rPr lang="en-US" b="0" i="1" smtClean="0">
+                          <a:latin typeface="Cambria Math" panose="02040503050406030204" pitchFamily="18" charset="0"/>
+                        </a:rPr>
+                        <m:t>×(</m:t>
+                      </m:r>
+                      <m:r>
+                        <a:rPr lang="en-US" b="0" i="1" smtClean="0">
+                          <a:latin typeface="Cambria Math" panose="02040503050406030204" pitchFamily="18" charset="0"/>
+                        </a:rPr>
+                        <m:t>𝑐</m:t>
+                      </m:r>
+                      <m:func>
+                        <m:funcPr>
+                          <m:ctrlPr>
+                            <a:rPr lang="en-US" b="0" i="1" smtClean="0">
+                              <a:latin typeface="Cambria Math" panose="02040503050406030204" pitchFamily="18" charset="0"/>
+                            </a:rPr>
+                          </m:ctrlPr>
+                        </m:funcPr>
+                        <m:fName>
+                          <m:r>
+                            <m:rPr>
+                              <m:sty m:val="p"/>
+                            </m:rPr>
+                            <a:rPr lang="en-US" b="0" i="0" smtClean="0">
+                              <a:latin typeface="Cambria Math" panose="02040503050406030204" pitchFamily="18" charset="0"/>
+                            </a:rPr>
+                            <m:t>lg</m:t>
+                          </m:r>
+                        </m:fName>
+                        <m:e>
+                          <m:r>
+                            <a:rPr lang="en-US" b="0" i="1" smtClean="0">
+                              <a:latin typeface="Cambria Math" panose="02040503050406030204" pitchFamily="18" charset="0"/>
+                            </a:rPr>
+                            <m:t>𝑛</m:t>
+                          </m:r>
+                          <m:r>
+                            <a:rPr lang="en-US" b="0" i="1" smtClean="0">
+                              <a:latin typeface="Cambria Math" panose="02040503050406030204" pitchFamily="18" charset="0"/>
+                            </a:rPr>
+                            <m:t>)</m:t>
+                          </m:r>
+                        </m:e>
+                      </m:func>
+                      <m:r>
+                        <a:rPr lang="en-US" b="0" i="1" smtClean="0">
+                          <a:latin typeface="Cambria Math" panose="02040503050406030204" pitchFamily="18" charset="0"/>
+                        </a:rPr>
+                        <m:t>=</m:t>
+                      </m:r>
+                      <m:r>
+                        <m:rPr>
+                          <m:sty m:val="p"/>
+                        </m:rPr>
+                        <a:rPr lang="en-US" b="0" i="0" smtClean="0">
+                          <a:latin typeface="Cambria Math" panose="02040503050406030204" pitchFamily="18" charset="0"/>
+                        </a:rPr>
+                        <m:t>Θ</m:t>
+                      </m:r>
+                      <m:d>
+                        <m:dPr>
+                          <m:ctrlPr>
+                            <a:rPr lang="en-US" b="0" i="1" smtClean="0">
+                              <a:latin typeface="Cambria Math" panose="02040503050406030204" pitchFamily="18" charset="0"/>
+                            </a:rPr>
+                          </m:ctrlPr>
+                        </m:dPr>
+                        <m:e>
+                          <m:r>
+                            <a:rPr lang="en-US" b="0" i="1" smtClean="0">
+                              <a:latin typeface="Cambria Math" panose="02040503050406030204" pitchFamily="18" charset="0"/>
+                            </a:rPr>
+                            <m:t>𝑛</m:t>
+                          </m:r>
+                          <m:func>
+                            <m:funcPr>
+                              <m:ctrlPr>
+                                <a:rPr lang="en-US" b="0" i="1" smtClean="0">
+                                  <a:latin typeface="Cambria Math" panose="02040503050406030204" pitchFamily="18" charset="0"/>
+                                </a:rPr>
+                              </m:ctrlPr>
+                            </m:funcPr>
+                            <m:fName>
+                              <m:r>
+                                <m:rPr>
+                                  <m:sty m:val="p"/>
+                                </m:rPr>
+                                <a:rPr lang="en-US" b="0" i="0" smtClean="0">
+                                  <a:latin typeface="Cambria Math" panose="02040503050406030204" pitchFamily="18" charset="0"/>
+                                </a:rPr>
+                                <m:t>lg</m:t>
+                              </m:r>
+                            </m:fName>
+                            <m:e>
+                              <m:r>
+                                <a:rPr lang="en-US" b="0" i="1" smtClean="0">
+                                  <a:latin typeface="Cambria Math" panose="02040503050406030204" pitchFamily="18" charset="0"/>
+                                </a:rPr>
+                                <m:t>𝑛</m:t>
+                              </m:r>
+                            </m:e>
+                          </m:func>
+                        </m:e>
+                      </m:d>
+                    </m:oMath>
+                  </m:oMathPara>
+                </a14:m>
+                <a:endParaRPr lang="en-US" dirty="0"/>
+              </a:p>
+            </p:txBody>
+          </p:sp>
+        </mc:Choice>
+        <mc:Fallback>
+          <p:sp>
+            <p:nvSpPr>
+              <p:cNvPr id="4" name="TextBox 3">
+                <a:extLst>
+                  <a:ext uri="{FF2B5EF4-FFF2-40B4-BE49-F238E27FC236}">
+                    <a16:creationId xmlns:a16="http://schemas.microsoft.com/office/drawing/2014/main" id="{18EFC6F0-53C9-4596-8DA1-E2203076EE78}"/>
+                  </a:ext>
+                </a:extLst>
+              </p:cNvPr>
+              <p:cNvSpPr txBox="1">
+                <a:spLocks noRot="1" noChangeAspect="1" noMove="1" noResize="1" noEditPoints="1" noAdjustHandles="1" noChangeArrowheads="1" noChangeShapeType="1" noTextEdit="1"/>
+              </p:cNvSpPr>
+              <p:nvPr/>
+            </p:nvSpPr>
+            <p:spPr>
+              <a:xfrm>
+                <a:off x="4114800" y="1524000"/>
+                <a:ext cx="4953000" cy="2308324"/>
+              </a:xfrm>
+              <a:prstGeom prst="rect">
+                <a:avLst/>
+              </a:prstGeom>
+              <a:blipFill>
+                <a:blip r:embed="rId3"/>
+                <a:stretch>
+                  <a:fillRect l="-738" t="-1319" b="-1319"/>
+                </a:stretch>
+              </a:blipFill>
+            </p:spPr>
+            <p:txBody>
+              <a:bodyPr/>
+              <a:lstStyle/>
+              <a:p>
+                <a:r>
+                  <a:rPr lang="en-US">
+                    <a:noFill/>
+                  </a:rPr>
+                  <a:t> </a:t>
+                </a:r>
+              </a:p>
+            </p:txBody>
+          </p:sp>
+        </mc:Fallback>
+      </mc:AlternateContent>
+    </p:spTree>
+    <p:extLst>
+      <p:ext uri="{BB962C8B-B14F-4D97-AF65-F5344CB8AC3E}">
+        <p14:creationId xmlns:p14="http://schemas.microsoft.com/office/powerpoint/2010/main" val="1919154978"/>
+      </p:ext>
+    </p:extLst>
+  </p:cSld>
+  <p:clrMapOvr>
+    <a:masterClrMapping/>
+  </p:clrMapOvr>
+</p:sld>
+</file>
+
+<file path=ppt/slides/slide42.xml><?xml version="1.0" encoding="utf-8"?>
+<p:sld xmlns:a="http://schemas.openxmlformats.org/drawingml/2006/main" xmlns:r="http://schemas.openxmlformats.org/officeDocument/2006/relationships" xmlns:p="http://schemas.openxmlformats.org/presentationml/2006/main">
+  <p:cSld>
+    <p:spTree>
+      <p:nvGrpSpPr>
+        <p:cNvPr id="1" name=""/>
+        <p:cNvGrpSpPr/>
+        <p:nvPr/>
+      </p:nvGrpSpPr>
+      <p:grpSpPr>
+        <a:xfrm>
+          <a:off x="0" y="0"/>
+          <a:ext cx="0" cy="0"/>
+          <a:chOff x="0" y="0"/>
+          <a:chExt cx="0" cy="0"/>
+        </a:xfrm>
+      </p:grpSpPr>
+      <p:sp>
+        <p:nvSpPr>
+          <p:cNvPr id="2" name="Title 1">
+            <a:extLst>
+              <a:ext uri="{FF2B5EF4-FFF2-40B4-BE49-F238E27FC236}">
+                <a16:creationId xmlns:a16="http://schemas.microsoft.com/office/drawing/2014/main" id="{69D6A138-29B3-438E-A762-83F482F4B6D9}"/>
+              </a:ext>
+            </a:extLst>
+          </p:cNvPr>
+          <p:cNvSpPr>
+            <a:spLocks noGrp="1"/>
+          </p:cNvSpPr>
+          <p:nvPr>
+            <p:ph type="title"/>
+          </p:nvPr>
+        </p:nvSpPr>
+        <p:spPr/>
+        <p:txBody>
+          <a:bodyPr/>
+          <a:lstStyle/>
+          <a:p>
+            <a:r>
+              <a:rPr lang="en-US" dirty="0"/>
+              <a:t>A fourth example</a:t>
+            </a:r>
+          </a:p>
+        </p:txBody>
+      </p:sp>
+      <p:pic>
+        <p:nvPicPr>
+          <p:cNvPr id="14" name="Picture 2">
+            <a:extLst>
+              <a:ext uri="{FF2B5EF4-FFF2-40B4-BE49-F238E27FC236}">
+                <a16:creationId xmlns:a16="http://schemas.microsoft.com/office/drawing/2014/main" id="{41B97E90-0034-41D8-BE95-B2B5AF2224B8}"/>
+              </a:ext>
+            </a:extLst>
+          </p:cNvPr>
+          <p:cNvPicPr>
+            <a:picLocks noGrp="1" noChangeAspect="1" noChangeArrowheads="1"/>
+          </p:cNvPicPr>
+          <p:nvPr>
+            <p:ph sz="quarter" idx="1"/>
+          </p:nvPr>
+        </p:nvPicPr>
+        <p:blipFill>
+          <a:blip r:embed="rId2">
+            <a:extLst>
+              <a:ext uri="{28A0092B-C50C-407E-A947-70E740481C1C}">
+                <a14:useLocalDpi xmlns:a14="http://schemas.microsoft.com/office/drawing/2010/main" val="0"/>
+              </a:ext>
+            </a:extLst>
+          </a:blip>
+          <a:srcRect/>
+          <a:stretch>
+            <a:fillRect/>
+          </a:stretch>
+        </p:blipFill>
+        <p:spPr bwMode="auto">
+          <a:xfrm>
+            <a:off x="47625" y="1447800"/>
             <a:ext cx="4067175" cy="4533900"/>
           </a:xfrm>
           <a:prstGeom prst="rect">
@@ -30148,7 +32770,7 @@
             </p:nvSpPr>
             <p:spPr>
               <a:xfrm>
-                <a:off x="2524991" y="3276600"/>
+                <a:off x="2327756" y="3276600"/>
                 <a:ext cx="207818" cy="304800"/>
               </a:xfrm>
               <a:prstGeom prst="rect">
@@ -30226,7 +32848,7 @@
             </p:nvSpPr>
             <p:spPr>
               <a:xfrm>
-                <a:off x="2524991" y="3276600"/>
+                <a:off x="2327756" y="3276600"/>
                 <a:ext cx="207818" cy="304800"/>
               </a:xfrm>
               <a:prstGeom prst="rect">
@@ -30257,6 +32879,611 @@
           </p:sp>
         </mc:Fallback>
       </mc:AlternateContent>
+      <mc:AlternateContent xmlns:mc="http://schemas.openxmlformats.org/markup-compatibility/2006">
+        <mc:Choice xmlns:a14="http://schemas.microsoft.com/office/drawing/2010/main" Requires="a14">
+          <p:sp>
+            <p:nvSpPr>
+              <p:cNvPr id="5" name="TextBox 4">
+                <a:extLst>
+                  <a:ext uri="{FF2B5EF4-FFF2-40B4-BE49-F238E27FC236}">
+                    <a16:creationId xmlns:a16="http://schemas.microsoft.com/office/drawing/2014/main" id="{5A74BADB-AA3B-4BA3-83CA-7003F834E331}"/>
+                  </a:ext>
+                </a:extLst>
+              </p:cNvPr>
+              <p:cNvSpPr txBox="1"/>
+              <p:nvPr/>
+            </p:nvSpPr>
+            <p:spPr>
+              <a:xfrm>
+                <a:off x="4114800" y="1524000"/>
+                <a:ext cx="4953000" cy="3335208"/>
+              </a:xfrm>
+              <a:prstGeom prst="rect">
+                <a:avLst/>
+              </a:prstGeom>
+              <a:noFill/>
+            </p:spPr>
+            <p:txBody>
+              <a:bodyPr wrap="square" rtlCol="0">
+                <a:spAutoFit/>
+              </a:bodyPr>
+              <a:lstStyle/>
+              <a:p>
+                <a:pPr marL="285750" indent="-285750">
+                  <a:buFont typeface="Arial" panose="020B0604020202020204" pitchFamily="34" charset="0"/>
+                  <a:buChar char="•"/>
+                </a:pPr>
+                <a:r>
+                  <a:rPr lang="en-US" dirty="0"/>
+                  <a:t>By the same analysis as the previous slide, for the </a:t>
+                </a:r>
+                <a14:m>
+                  <m:oMath xmlns:m="http://schemas.openxmlformats.org/officeDocument/2006/math">
+                    <m:r>
+                      <a:rPr lang="en-US" i="1" dirty="0">
+                        <a:latin typeface="Cambria Math" panose="02040503050406030204" pitchFamily="18" charset="0"/>
+                      </a:rPr>
+                      <m:t>𝑖</m:t>
+                    </m:r>
+                  </m:oMath>
+                </a14:m>
+                <a:r>
+                  <a:rPr lang="en-US" dirty="0"/>
+                  <a:t>-th iteration of the outer-for loop, the inner </a:t>
+                </a:r>
+                <a:r>
+                  <a:rPr lang="en-US" b="1" dirty="0"/>
+                  <a:t>while</a:t>
+                </a:r>
+                <a:r>
+                  <a:rPr lang="en-US" dirty="0"/>
+                  <a:t> loop takes </a:t>
+                </a:r>
+                <a14:m>
+                  <m:oMath xmlns:m="http://schemas.openxmlformats.org/officeDocument/2006/math">
+                    <m:r>
+                      <a:rPr lang="en-US" b="0" i="1" smtClean="0">
+                        <a:solidFill>
+                          <a:srgbClr val="700000"/>
+                        </a:solidFill>
+                        <a:latin typeface="Cambria Math" panose="02040503050406030204" pitchFamily="18" charset="0"/>
+                      </a:rPr>
+                      <m:t>𝑐</m:t>
+                    </m:r>
+                    <m:func>
+                      <m:funcPr>
+                        <m:ctrlPr>
+                          <a:rPr lang="en-US" b="0" i="1" smtClean="0">
+                            <a:solidFill>
+                              <a:srgbClr val="700000"/>
+                            </a:solidFill>
+                            <a:latin typeface="Cambria Math" panose="02040503050406030204" pitchFamily="18" charset="0"/>
+                          </a:rPr>
+                        </m:ctrlPr>
+                      </m:funcPr>
+                      <m:fName>
+                        <m:r>
+                          <m:rPr>
+                            <m:sty m:val="p"/>
+                          </m:rPr>
+                          <a:rPr lang="en-US" b="0" i="0" smtClean="0">
+                            <a:solidFill>
+                              <a:srgbClr val="700000"/>
+                            </a:solidFill>
+                            <a:latin typeface="Cambria Math" panose="02040503050406030204" pitchFamily="18" charset="0"/>
+                          </a:rPr>
+                          <m:t>lg</m:t>
+                        </m:r>
+                      </m:fName>
+                      <m:e>
+                        <m:r>
+                          <a:rPr lang="en-US" b="0" i="1" smtClean="0">
+                            <a:solidFill>
+                              <a:srgbClr val="700000"/>
+                            </a:solidFill>
+                            <a:latin typeface="Cambria Math" panose="02040503050406030204" pitchFamily="18" charset="0"/>
+                          </a:rPr>
+                          <m:t>𝑖</m:t>
+                        </m:r>
+                      </m:e>
+                    </m:func>
+                  </m:oMath>
+                </a14:m>
+                <a:r>
+                  <a:rPr lang="en-US" dirty="0"/>
+                  <a:t> time for some constant </a:t>
+                </a:r>
+                <a14:m>
+                  <m:oMath xmlns:m="http://schemas.openxmlformats.org/officeDocument/2006/math">
+                    <m:r>
+                      <a:rPr lang="en-US" i="1">
+                        <a:latin typeface="Cambria Math" panose="02040503050406030204" pitchFamily="18" charset="0"/>
+                      </a:rPr>
+                      <m:t>𝑐</m:t>
+                    </m:r>
+                  </m:oMath>
+                </a14:m>
+                <a:endParaRPr lang="en-US" dirty="0"/>
+              </a:p>
+              <a:p>
+                <a:pPr marL="285750" indent="-285750">
+                  <a:buFont typeface="Arial" panose="020B0604020202020204" pitchFamily="34" charset="0"/>
+                  <a:buChar char="•"/>
+                </a:pPr>
+                <a:endParaRPr lang="en-US" dirty="0"/>
+              </a:p>
+              <a:p>
+                <a:pPr marL="285750" indent="-285750">
+                  <a:buFont typeface="Arial" panose="020B0604020202020204" pitchFamily="34" charset="0"/>
+                  <a:buChar char="•"/>
+                </a:pPr>
+                <a:r>
+                  <a:rPr lang="en-US" dirty="0"/>
+                  <a:t>For the outer-for loop , </a:t>
+                </a:r>
+                <a14:m>
+                  <m:oMath xmlns:m="http://schemas.openxmlformats.org/officeDocument/2006/math">
+                    <m:r>
+                      <a:rPr lang="en-US" i="1" dirty="0" smtClean="0">
+                        <a:latin typeface="Cambria Math" panose="02040503050406030204" pitchFamily="18" charset="0"/>
+                      </a:rPr>
+                      <m:t>𝑖</m:t>
+                    </m:r>
+                  </m:oMath>
+                </a14:m>
+                <a:r>
+                  <a:rPr lang="en-US" dirty="0"/>
+                  <a:t> changes from 1 to n. Hence the total time complexity is</a:t>
+                </a:r>
+              </a:p>
+              <a:p>
+                <a:pPr/>
+                <a14:m>
+                  <m:oMathPara xmlns:m="http://schemas.openxmlformats.org/officeDocument/2006/math">
+                    <m:oMathParaPr>
+                      <m:jc m:val="left"/>
+                    </m:oMathParaPr>
+                    <m:oMath xmlns:m="http://schemas.openxmlformats.org/officeDocument/2006/math">
+                      <m:r>
+                        <a:rPr lang="en-US" b="0" i="1" smtClean="0">
+                          <a:latin typeface="Cambria Math" panose="02040503050406030204" pitchFamily="18" charset="0"/>
+                        </a:rPr>
+                        <m:t>      </m:t>
+                      </m:r>
+                      <m:r>
+                        <a:rPr lang="en-US" b="0" i="1" smtClean="0">
+                          <a:latin typeface="Cambria Math" panose="02040503050406030204" pitchFamily="18" charset="0"/>
+                        </a:rPr>
+                        <m:t>𝑇</m:t>
+                      </m:r>
+                      <m:d>
+                        <m:dPr>
+                          <m:ctrlPr>
+                            <a:rPr lang="en-US" b="0" i="1" smtClean="0">
+                              <a:latin typeface="Cambria Math" panose="02040503050406030204" pitchFamily="18" charset="0"/>
+                            </a:rPr>
+                          </m:ctrlPr>
+                        </m:dPr>
+                        <m:e>
+                          <m:r>
+                            <a:rPr lang="en-US" b="0" i="1" smtClean="0">
+                              <a:latin typeface="Cambria Math" panose="02040503050406030204" pitchFamily="18" charset="0"/>
+                            </a:rPr>
+                            <m:t>𝑛</m:t>
+                          </m:r>
+                        </m:e>
+                      </m:d>
+                      <m:r>
+                        <a:rPr lang="en-US" b="0" i="1" smtClean="0">
+                          <a:latin typeface="Cambria Math" panose="02040503050406030204" pitchFamily="18" charset="0"/>
+                        </a:rPr>
+                        <m:t>=</m:t>
+                      </m:r>
+                      <m:nary>
+                        <m:naryPr>
+                          <m:chr m:val="∑"/>
+                          <m:ctrlPr>
+                            <a:rPr lang="en-US" b="0" i="1" smtClean="0">
+                              <a:latin typeface="Cambria Math" panose="02040503050406030204" pitchFamily="18" charset="0"/>
+                            </a:rPr>
+                          </m:ctrlPr>
+                        </m:naryPr>
+                        <m:sub>
+                          <m:r>
+                            <a:rPr lang="en-US" b="0" i="1" smtClean="0">
+                              <a:latin typeface="Cambria Math" panose="02040503050406030204" pitchFamily="18" charset="0"/>
+                            </a:rPr>
+                            <m:t>𝑖</m:t>
+                          </m:r>
+                        </m:sub>
+                        <m:sup>
+                          <m:r>
+                            <a:rPr lang="en-US" b="0" i="1" smtClean="0">
+                              <a:latin typeface="Cambria Math" panose="02040503050406030204" pitchFamily="18" charset="0"/>
+                            </a:rPr>
+                            <m:t>𝑛</m:t>
+                          </m:r>
+                        </m:sup>
+                        <m:e>
+                          <m:r>
+                            <a:rPr lang="en-US" b="0" i="1" smtClean="0">
+                              <a:latin typeface="Cambria Math" panose="02040503050406030204" pitchFamily="18" charset="0"/>
+                            </a:rPr>
+                            <m:t>(</m:t>
+                          </m:r>
+                          <m:r>
+                            <a:rPr lang="en-US" b="0" i="1" smtClean="0">
+                              <a:latin typeface="Cambria Math" panose="02040503050406030204" pitchFamily="18" charset="0"/>
+                            </a:rPr>
+                            <m:t>𝑐</m:t>
+                          </m:r>
+                          <m:func>
+                            <m:funcPr>
+                              <m:ctrlPr>
+                                <a:rPr lang="en-US" b="0" i="1" smtClean="0">
+                                  <a:latin typeface="Cambria Math" panose="02040503050406030204" pitchFamily="18" charset="0"/>
+                                </a:rPr>
+                              </m:ctrlPr>
+                            </m:funcPr>
+                            <m:fName>
+                              <m:r>
+                                <m:rPr>
+                                  <m:sty m:val="p"/>
+                                </m:rPr>
+                                <a:rPr lang="en-US" b="0" i="0" smtClean="0">
+                                  <a:latin typeface="Cambria Math" panose="02040503050406030204" pitchFamily="18" charset="0"/>
+                                </a:rPr>
+                                <m:t>lg</m:t>
+                              </m:r>
+                            </m:fName>
+                            <m:e>
+                              <m:r>
+                                <a:rPr lang="en-US" b="0" i="1" smtClean="0">
+                                  <a:latin typeface="Cambria Math" panose="02040503050406030204" pitchFamily="18" charset="0"/>
+                                </a:rPr>
+                                <m:t>𝑛</m:t>
+                              </m:r>
+                            </m:e>
+                          </m:func>
+                          <m:r>
+                            <a:rPr lang="en-US" b="0" i="1" smtClean="0">
+                              <a:latin typeface="Cambria Math" panose="02040503050406030204" pitchFamily="18" charset="0"/>
+                            </a:rPr>
+                            <m:t>)</m:t>
+                          </m:r>
+                        </m:e>
+                      </m:nary>
+                    </m:oMath>
+                  </m:oMathPara>
+                </a14:m>
+                <a:endParaRPr lang="en-US" b="0" dirty="0"/>
+              </a:p>
+              <a:p>
+                <a14:m>
+                  <m:oMathPara xmlns:m="http://schemas.openxmlformats.org/officeDocument/2006/math">
+                    <m:oMathParaPr>
+                      <m:jc m:val="centerGroup"/>
+                    </m:oMathParaPr>
+                    <m:oMath xmlns:m="http://schemas.openxmlformats.org/officeDocument/2006/math">
+                      <m:r>
+                        <a:rPr lang="en-US" b="0" i="1" smtClean="0">
+                          <a:latin typeface="Cambria Math" panose="02040503050406030204" pitchFamily="18" charset="0"/>
+                        </a:rPr>
+                        <m:t>=</m:t>
+                      </m:r>
+                      <m:r>
+                        <a:rPr lang="en-US" b="0" i="1" smtClean="0">
+                          <a:latin typeface="Cambria Math" panose="02040503050406030204" pitchFamily="18" charset="0"/>
+                        </a:rPr>
+                        <m:t>𝑐</m:t>
+                      </m:r>
+                      <m:d>
+                        <m:dPr>
+                          <m:ctrlPr>
+                            <a:rPr lang="en-US" b="0" i="1" smtClean="0">
+                              <a:latin typeface="Cambria Math" panose="02040503050406030204" pitchFamily="18" charset="0"/>
+                            </a:rPr>
+                          </m:ctrlPr>
+                        </m:dPr>
+                        <m:e>
+                          <m:func>
+                            <m:funcPr>
+                              <m:ctrlPr>
+                                <a:rPr lang="en-US" b="0" i="1" smtClean="0">
+                                  <a:latin typeface="Cambria Math" panose="02040503050406030204" pitchFamily="18" charset="0"/>
+                                </a:rPr>
+                              </m:ctrlPr>
+                            </m:funcPr>
+                            <m:fName>
+                              <m:r>
+                                <m:rPr>
+                                  <m:sty m:val="p"/>
+                                </m:rPr>
+                                <a:rPr lang="en-US" b="0" i="0" smtClean="0">
+                                  <a:latin typeface="Cambria Math" panose="02040503050406030204" pitchFamily="18" charset="0"/>
+                                </a:rPr>
+                                <m:t>lg</m:t>
+                              </m:r>
+                            </m:fName>
+                            <m:e>
+                              <m:r>
+                                <a:rPr lang="en-US" b="0" i="1" smtClean="0">
+                                  <a:latin typeface="Cambria Math" panose="02040503050406030204" pitchFamily="18" charset="0"/>
+                                </a:rPr>
+                                <m:t>1 </m:t>
+                              </m:r>
+                            </m:e>
+                          </m:func>
+                          <m:r>
+                            <a:rPr lang="en-US" b="0" i="1" smtClean="0">
+                              <a:latin typeface="Cambria Math" panose="02040503050406030204" pitchFamily="18" charset="0"/>
+                            </a:rPr>
+                            <m:t>+</m:t>
+                          </m:r>
+                          <m:func>
+                            <m:funcPr>
+                              <m:ctrlPr>
+                                <a:rPr lang="en-US" b="0" i="1" smtClean="0">
+                                  <a:latin typeface="Cambria Math" panose="02040503050406030204" pitchFamily="18" charset="0"/>
+                                </a:rPr>
+                              </m:ctrlPr>
+                            </m:funcPr>
+                            <m:fName>
+                              <m:r>
+                                <m:rPr>
+                                  <m:sty m:val="p"/>
+                                </m:rPr>
+                                <a:rPr lang="en-US" b="0" i="0" smtClean="0">
+                                  <a:latin typeface="Cambria Math" panose="02040503050406030204" pitchFamily="18" charset="0"/>
+                                </a:rPr>
+                                <m:t>lg</m:t>
+                              </m:r>
+                            </m:fName>
+                            <m:e>
+                              <m:r>
+                                <a:rPr lang="en-US" b="0" i="1" smtClean="0">
+                                  <a:latin typeface="Cambria Math" panose="02040503050406030204" pitchFamily="18" charset="0"/>
+                                </a:rPr>
+                                <m:t>2</m:t>
+                              </m:r>
+                            </m:e>
+                          </m:func>
+                          <m:r>
+                            <a:rPr lang="en-US" b="0" i="1" smtClean="0">
+                              <a:latin typeface="Cambria Math" panose="02040503050406030204" pitchFamily="18" charset="0"/>
+                            </a:rPr>
+                            <m:t>+</m:t>
+                          </m:r>
+                          <m:func>
+                            <m:funcPr>
+                              <m:ctrlPr>
+                                <a:rPr lang="en-US" b="0" i="1" smtClean="0">
+                                  <a:latin typeface="Cambria Math" panose="02040503050406030204" pitchFamily="18" charset="0"/>
+                                </a:rPr>
+                              </m:ctrlPr>
+                            </m:funcPr>
+                            <m:fName>
+                              <m:r>
+                                <m:rPr>
+                                  <m:sty m:val="p"/>
+                                </m:rPr>
+                                <a:rPr lang="en-US" b="0" i="0" smtClean="0">
+                                  <a:latin typeface="Cambria Math" panose="02040503050406030204" pitchFamily="18" charset="0"/>
+                                </a:rPr>
+                                <m:t>lg</m:t>
+                              </m:r>
+                            </m:fName>
+                            <m:e>
+                              <m:r>
+                                <a:rPr lang="en-US" b="0" i="1" smtClean="0">
+                                  <a:latin typeface="Cambria Math" panose="02040503050406030204" pitchFamily="18" charset="0"/>
+                                </a:rPr>
+                                <m:t>3 </m:t>
+                              </m:r>
+                            </m:e>
+                          </m:func>
+                          <m:r>
+                            <a:rPr lang="en-US" b="0" i="1" smtClean="0">
+                              <a:latin typeface="Cambria Math" panose="02040503050406030204" pitchFamily="18" charset="0"/>
+                            </a:rPr>
+                            <m:t>+⋯</m:t>
+                          </m:r>
+                          <m:func>
+                            <m:funcPr>
+                              <m:ctrlPr>
+                                <a:rPr lang="en-US" b="0" i="1" smtClean="0">
+                                  <a:latin typeface="Cambria Math" panose="02040503050406030204" pitchFamily="18" charset="0"/>
+                                </a:rPr>
+                              </m:ctrlPr>
+                            </m:funcPr>
+                            <m:fName>
+                              <m:r>
+                                <m:rPr>
+                                  <m:sty m:val="p"/>
+                                </m:rPr>
+                                <a:rPr lang="en-US" b="0" i="0" smtClean="0">
+                                  <a:latin typeface="Cambria Math" panose="02040503050406030204" pitchFamily="18" charset="0"/>
+                                </a:rPr>
+                                <m:t>lg</m:t>
+                              </m:r>
+                            </m:fName>
+                            <m:e>
+                              <m:r>
+                                <a:rPr lang="en-US" b="0" i="1" smtClean="0">
+                                  <a:latin typeface="Cambria Math" panose="02040503050406030204" pitchFamily="18" charset="0"/>
+                                </a:rPr>
+                                <m:t>𝑛</m:t>
+                              </m:r>
+                            </m:e>
+                          </m:func>
+                        </m:e>
+                      </m:d>
+                      <m:r>
+                        <a:rPr lang="en-US" b="0" i="1" smtClean="0">
+                          <a:latin typeface="Cambria Math" panose="02040503050406030204" pitchFamily="18" charset="0"/>
+                        </a:rPr>
+                        <m:t>=</m:t>
+                      </m:r>
+                      <m:r>
+                        <a:rPr lang="en-US" b="0" i="1" smtClean="0">
+                          <a:latin typeface="Cambria Math" panose="02040503050406030204" pitchFamily="18" charset="0"/>
+                        </a:rPr>
+                        <m:t>𝑐</m:t>
+                      </m:r>
+                      <m:func>
+                        <m:funcPr>
+                          <m:ctrlPr>
+                            <a:rPr lang="en-US" b="0" i="1" smtClean="0">
+                              <a:latin typeface="Cambria Math" panose="02040503050406030204" pitchFamily="18" charset="0"/>
+                            </a:rPr>
+                          </m:ctrlPr>
+                        </m:funcPr>
+                        <m:fName>
+                          <m:r>
+                            <m:rPr>
+                              <m:sty m:val="p"/>
+                            </m:rPr>
+                            <a:rPr lang="en-US" b="0" i="0" smtClean="0">
+                              <a:latin typeface="Cambria Math" panose="02040503050406030204" pitchFamily="18" charset="0"/>
+                            </a:rPr>
+                            <m:t>lg</m:t>
+                          </m:r>
+                        </m:fName>
+                        <m:e>
+                          <m:r>
+                            <a:rPr lang="en-US" b="0" i="1" smtClean="0">
+                              <a:latin typeface="Cambria Math" panose="02040503050406030204" pitchFamily="18" charset="0"/>
+                            </a:rPr>
+                            <m:t>(</m:t>
+                          </m:r>
+                          <m:r>
+                            <a:rPr lang="en-US" b="0" i="1" smtClean="0">
+                              <a:latin typeface="Cambria Math" panose="02040503050406030204" pitchFamily="18" charset="0"/>
+                            </a:rPr>
+                            <m:t>𝑛</m:t>
+                          </m:r>
+                          <m:r>
+                            <a:rPr lang="en-US" b="0" i="1" smtClean="0">
+                              <a:latin typeface="Cambria Math" panose="02040503050406030204" pitchFamily="18" charset="0"/>
+                            </a:rPr>
+                            <m:t>!)</m:t>
+                          </m:r>
+                        </m:e>
+                      </m:func>
+                      <m:r>
+                        <a:rPr lang="en-US" b="0" i="1" smtClean="0">
+                          <a:latin typeface="Cambria Math" panose="02040503050406030204" pitchFamily="18" charset="0"/>
+                        </a:rPr>
+                        <m:t>=</m:t>
+                      </m:r>
+                      <m:r>
+                        <m:rPr>
+                          <m:sty m:val="p"/>
+                        </m:rPr>
+                        <a:rPr lang="en-US" b="0" i="0" smtClean="0">
+                          <a:latin typeface="Cambria Math" panose="02040503050406030204" pitchFamily="18" charset="0"/>
+                        </a:rPr>
+                        <m:t>Θ</m:t>
+                      </m:r>
+                      <m:r>
+                        <a:rPr lang="en-US" b="0" i="1" smtClean="0">
+                          <a:latin typeface="Cambria Math" panose="02040503050406030204" pitchFamily="18" charset="0"/>
+                        </a:rPr>
+                        <m:t>(</m:t>
+                      </m:r>
+                      <m:r>
+                        <a:rPr lang="en-US" b="0" i="1" smtClean="0">
+                          <a:latin typeface="Cambria Math" panose="02040503050406030204" pitchFamily="18" charset="0"/>
+                        </a:rPr>
+                        <m:t>𝑛</m:t>
+                      </m:r>
+                      <m:func>
+                        <m:funcPr>
+                          <m:ctrlPr>
+                            <a:rPr lang="en-US" b="0" i="1" smtClean="0">
+                              <a:latin typeface="Cambria Math" panose="02040503050406030204" pitchFamily="18" charset="0"/>
+                            </a:rPr>
+                          </m:ctrlPr>
+                        </m:funcPr>
+                        <m:fName>
+                          <m:r>
+                            <m:rPr>
+                              <m:sty m:val="p"/>
+                            </m:rPr>
+                            <a:rPr lang="en-US" b="0" i="0" smtClean="0">
+                              <a:latin typeface="Cambria Math" panose="02040503050406030204" pitchFamily="18" charset="0"/>
+                            </a:rPr>
+                            <m:t>lg</m:t>
+                          </m:r>
+                        </m:fName>
+                        <m:e>
+                          <m:r>
+                            <a:rPr lang="en-US" b="0" i="1" smtClean="0">
+                              <a:latin typeface="Cambria Math" panose="02040503050406030204" pitchFamily="18" charset="0"/>
+                            </a:rPr>
+                            <m:t>𝑛</m:t>
+                          </m:r>
+                        </m:e>
+                      </m:func>
+                      <m:r>
+                        <a:rPr lang="en-US" b="0" i="1" smtClean="0">
+                          <a:latin typeface="Cambria Math" panose="02040503050406030204" pitchFamily="18" charset="0"/>
+                        </a:rPr>
+                        <m:t>)</m:t>
+                      </m:r>
+                    </m:oMath>
+                  </m:oMathPara>
+                </a14:m>
+                <a:endParaRPr lang="en-US" dirty="0"/>
+              </a:p>
+            </p:txBody>
+          </p:sp>
+        </mc:Choice>
+        <mc:Fallback>
+          <p:sp>
+            <p:nvSpPr>
+              <p:cNvPr id="5" name="TextBox 4">
+                <a:extLst>
+                  <a:ext uri="{FF2B5EF4-FFF2-40B4-BE49-F238E27FC236}">
+                    <a16:creationId xmlns:a16="http://schemas.microsoft.com/office/drawing/2014/main" id="{5A74BADB-AA3B-4BA3-83CA-7003F834E331}"/>
+                  </a:ext>
+                </a:extLst>
+              </p:cNvPr>
+              <p:cNvSpPr txBox="1">
+                <a:spLocks noRot="1" noChangeAspect="1" noMove="1" noResize="1" noEditPoints="1" noAdjustHandles="1" noChangeArrowheads="1" noChangeShapeType="1" noTextEdit="1"/>
+              </p:cNvSpPr>
+              <p:nvPr/>
+            </p:nvSpPr>
+            <p:spPr>
+              <a:xfrm>
+                <a:off x="4114800" y="1524000"/>
+                <a:ext cx="4953000" cy="3335208"/>
+              </a:xfrm>
+              <a:prstGeom prst="rect">
+                <a:avLst/>
+              </a:prstGeom>
+              <a:blipFill>
+                <a:blip r:embed="rId4"/>
+                <a:stretch>
+                  <a:fillRect l="-738" t="-914" r="-1230" b="-731"/>
+                </a:stretch>
+              </a:blipFill>
+            </p:spPr>
+            <p:txBody>
+              <a:bodyPr/>
+              <a:lstStyle/>
+              <a:p>
+                <a:r>
+                  <a:rPr lang="en-US">
+                    <a:noFill/>
+                  </a:rPr>
+                  <a:t> </a:t>
+                </a:r>
+              </a:p>
+            </p:txBody>
+          </p:sp>
+        </mc:Fallback>
+      </mc:AlternateContent>
     </p:spTree>
     <p:extLst>
       <p:ext uri="{BB962C8B-B14F-4D97-AF65-F5344CB8AC3E}">
@@ -30267,10 +33494,88 @@
   <p:clrMapOvr>
     <a:masterClrMapping/>
   </p:clrMapOvr>
+  <p:timing>
+    <p:tnLst>
+      <p:par>
+        <p:cTn id="1" dur="indefinite" restart="never" nodeType="tmRoot">
+          <p:childTnLst>
+            <p:seq concurrent="1" nextAc="seek">
+              <p:cTn id="2" dur="indefinite" nodeType="mainSeq">
+                <p:childTnLst>
+                  <p:par>
+                    <p:cTn id="3" fill="hold">
+                      <p:stCondLst>
+                        <p:cond delay="indefinite"/>
+                      </p:stCondLst>
+                      <p:childTnLst>
+                        <p:par>
+                          <p:cTn id="4" fill="hold">
+                            <p:stCondLst>
+                              <p:cond delay="0"/>
+                            </p:stCondLst>
+                            <p:childTnLst>
+                              <p:par>
+                                <p:cTn id="5" presetID="1" presetClass="entr" presetSubtype="0" fill="hold" grpId="0" nodeType="clickEffect">
+                                  <p:stCondLst>
+                                    <p:cond delay="0"/>
+                                  </p:stCondLst>
+                                  <p:childTnLst>
+                                    <p:set>
+                                      <p:cBhvr>
+                                        <p:cTn id="6" dur="1" fill="hold">
+                                          <p:stCondLst>
+                                            <p:cond delay="0"/>
+                                          </p:stCondLst>
+                                        </p:cTn>
+                                        <p:tgtEl>
+                                          <p:spTgt spid="5"/>
+                                        </p:tgtEl>
+                                        <p:attrNameLst>
+                                          <p:attrName>style.visibility</p:attrName>
+                                        </p:attrNameLst>
+                                      </p:cBhvr>
+                                      <p:to>
+                                        <p:strVal val="visible"/>
+                                      </p:to>
+                                    </p:set>
+                                  </p:childTnLst>
+                                </p:cTn>
+                              </p:par>
+                            </p:childTnLst>
+                          </p:cTn>
+                        </p:par>
+                      </p:childTnLst>
+                    </p:cTn>
+                  </p:par>
+                </p:childTnLst>
+              </p:cTn>
+              <p:prevCondLst>
+                <p:cond evt="onPrev" delay="0">
+                  <p:tgtEl>
+                    <p:sldTgt/>
+                  </p:tgtEl>
+                </p:cond>
+              </p:prevCondLst>
+              <p:nextCondLst>
+                <p:cond evt="onNext" delay="0">
+                  <p:tgtEl>
+                    <p:sldTgt/>
+                  </p:tgtEl>
+                </p:cond>
+              </p:nextCondLst>
+            </p:seq>
+          </p:childTnLst>
+        </p:cTn>
+      </p:par>
+    </p:tnLst>
+    <p:bldLst>
+      <p:bldP spid="5" grpId="0"/>
+    </p:bldLst>
+  </p:timing>
 </p:sld>
 </file>
 
-<file path=ppt/slides/slide41.xml><?xml version="1.0" encoding="utf-8"?>
+<file path=ppt/slides/slide43.xml><?xml version="1.0" encoding="utf-8"?>
 <p:sld xmlns:a="http://schemas.openxmlformats.org/drawingml/2006/main" xmlns:r="http://schemas.openxmlformats.org/officeDocument/2006/relationships" xmlns:p="http://schemas.openxmlformats.org/presentationml/2006/main">
   <p:cSld>
     <p:spTree>
@@ -33084,8 +36389,8 @@
           </a:p>
         </p:txBody>
       </p:sp>
-      <mc:AlternateContent xmlns:mc="http://schemas.openxmlformats.org/markup-compatibility/2006">
-        <mc:Choice xmlns:a14="http://schemas.microsoft.com/office/drawing/2010/main" Requires="a14">
+      <mc:AlternateContent xmlns:mc="http://schemas.openxmlformats.org/markup-compatibility/2006" xmlns:a14="http://schemas.microsoft.com/office/drawing/2010/main">
+        <mc:Choice Requires="a14">
           <p:sp>
             <p:nvSpPr>
               <p:cNvPr id="3" name="Content Placeholder 2">
@@ -33182,7 +36487,7 @@
             </p:txBody>
           </p:sp>
         </mc:Choice>
-        <mc:Fallback>
+        <mc:Fallback xmlns="">
           <p:sp>
             <p:nvSpPr>
               <p:cNvPr id="3" name="Content Placeholder 2">
@@ -34013,8 +37318,8 @@
           </a:p>
         </p:txBody>
       </p:sp>
-      <mc:AlternateContent xmlns:mc="http://schemas.openxmlformats.org/markup-compatibility/2006">
-        <mc:Choice xmlns:a14="http://schemas.microsoft.com/office/drawing/2010/main" Requires="a14">
+      <mc:AlternateContent xmlns:mc="http://schemas.openxmlformats.org/markup-compatibility/2006" xmlns:a14="http://schemas.microsoft.com/office/drawing/2010/main">
+        <mc:Choice Requires="a14">
           <p:sp>
             <p:nvSpPr>
               <p:cNvPr id="4" name="Rectangle 3">
@@ -34117,7 +37422,7 @@
             </p:txBody>
           </p:sp>
         </mc:Choice>
-        <mc:Fallback>
+        <mc:Fallback xmlns="">
           <p:sp>
             <p:nvSpPr>
               <p:cNvPr id="4" name="Rectangle 3">
